--- a/files/slides/lecture_18.pptx
+++ b/files/slides/lecture_18.pptx
@@ -20668,9 +20668,26 @@
                 <a:ea typeface="微软雅黑" panose="020B0503020204020204" charset="-122"/>
                 <a:cs typeface="微软雅黑" panose="020B0503020204020204" charset="-122"/>
               </a:rPr>
-              <a:t>掌握银行信用产品的业务流程</a:t>
+              <a:t>掌握</a:t>
             </a:r>
-            <a:endParaRPr kumimoji="0" lang="zh-CN" altLang="en-US" sz="2400" i="0" u="none" strike="noStrike" kern="1200" cap="none" spc="0" normalizeH="0" baseline="0" noProof="0" dirty="0">
+            <a:r>
+              <a:rPr kumimoji="0" lang="zh-CN" altLang="en-US" sz="2400" b="1" i="0" u="none" strike="noStrike" kern="1200" cap="none" spc="0" normalizeH="0" baseline="0" noProof="0" dirty="0">
+                <a:ln>
+                  <a:noFill/>
+                </a:ln>
+                <a:solidFill>
+                  <a:schemeClr val="tx1"/>
+                </a:solidFill>
+                <a:effectLst/>
+                <a:uLnTx/>
+                <a:uFillTx/>
+                <a:latin typeface="微软雅黑" panose="020B0503020204020204" charset="-122"/>
+                <a:ea typeface="微软雅黑" panose="020B0503020204020204" charset="-122"/>
+                <a:cs typeface="微软雅黑" panose="020B0503020204020204" charset="-122"/>
+              </a:rPr>
+              <a:t>银行信用产品的业务流程</a:t>
+            </a:r>
+            <a:endParaRPr kumimoji="0" lang="zh-CN" altLang="en-US" sz="2400" b="1" i="0" u="none" strike="noStrike" kern="1200" cap="none" spc="0" normalizeH="0" baseline="0" noProof="0" dirty="0">
               <a:ln>
                 <a:noFill/>
               </a:ln>

--- a/files/slides/lecture_18.pptx
+++ b/files/slides/lecture_18.pptx
@@ -8,7 +8,7 @@
     <p:notesMasterId r:id="rId5"/>
   </p:notesMasterIdLst>
   <p:handoutMasterIdLst>
-    <p:handoutMasterId r:id="rId27"/>
+    <p:handoutMasterId r:id="rId25"/>
   </p:handoutMasterIdLst>
   <p:sldIdLst>
     <p:sldId id="276" r:id="rId3"/>
@@ -28,12 +28,10 @@
     <p:sldId id="339" r:id="rId18"/>
     <p:sldId id="328" r:id="rId19"/>
     <p:sldId id="329" r:id="rId20"/>
-    <p:sldId id="330" r:id="rId21"/>
-    <p:sldId id="331" r:id="rId22"/>
-    <p:sldId id="332" r:id="rId23"/>
-    <p:sldId id="333" r:id="rId24"/>
-    <p:sldId id="334" r:id="rId25"/>
-    <p:sldId id="283" r:id="rId26"/>
+    <p:sldId id="332" r:id="rId21"/>
+    <p:sldId id="333" r:id="rId22"/>
+    <p:sldId id="334" r:id="rId23"/>
+    <p:sldId id="283" r:id="rId24"/>
   </p:sldIdLst>
   <p:sldSz cx="12192000" cy="6858000"/>
   <p:notesSz cx="7103745" cy="10234295"/>
@@ -1499,162 +1497,6 @@
 </file>
 
 <file path=ppt/notesSlides/notesSlide2.xml><?xml version="1.0" encoding="utf-8"?>
-<p:notes xmlns:a="http://schemas.openxmlformats.org/drawingml/2006/main" xmlns:r="http://schemas.openxmlformats.org/officeDocument/2006/relationships" xmlns:p="http://schemas.openxmlformats.org/presentationml/2006/main">
-  <p:cSld>
-    <p:spTree>
-      <p:nvGrpSpPr>
-        <p:cNvPr id="1" name=""/>
-        <p:cNvGrpSpPr/>
-        <p:nvPr/>
-      </p:nvGrpSpPr>
-      <p:grpSpPr>
-        <a:xfrm>
-          <a:off x="0" y="0"/>
-          <a:ext cx="0" cy="0"/>
-          <a:chOff x="0" y="0"/>
-          <a:chExt cx="0" cy="0"/>
-        </a:xfrm>
-      </p:grpSpPr>
-      <p:sp>
-        <p:nvSpPr>
-          <p:cNvPr id="2" name="幻灯片图像占位符 1"/>
-          <p:cNvSpPr>
-            <a:spLocks noGrp="true" noRot="true" noChangeAspect="true"/>
-          </p:cNvSpPr>
-          <p:nvPr>
-            <p:ph type="sldImg"/>
-          </p:nvPr>
-        </p:nvSpPr>
-        <p:spPr/>
-      </p:sp>
-      <p:sp>
-        <p:nvSpPr>
-          <p:cNvPr id="3" name="备注占位符 2"/>
-          <p:cNvSpPr>
-            <a:spLocks noGrp="true"/>
-          </p:cNvSpPr>
-          <p:nvPr>
-            <p:ph type="body" idx="1"/>
-          </p:nvPr>
-        </p:nvSpPr>
-        <p:spPr/>
-        <p:txBody>
-          <a:bodyPr/>
-          <a:lstStyle/>
-          <a:p>
-            <a:endParaRPr lang="zh-CN" dirty="0"/>
-          </a:p>
-        </p:txBody>
-      </p:sp>
-      <p:sp>
-        <p:nvSpPr>
-          <p:cNvPr id="4" name="灯片编号占位符 3"/>
-          <p:cNvSpPr>
-            <a:spLocks noGrp="true"/>
-          </p:cNvSpPr>
-          <p:nvPr>
-            <p:ph type="sldNum" sz="quarter" idx="10"/>
-          </p:nvPr>
-        </p:nvSpPr>
-        <p:spPr/>
-        <p:txBody>
-          <a:bodyPr/>
-          <a:lstStyle/>
-          <a:p>
-            <a:fld id="{7B963944-84AD-4C31-99FF-18D9B5868545}" type="slidenum">
-              <a:rPr lang="zh-CN" altLang="en-US" smtClean="0"/>
-            </a:fld>
-            <a:endParaRPr lang="zh-CN" altLang="en-US"/>
-          </a:p>
-        </p:txBody>
-      </p:sp>
-    </p:spTree>
-  </p:cSld>
-  <p:clrMapOvr>
-    <a:masterClrMapping/>
-  </p:clrMapOvr>
-</p:notes>
-</file>
-
-<file path=ppt/notesSlides/notesSlide20.xml><?xml version="1.0" encoding="utf-8"?>
-<p:notes xmlns:a="http://schemas.openxmlformats.org/drawingml/2006/main" xmlns:r="http://schemas.openxmlformats.org/officeDocument/2006/relationships" xmlns:p="http://schemas.openxmlformats.org/presentationml/2006/main">
-  <p:cSld>
-    <p:spTree>
-      <p:nvGrpSpPr>
-        <p:cNvPr id="1" name=""/>
-        <p:cNvGrpSpPr/>
-        <p:nvPr/>
-      </p:nvGrpSpPr>
-      <p:grpSpPr>
-        <a:xfrm>
-          <a:off x="0" y="0"/>
-          <a:ext cx="0" cy="0"/>
-          <a:chOff x="0" y="0"/>
-          <a:chExt cx="0" cy="0"/>
-        </a:xfrm>
-      </p:grpSpPr>
-      <p:sp>
-        <p:nvSpPr>
-          <p:cNvPr id="2" name="幻灯片图像占位符 1"/>
-          <p:cNvSpPr>
-            <a:spLocks noGrp="true" noRot="true" noChangeAspect="true"/>
-          </p:cNvSpPr>
-          <p:nvPr>
-            <p:ph type="sldImg"/>
-          </p:nvPr>
-        </p:nvSpPr>
-        <p:spPr/>
-      </p:sp>
-      <p:sp>
-        <p:nvSpPr>
-          <p:cNvPr id="3" name="备注占位符 2"/>
-          <p:cNvSpPr>
-            <a:spLocks noGrp="true"/>
-          </p:cNvSpPr>
-          <p:nvPr>
-            <p:ph type="body" idx="1"/>
-          </p:nvPr>
-        </p:nvSpPr>
-        <p:spPr/>
-        <p:txBody>
-          <a:bodyPr/>
-          <a:lstStyle/>
-          <a:p>
-            <a:endParaRPr lang="zh-CN" dirty="0"/>
-          </a:p>
-        </p:txBody>
-      </p:sp>
-      <p:sp>
-        <p:nvSpPr>
-          <p:cNvPr id="4" name="灯片编号占位符 3"/>
-          <p:cNvSpPr>
-            <a:spLocks noGrp="true"/>
-          </p:cNvSpPr>
-          <p:nvPr>
-            <p:ph type="sldNum" sz="quarter" idx="10"/>
-          </p:nvPr>
-        </p:nvSpPr>
-        <p:spPr/>
-        <p:txBody>
-          <a:bodyPr/>
-          <a:lstStyle/>
-          <a:p>
-            <a:fld id="{7B963944-84AD-4C31-99FF-18D9B5868545}" type="slidenum">
-              <a:rPr lang="zh-CN" altLang="en-US" smtClean="0"/>
-            </a:fld>
-            <a:endParaRPr lang="zh-CN" altLang="en-US"/>
-          </a:p>
-        </p:txBody>
-      </p:sp>
-    </p:spTree>
-  </p:cSld>
-  <p:clrMapOvr>
-    <a:masterClrMapping/>
-  </p:clrMapOvr>
-</p:notes>
-</file>
-
-<file path=ppt/notesSlides/notesSlide21.xml><?xml version="1.0" encoding="utf-8"?>
 <p:notes xmlns:a="http://schemas.openxmlformats.org/drawingml/2006/main" xmlns:r="http://schemas.openxmlformats.org/officeDocument/2006/relationships" xmlns:p="http://schemas.openxmlformats.org/presentationml/2006/main">
   <p:cSld>
     <p:spTree>
@@ -6256,7 +6098,7 @@
             <a:r>
               <a:rPr lang="zh-CN" altLang="en-US">
                 <a:solidFill>
-                  <a:srgbClr val="FF0000"/>
+                  <a:srgbClr val="00B0F0"/>
                 </a:solidFill>
                 <a:latin typeface="微软雅黑" panose="020B0503020204020204" charset="-122"/>
                 <a:ea typeface="微软雅黑" panose="020B0503020204020204" charset="-122"/>
@@ -6419,7 +6261,7 @@
             <a:r>
               <a:rPr lang="zh-CN" altLang="en-US">
                 <a:solidFill>
-                  <a:srgbClr val="FF0000"/>
+                  <a:srgbClr val="00B0F0"/>
                 </a:solidFill>
                 <a:latin typeface="微软雅黑" panose="020B0503020204020204" charset="-122"/>
                 <a:ea typeface="微软雅黑" panose="020B0503020204020204" charset="-122"/>
@@ -6439,7 +6281,7 @@
             <a:r>
               <a:rPr lang="zh-CN" altLang="en-US">
                 <a:solidFill>
-                  <a:srgbClr val="FF0000"/>
+                  <a:srgbClr val="00B0F0"/>
                 </a:solidFill>
                 <a:latin typeface="微软雅黑" panose="020B0503020204020204" charset="-122"/>
                 <a:ea typeface="微软雅黑" panose="020B0503020204020204" charset="-122"/>
@@ -7772,7 +7614,7 @@
               <a:r>
                 <a:rPr lang="zh-CN" altLang="en-US" sz="1800" dirty="0">
                   <a:solidFill>
-                    <a:srgbClr val="0000FF"/>
+                    <a:schemeClr val="tx1"/>
                   </a:solidFill>
                   <a:latin typeface="微软雅黑" panose="020B0503020204020204" charset="-122"/>
                   <a:ea typeface="微软雅黑" panose="020B0503020204020204" charset="-122"/>
@@ -7783,7 +7625,7 @@
               <a:r>
                 <a:rPr lang="en-US" altLang="zh-CN" sz="1800">
                   <a:solidFill>
-                    <a:srgbClr val="0000FF"/>
+                    <a:schemeClr val="tx1"/>
                   </a:solidFill>
                   <a:latin typeface="微软雅黑" panose="020B0503020204020204" charset="-122"/>
                   <a:ea typeface="微软雅黑" panose="020B0503020204020204" charset="-122"/>
@@ -7794,7 +7636,7 @@
               <a:r>
                 <a:rPr lang="zh-CN" altLang="en-US" sz="1800" dirty="0">
                   <a:solidFill>
-                    <a:srgbClr val="0000FF"/>
+                    <a:schemeClr val="tx1"/>
                   </a:solidFill>
                   <a:latin typeface="微软雅黑" panose="020B0503020204020204" charset="-122"/>
                   <a:ea typeface="微软雅黑" panose="020B0503020204020204" charset="-122"/>
@@ -7804,7 +7646,7 @@
               </a:r>
               <a:endParaRPr lang="zh-CN" altLang="en-US" sz="1800" dirty="0">
                 <a:solidFill>
-                  <a:srgbClr val="0000FF"/>
+                  <a:schemeClr val="tx1"/>
                 </a:solidFill>
                 <a:latin typeface="微软雅黑" panose="020B0503020204020204" charset="-122"/>
                 <a:ea typeface="微软雅黑" panose="020B0503020204020204" charset="-122"/>
@@ -7826,7 +7668,7 @@
               <a:r>
                 <a:rPr lang="zh-CN" altLang="en-US" sz="1800" dirty="0">
                   <a:solidFill>
-                    <a:srgbClr val="0000FF"/>
+                    <a:schemeClr val="tx1"/>
                   </a:solidFill>
                   <a:latin typeface="微软雅黑" panose="020B0503020204020204" charset="-122"/>
                   <a:ea typeface="微软雅黑" panose="020B0503020204020204" charset="-122"/>
@@ -7837,7 +7679,7 @@
               <a:r>
                 <a:rPr lang="en-US" altLang="zh-CN" sz="1800">
                   <a:solidFill>
-                    <a:srgbClr val="0000FF"/>
+                    <a:schemeClr val="tx1"/>
                   </a:solidFill>
                   <a:latin typeface="微软雅黑" panose="020B0503020204020204" charset="-122"/>
                   <a:ea typeface="微软雅黑" panose="020B0503020204020204" charset="-122"/>
@@ -7848,7 +7690,7 @@
               <a:r>
                 <a:rPr lang="zh-CN" altLang="en-US" sz="1800" dirty="0">
                   <a:solidFill>
-                    <a:srgbClr val="0000FF"/>
+                    <a:schemeClr val="tx1"/>
                   </a:solidFill>
                   <a:latin typeface="微软雅黑" panose="020B0503020204020204" charset="-122"/>
                   <a:ea typeface="微软雅黑" panose="020B0503020204020204" charset="-122"/>
@@ -7858,7 +7700,7 @@
               </a:r>
               <a:endParaRPr lang="zh-CN" altLang="en-US" sz="1800" dirty="0">
                 <a:solidFill>
-                  <a:srgbClr val="0000FF"/>
+                  <a:schemeClr val="tx1"/>
                 </a:solidFill>
                 <a:latin typeface="微软雅黑" panose="020B0503020204020204" charset="-122"/>
                 <a:ea typeface="微软雅黑" panose="020B0503020204020204" charset="-122"/>
@@ -7880,7 +7722,7 @@
               <a:r>
                 <a:rPr lang="zh-CN" altLang="en-US" sz="1800" dirty="0">
                   <a:solidFill>
-                    <a:srgbClr val="0000FF"/>
+                    <a:schemeClr val="tx1"/>
                   </a:solidFill>
                   <a:latin typeface="微软雅黑" panose="020B0503020204020204" charset="-122"/>
                   <a:ea typeface="微软雅黑" panose="020B0503020204020204" charset="-122"/>
@@ -7891,7 +7733,7 @@
               <a:r>
                 <a:rPr lang="en-US" altLang="zh-CN" sz="1800">
                   <a:solidFill>
-                    <a:srgbClr val="0000FF"/>
+                    <a:schemeClr val="tx1"/>
                   </a:solidFill>
                   <a:latin typeface="微软雅黑" panose="020B0503020204020204" charset="-122"/>
                   <a:ea typeface="微软雅黑" panose="020B0503020204020204" charset="-122"/>
@@ -7902,7 +7744,7 @@
               <a:r>
                 <a:rPr lang="zh-CN" altLang="en-US" sz="1800" dirty="0">
                   <a:solidFill>
-                    <a:srgbClr val="0000FF"/>
+                    <a:schemeClr val="tx1"/>
                   </a:solidFill>
                   <a:latin typeface="微软雅黑" panose="020B0503020204020204" charset="-122"/>
                   <a:ea typeface="微软雅黑" panose="020B0503020204020204" charset="-122"/>
@@ -7910,9 +7752,9 @@
                 </a:rPr>
                 <a:t>）影响宏观经济政策的制定和实施。</a:t>
               </a:r>
-              <a:endParaRPr lang="en-US" altLang="zh-CN" sz="1800">
+              <a:endParaRPr lang="zh-CN" altLang="en-US" sz="1800" dirty="0">
                 <a:solidFill>
-                  <a:srgbClr val="0000FF"/>
+                  <a:schemeClr val="tx1"/>
                 </a:solidFill>
                 <a:latin typeface="微软雅黑" panose="020B0503020204020204" charset="-122"/>
                 <a:ea typeface="微软雅黑" panose="020B0503020204020204" charset="-122"/>
@@ -7959,7 +7801,7 @@
               <a:r>
                 <a:rPr lang="zh-CN" altLang="en-US" sz="1800" dirty="0">
                   <a:solidFill>
-                    <a:srgbClr val="0000FF"/>
+                    <a:schemeClr val="tx1"/>
                   </a:solidFill>
                   <a:latin typeface="微软雅黑" panose="020B0503020204020204" charset="-122"/>
                   <a:ea typeface="微软雅黑" panose="020B0503020204020204" charset="-122"/>
@@ -7968,7 +7810,7 @@
               </a:r>
               <a:endParaRPr lang="zh-CN" altLang="en-US" sz="1800" dirty="0">
                 <a:solidFill>
-                  <a:srgbClr val="0000FF"/>
+                  <a:schemeClr val="tx1"/>
                 </a:solidFill>
                 <a:latin typeface="微软雅黑" panose="020B0503020204020204" charset="-122"/>
                 <a:ea typeface="微软雅黑" panose="020B0503020204020204" charset="-122"/>
@@ -8723,7 +8565,7 @@
                     <a:noFill/>
                   </a:ln>
                   <a:solidFill>
-                    <a:srgbClr val="FF0000"/>
+                    <a:srgbClr val="00B0F0"/>
                   </a:solidFill>
                   <a:effectLst/>
                   <a:uLnTx/>
@@ -9391,7 +9233,7 @@
                     <a:noFill/>
                   </a:ln>
                   <a:solidFill>
-                    <a:srgbClr val="FF0000"/>
+                    <a:srgbClr val="00B0F0"/>
                   </a:solidFill>
                   <a:effectLst/>
                   <a:uLnTx/>
@@ -9505,7 +9347,7 @@
                     <a:noFill/>
                   </a:ln>
                   <a:solidFill>
-                    <a:srgbClr val="FF0000"/>
+                    <a:srgbClr val="00B0F0"/>
                   </a:solidFill>
                   <a:effectLst/>
                   <a:uLnTx/>
@@ -9539,7 +9381,7 @@
                     <a:noFill/>
                   </a:ln>
                   <a:solidFill>
-                    <a:srgbClr val="FF0000"/>
+                    <a:srgbClr val="00B0F0"/>
                   </a:solidFill>
                   <a:effectLst/>
                   <a:uLnTx/>
@@ -10476,7 +10318,75 @@
                   <a:ea typeface="微软雅黑" panose="020B0503020204020204" charset="-122"/>
                   <a:cs typeface="+mn-cs"/>
                 </a:rPr>
-                <a:t>主要体现在影响借款人履约能力和履约意愿的诸多因素上，包括借款人的经营能力、财务状况等可监控因素，也包括社会政治、经济变动、自然灾害等在内的银行无法回避的因素。</a:t>
+                <a:t>主要体现在影响借款人</a:t>
+              </a:r>
+              <a:r>
+                <a:rPr kumimoji="0" lang="zh-CN" altLang="en-US" sz="2200" i="0" u="none" strike="noStrike" kern="1200" cap="none" spc="0" normalizeH="0" baseline="0" noProof="0" dirty="0">
+                  <a:ln>
+                    <a:noFill/>
+                  </a:ln>
+                  <a:solidFill>
+                    <a:srgbClr val="00B0F0"/>
+                  </a:solidFill>
+                  <a:effectLst/>
+                  <a:uLnTx/>
+                  <a:uFillTx/>
+                  <a:latin typeface="微软雅黑" panose="020B0503020204020204" charset="-122"/>
+                  <a:ea typeface="微软雅黑" panose="020B0503020204020204" charset="-122"/>
+                  <a:cs typeface="+mn-cs"/>
+                </a:rPr>
+                <a:t>履约能力</a:t>
+              </a:r>
+              <a:r>
+                <a:rPr kumimoji="0" lang="zh-CN" altLang="en-US" sz="2200" i="0" u="none" strike="noStrike" kern="1200" cap="none" spc="0" normalizeH="0" baseline="0" noProof="0" dirty="0">
+                  <a:ln>
+                    <a:noFill/>
+                  </a:ln>
+                  <a:solidFill>
+                    <a:schemeClr val="tx1"/>
+                  </a:solidFill>
+                  <a:effectLst/>
+                  <a:uLnTx/>
+                  <a:uFillTx/>
+                  <a:latin typeface="微软雅黑" panose="020B0503020204020204" charset="-122"/>
+                  <a:ea typeface="微软雅黑" panose="020B0503020204020204" charset="-122"/>
+                  <a:cs typeface="+mn-cs"/>
+                </a:rPr>
+                <a:t>和</a:t>
+              </a:r>
+              <a:r>
+                <a:rPr kumimoji="0" lang="zh-CN" altLang="en-US" sz="2200" i="0" u="none" strike="noStrike" kern="1200" cap="none" spc="0" normalizeH="0" baseline="0" noProof="0" dirty="0">
+                  <a:ln>
+                    <a:noFill/>
+                  </a:ln>
+                  <a:solidFill>
+                    <a:srgbClr val="00B0F0"/>
+                  </a:solidFill>
+                  <a:effectLst/>
+                  <a:uLnTx/>
+                  <a:uFillTx/>
+                  <a:latin typeface="微软雅黑" panose="020B0503020204020204" charset="-122"/>
+                  <a:ea typeface="微软雅黑" panose="020B0503020204020204" charset="-122"/>
+                  <a:cs typeface="+mn-cs"/>
+                </a:rPr>
+                <a:t>履约意愿</a:t>
+              </a:r>
+              <a:r>
+                <a:rPr kumimoji="0" lang="zh-CN" altLang="en-US" sz="2200" i="0" u="none" strike="noStrike" kern="1200" cap="none" spc="0" normalizeH="0" baseline="0" noProof="0" dirty="0">
+                  <a:ln>
+                    <a:noFill/>
+                  </a:ln>
+                  <a:solidFill>
+                    <a:schemeClr val="tx1"/>
+                  </a:solidFill>
+                  <a:effectLst/>
+                  <a:uLnTx/>
+                  <a:uFillTx/>
+                  <a:latin typeface="微软雅黑" panose="020B0503020204020204" charset="-122"/>
+                  <a:ea typeface="微软雅黑" panose="020B0503020204020204" charset="-122"/>
+                  <a:cs typeface="+mn-cs"/>
+                </a:rPr>
+                <a:t>的诸多因素上，包括借款人的经营能力、财务状况等可监控因素，也包括社会政治、经济变动、自然灾害等在内的银行无法回避的因素。</a:t>
               </a:r>
               <a:endParaRPr kumimoji="0" lang="zh-CN" altLang="en-US" sz="2200" i="0" u="none" strike="noStrike" kern="1200" cap="none" spc="0" normalizeH="0" baseline="0" noProof="0" dirty="0">
                 <a:ln>
@@ -11207,7 +11117,7 @@
                   <a:noFill/>
                 </a:ln>
                 <a:solidFill>
-                  <a:srgbClr val="FF0000"/>
+                  <a:srgbClr val="00B0F0"/>
                 </a:solidFill>
                 <a:effectLst/>
                 <a:uLnTx/>
@@ -11216,7 +11126,24 @@
                 <a:ea typeface="微软雅黑" panose="020B0503020204020204" charset="-122"/>
                 <a:cs typeface="微软雅黑" panose="020B0503020204020204" charset="-122"/>
               </a:rPr>
-              <a:t>商业银行信用风险管理：</a:t>
+              <a:t>商业银行信用风险管理</a:t>
+            </a:r>
+            <a:r>
+              <a:rPr kumimoji="1" lang="zh-CN" altLang="en-US" sz="2000" b="0" i="0" u="sng" strike="noStrike" kern="1200" cap="none" spc="0" normalizeH="0" baseline="0" noProof="0" dirty="0">
+                <a:ln>
+                  <a:noFill/>
+                </a:ln>
+                <a:solidFill>
+                  <a:schemeClr val="tx1"/>
+                </a:solidFill>
+                <a:effectLst/>
+                <a:uLnTx/>
+                <a:uFillTx/>
+                <a:latin typeface="微软雅黑" panose="020B0503020204020204" charset="-122"/>
+                <a:ea typeface="微软雅黑" panose="020B0503020204020204" charset="-122"/>
+                <a:cs typeface="微软雅黑" panose="020B0503020204020204" charset="-122"/>
+              </a:rPr>
+              <a:t>：</a:t>
             </a:r>
             <a:r>
               <a:rPr kumimoji="1" lang="zh-CN" altLang="en-US" sz="2000" b="0" i="0" u="none" strike="noStrike" kern="1200" cap="none" spc="0" normalizeH="0" baseline="0" noProof="0" dirty="0">
@@ -11241,7 +11168,7 @@
                   <a:noFill/>
                 </a:ln>
                 <a:solidFill>
-                  <a:srgbClr val="FF0000"/>
+                  <a:srgbClr val="00B0F0"/>
                 </a:solidFill>
                 <a:effectLst/>
                 <a:uLnTx/>
@@ -11275,7 +11202,7 @@
                   <a:noFill/>
                 </a:ln>
                 <a:solidFill>
-                  <a:srgbClr val="FF0000"/>
+                  <a:srgbClr val="00B0F0"/>
                 </a:solidFill>
                 <a:effectLst/>
                 <a:uLnTx/>
@@ -11309,7 +11236,7 @@
                   <a:noFill/>
                 </a:ln>
                 <a:solidFill>
-                  <a:srgbClr val="FF0000"/>
+                  <a:srgbClr val="00B0F0"/>
                 </a:solidFill>
                 <a:effectLst/>
                 <a:uLnTx/>
@@ -11460,7 +11387,7 @@
                   <a:noFill/>
                 </a:ln>
                 <a:solidFill>
-                  <a:srgbClr val="FF0000"/>
+                  <a:srgbClr val="00B0F0"/>
                 </a:solidFill>
                 <a:effectLst/>
                 <a:uLnTx/>
@@ -11494,7 +11421,7 @@
                   <a:noFill/>
                 </a:ln>
                 <a:solidFill>
-                  <a:srgbClr val="0000FF"/>
+                  <a:srgbClr val="00B0F0"/>
                 </a:solidFill>
                 <a:effectLst/>
                 <a:uLnTx/>
@@ -11528,7 +11455,7 @@
                   <a:noFill/>
                 </a:ln>
                 <a:solidFill>
-                  <a:srgbClr val="0000FF"/>
+                  <a:srgbClr val="00B0F0"/>
                 </a:solidFill>
                 <a:effectLst/>
                 <a:uLnTx/>
@@ -11594,7 +11521,7 @@
                   <a:noFill/>
                 </a:ln>
                 <a:solidFill>
-                  <a:srgbClr val="FF0000"/>
+                  <a:srgbClr val="00B0F0"/>
                 </a:solidFill>
                 <a:effectLst/>
                 <a:uLnTx/>
@@ -11628,7 +11555,7 @@
                   <a:noFill/>
                 </a:ln>
                 <a:solidFill>
-                  <a:srgbClr val="FF0000"/>
+                  <a:srgbClr val="00B0F0"/>
                 </a:solidFill>
                 <a:effectLst/>
                 <a:uLnTx/>
@@ -11728,7 +11655,7 @@
                   <a:noFill/>
                 </a:ln>
                 <a:solidFill>
-                  <a:srgbClr val="FF0000"/>
+                  <a:srgbClr val="00B0F0"/>
                 </a:solidFill>
                 <a:effectLst/>
                 <a:uLnTx/>
@@ -11762,7 +11689,7 @@
                   <a:noFill/>
                 </a:ln>
                 <a:solidFill>
-                  <a:schemeClr val="tx1"/>
+                  <a:srgbClr val="00B0F0"/>
                 </a:solidFill>
                 <a:effectLst/>
                 <a:uLnTx/>
@@ -11796,6 +11723,23 @@
                   <a:noFill/>
                 </a:ln>
                 <a:solidFill>
+                  <a:srgbClr val="00B0F0"/>
+                </a:solidFill>
+                <a:effectLst/>
+                <a:uLnTx/>
+                <a:uFillTx/>
+                <a:latin typeface="微软雅黑" panose="020B0503020204020204" charset="-122"/>
+                <a:ea typeface="微软雅黑" panose="020B0503020204020204" charset="-122"/>
+                <a:cs typeface="微软雅黑" panose="020B0503020204020204" charset="-122"/>
+              </a:rPr>
+              <a:t>负债信用管理</a:t>
+            </a:r>
+            <a:r>
+              <a:rPr kumimoji="1" lang="zh-CN" altLang="en-US" sz="2000" b="1" i="0" u="none" strike="noStrike" kern="1200" cap="none" spc="0" normalizeH="0" baseline="0" noProof="0" dirty="0">
+                <a:ln>
+                  <a:noFill/>
+                </a:ln>
+                <a:solidFill>
                   <a:schemeClr val="tx1"/>
                 </a:solidFill>
                 <a:effectLst/>
@@ -11805,7 +11749,58 @@
                 <a:ea typeface="微软雅黑" panose="020B0503020204020204" charset="-122"/>
                 <a:cs typeface="微软雅黑" panose="020B0503020204020204" charset="-122"/>
               </a:rPr>
-              <a:t>负债信用管理、资本信用管理和表外信用管理</a:t>
+              <a:t>、</a:t>
+            </a:r>
+            <a:r>
+              <a:rPr kumimoji="1" lang="zh-CN" altLang="en-US" sz="2000" b="1" i="0" u="none" strike="noStrike" kern="1200" cap="none" spc="0" normalizeH="0" baseline="0" noProof="0" dirty="0">
+                <a:ln>
+                  <a:noFill/>
+                </a:ln>
+                <a:solidFill>
+                  <a:srgbClr val="00B0F0"/>
+                </a:solidFill>
+                <a:effectLst/>
+                <a:uLnTx/>
+                <a:uFillTx/>
+                <a:latin typeface="微软雅黑" panose="020B0503020204020204" charset="-122"/>
+                <a:ea typeface="微软雅黑" panose="020B0503020204020204" charset="-122"/>
+                <a:cs typeface="微软雅黑" panose="020B0503020204020204" charset="-122"/>
+              </a:rPr>
+              <a:t>资本信用管理</a:t>
+            </a:r>
+            <a:r>
+              <a:rPr kumimoji="1" lang="zh-CN" altLang="en-US" sz="2000" i="0" u="none" strike="noStrike" kern="1200" cap="none" spc="0" normalizeH="0" baseline="0" noProof="0" dirty="0">
+                <a:ln>
+                  <a:noFill/>
+                </a:ln>
+                <a:solidFill>
+                  <a:schemeClr val="tx1"/>
+                </a:solidFill>
+                <a:effectLst/>
+                <a:uLnTx/>
+                <a:uFillTx/>
+                <a:latin typeface="微软雅黑" panose="020B0503020204020204" charset="-122"/>
+                <a:ea typeface="微软雅黑" panose="020B0503020204020204" charset="-122"/>
+                <a:cs typeface="微软雅黑" panose="020B0503020204020204" charset="-122"/>
+              </a:rPr>
+              <a:t>和</a:t>
+            </a:r>
+            <a:r>
+              <a:rPr kumimoji="1" lang="zh-CN" altLang="en-US" sz="2000" b="1" i="0" u="none" strike="noStrike" kern="1200" cap="none" spc="0" normalizeH="0" baseline="0" noProof="0" dirty="0">
+                <a:ln>
+                  <a:noFill/>
+                </a:ln>
+                <a:solidFill>
+                  <a:srgbClr val="00B0F0"/>
+                </a:solidFill>
+                <a:effectLst/>
+                <a:uLnTx/>
+                <a:uFillTx/>
+                <a:latin typeface="微软雅黑" panose="020B0503020204020204" charset="-122"/>
+                <a:ea typeface="微软雅黑" panose="020B0503020204020204" charset="-122"/>
+                <a:cs typeface="微软雅黑" panose="020B0503020204020204" charset="-122"/>
+              </a:rPr>
+              <a:t>表外信用管理</a:t>
             </a:r>
             <a:r>
               <a:rPr kumimoji="1" lang="zh-CN" altLang="en-US" sz="2000" b="0" i="0" u="none" strike="noStrike" kern="1200" cap="none" spc="0" normalizeH="0" baseline="0" noProof="0" dirty="0">
@@ -12673,7 +12668,7 @@
                   <a:noFill/>
                 </a:ln>
                 <a:solidFill>
-                  <a:srgbClr val="FF0000"/>
+                  <a:schemeClr val="tx1"/>
                 </a:solidFill>
                 <a:effectLst/>
                 <a:uLnTx/>
@@ -12744,7 +12739,24 @@
                 <a:latin typeface="微软雅黑" panose="020B0503020204020204" charset="-122"/>
                 <a:ea typeface="微软雅黑" panose="020B0503020204020204" charset="-122"/>
               </a:rPr>
-              <a:t>商业银行在贷款和投资等资产经营业务中，进行有效的风险控制和管理，建立识别和规避资产信用风险方法、模型技术，实现商业银行的资产盈利性和安全性。</a:t>
+              <a:t>商业银行</a:t>
+            </a:r>
+            <a:r>
+              <a:rPr lang="zh-CN" altLang="en-US">
+                <a:solidFill>
+                  <a:srgbClr val="00B0F0"/>
+                </a:solidFill>
+                <a:latin typeface="微软雅黑" panose="020B0503020204020204" charset="-122"/>
+                <a:ea typeface="微软雅黑" panose="020B0503020204020204" charset="-122"/>
+              </a:rPr>
+              <a:t>在贷款和投资等资产经营业务中</a:t>
+            </a:r>
+            <a:r>
+              <a:rPr lang="zh-CN" altLang="en-US">
+                <a:latin typeface="微软雅黑" panose="020B0503020204020204" charset="-122"/>
+                <a:ea typeface="微软雅黑" panose="020B0503020204020204" charset="-122"/>
+              </a:rPr>
+              <a:t>，进行有效的风险控制和管理，建立识别和规避资产信用风险方法、模型技术，实现商业银行的资产盈利性和安全性。</a:t>
             </a:r>
             <a:endParaRPr lang="zh-CN" altLang="en-US">
               <a:latin typeface="微软雅黑" panose="020B0503020204020204" charset="-122"/>
@@ -12887,7 +12899,58 @@
                 <a:latin typeface="微软雅黑" panose="020B0503020204020204" charset="-122"/>
                 <a:ea typeface="微软雅黑" panose="020B0503020204020204" charset="-122"/>
               </a:rPr>
-              <a:t>负债信用管理是指商业银行依托银行的信誉，通过发行负债，如存款、借入资金（同业拆借、向央行借款）筹集资金，进行负债信用经营，以满足商业银行发展和流动性需求，预防和控制流动性风险。</a:t>
+              <a:t>负债信用管理是指商业银行依托银行的信誉，</a:t>
+            </a:r>
+            <a:r>
+              <a:rPr lang="zh-CN" altLang="en-US">
+                <a:solidFill>
+                  <a:srgbClr val="00B0F0"/>
+                </a:solidFill>
+                <a:latin typeface="微软雅黑" panose="020B0503020204020204" charset="-122"/>
+                <a:ea typeface="微软雅黑" panose="020B0503020204020204" charset="-122"/>
+              </a:rPr>
+              <a:t>通过发行负债</a:t>
+            </a:r>
+            <a:r>
+              <a:rPr lang="zh-CN" altLang="en-US">
+                <a:latin typeface="微软雅黑" panose="020B0503020204020204" charset="-122"/>
+                <a:ea typeface="微软雅黑" panose="020B0503020204020204" charset="-122"/>
+              </a:rPr>
+              <a:t>，如</a:t>
+            </a:r>
+            <a:r>
+              <a:rPr lang="zh-CN" altLang="en-US">
+                <a:solidFill>
+                  <a:srgbClr val="00B0F0"/>
+                </a:solidFill>
+                <a:latin typeface="微软雅黑" panose="020B0503020204020204" charset="-122"/>
+                <a:ea typeface="微软雅黑" panose="020B0503020204020204" charset="-122"/>
+              </a:rPr>
+              <a:t>存款、借入资金</a:t>
+            </a:r>
+            <a:r>
+              <a:rPr lang="zh-CN" altLang="en-US">
+                <a:latin typeface="微软雅黑" panose="020B0503020204020204" charset="-122"/>
+                <a:ea typeface="微软雅黑" panose="020B0503020204020204" charset="-122"/>
+              </a:rPr>
+              <a:t>（同业拆借、向央行借款）</a:t>
+            </a:r>
+            <a:r>
+              <a:rPr lang="zh-CN" altLang="en-US">
+                <a:solidFill>
+                  <a:srgbClr val="00B0F0"/>
+                </a:solidFill>
+                <a:latin typeface="微软雅黑" panose="020B0503020204020204" charset="-122"/>
+                <a:ea typeface="微软雅黑" panose="020B0503020204020204" charset="-122"/>
+              </a:rPr>
+              <a:t>筹集资金</a:t>
+            </a:r>
+            <a:r>
+              <a:rPr lang="zh-CN" altLang="en-US">
+                <a:latin typeface="微软雅黑" panose="020B0503020204020204" charset="-122"/>
+                <a:ea typeface="微软雅黑" panose="020B0503020204020204" charset="-122"/>
+              </a:rPr>
+              <a:t>，进行负债信用经营，以满足商业银行发展和流动性需求，预防和控制流动性风险。</a:t>
             </a:r>
             <a:endParaRPr lang="zh-CN" altLang="en-US">
               <a:latin typeface="微软雅黑" panose="020B0503020204020204" charset="-122"/>
@@ -12993,7 +13056,7 @@
                   <a:noFill/>
                 </a:ln>
                 <a:solidFill>
-                  <a:srgbClr val="FF0000"/>
+                  <a:schemeClr val="tx1"/>
                 </a:solidFill>
                 <a:effectLst/>
                 <a:uLnTx/>
@@ -13064,7 +13127,42 @@
                 <a:latin typeface="微软雅黑" panose="020B0503020204020204" charset="-122"/>
                 <a:ea typeface="微软雅黑" panose="020B0503020204020204" charset="-122"/>
               </a:rPr>
-              <a:t>商业银行通过发行股票等方式筹集资本金，并对资本金进行科学管理，建立有效的银行资本金补充机制，预防和规避商业银行的信用风险和流动性风险等，保持公众信心和银行体系安全。</a:t>
+              <a:t>商业银行通过</a:t>
+            </a:r>
+            <a:r>
+              <a:rPr lang="zh-CN" altLang="en-US">
+                <a:solidFill>
+                  <a:srgbClr val="00B0F0"/>
+                </a:solidFill>
+                <a:latin typeface="微软雅黑" panose="020B0503020204020204" charset="-122"/>
+                <a:ea typeface="微软雅黑" panose="020B0503020204020204" charset="-122"/>
+              </a:rPr>
+              <a:t>发行股票等方式筹集资本金</a:t>
+            </a:r>
+            <a:r>
+              <a:rPr lang="zh-CN" altLang="en-US">
+                <a:latin typeface="微软雅黑" panose="020B0503020204020204" charset="-122"/>
+                <a:ea typeface="微软雅黑" panose="020B0503020204020204" charset="-122"/>
+              </a:rPr>
+              <a:t>，并对</a:t>
+            </a:r>
+            <a:r>
+              <a:rPr lang="zh-CN" altLang="en-US">
+                <a:solidFill>
+                  <a:srgbClr val="00B0F0"/>
+                </a:solidFill>
+                <a:latin typeface="微软雅黑" panose="020B0503020204020204" charset="-122"/>
+                <a:ea typeface="微软雅黑" panose="020B0503020204020204" charset="-122"/>
+                <a:hlinkClick r:id="rId4" tooltip="" action="ppaction://hlinkfile"/>
+              </a:rPr>
+              <a:t>资本金</a:t>
+            </a:r>
+            <a:r>
+              <a:rPr lang="zh-CN" altLang="en-US">
+                <a:latin typeface="微软雅黑" panose="020B0503020204020204" charset="-122"/>
+                <a:ea typeface="微软雅黑" panose="020B0503020204020204" charset="-122"/>
+              </a:rPr>
+              <a:t>进行科学管理，建立有效的银行资本金补充机制，预防和规避商业银行的信用风险和流动性风险等，保持公众信心和银行体系安全。</a:t>
             </a:r>
             <a:endParaRPr lang="zh-CN" altLang="en-US">
               <a:latin typeface="微软雅黑" panose="020B0503020204020204" charset="-122"/>
@@ -13224,7 +13322,35 @@
                 <a:latin typeface="微软雅黑" panose="020B0503020204020204" charset="-122"/>
                 <a:ea typeface="微软雅黑" panose="020B0503020204020204" charset="-122"/>
               </a:rPr>
-              <a:t>商业银行在表外信用业务经营中，建立有效的表外风险控制机制，从而增加银行收益。</a:t>
+              <a:t>商业银行在</a:t>
+            </a:r>
+            <a:r>
+              <a:rPr lang="zh-CN" altLang="en-US">
+                <a:solidFill>
+                  <a:srgbClr val="00B0F0"/>
+                </a:solidFill>
+                <a:latin typeface="微软雅黑" panose="020B0503020204020204" charset="-122"/>
+                <a:ea typeface="微软雅黑" panose="020B0503020204020204" charset="-122"/>
+                <a:hlinkClick r:id="rId5" tooltip="" action="ppaction://hlinkfile"/>
+              </a:rPr>
+              <a:t>表外信用业务</a:t>
+            </a:r>
+            <a:r>
+              <a:rPr lang="zh-CN" altLang="en-US">
+                <a:solidFill>
+                  <a:srgbClr val="00B0F0"/>
+                </a:solidFill>
+                <a:latin typeface="微软雅黑" panose="020B0503020204020204" charset="-122"/>
+                <a:ea typeface="微软雅黑" panose="020B0503020204020204" charset="-122"/>
+              </a:rPr>
+              <a:t>经营中</a:t>
+            </a:r>
+            <a:r>
+              <a:rPr lang="zh-CN" altLang="en-US">
+                <a:latin typeface="微软雅黑" panose="020B0503020204020204" charset="-122"/>
+                <a:ea typeface="微软雅黑" panose="020B0503020204020204" charset="-122"/>
+              </a:rPr>
+              <a:t>，建立有效的表外风险控制机制，从而增加银行收益。</a:t>
             </a:r>
             <a:endParaRPr lang="zh-CN" altLang="en-US">
               <a:latin typeface="微软雅黑" panose="020B0503020204020204" charset="-122"/>
@@ -13886,7 +14012,7 @@
                     <a:noFill/>
                   </a:ln>
                   <a:solidFill>
-                    <a:srgbClr val="FF0000"/>
+                    <a:srgbClr val="00B0F0"/>
                   </a:solidFill>
                   <a:effectLst/>
                   <a:uLnTx/>
@@ -13912,7 +14038,7 @@
                   <a:ea typeface="微软雅黑" panose="020B0503020204020204" charset="-122"/>
                   <a:cs typeface="微软雅黑" panose="020B0503020204020204" charset="-122"/>
                 </a:rPr>
-                <a:t>的经营，控制由于非对称信息存在对信用决策的影响，从而</a:t>
+                <a:t>的经营，控制由于</a:t>
               </a:r>
               <a:r>
                 <a:rPr kumimoji="0" lang="zh-CN" altLang="en-US" sz="2000" b="0" i="0" u="none" strike="noStrike" kern="1200" cap="none" spc="0" normalizeH="0" baseline="0" noProof="0" dirty="0">
@@ -13920,7 +14046,41 @@
                     <a:noFill/>
                   </a:ln>
                   <a:solidFill>
-                    <a:srgbClr val="FF0000"/>
+                    <a:srgbClr val="00B0F0"/>
+                  </a:solidFill>
+                  <a:effectLst/>
+                  <a:uLnTx/>
+                  <a:uFillTx/>
+                  <a:latin typeface="微软雅黑" panose="020B0503020204020204" charset="-122"/>
+                  <a:ea typeface="微软雅黑" panose="020B0503020204020204" charset="-122"/>
+                  <a:cs typeface="微软雅黑" panose="020B0503020204020204" charset="-122"/>
+                </a:rPr>
+                <a:t>非对称信息</a:t>
+              </a:r>
+              <a:r>
+                <a:rPr kumimoji="0" lang="zh-CN" altLang="en-US" sz="2000" b="0" i="0" u="none" strike="noStrike" kern="1200" cap="none" spc="0" normalizeH="0" baseline="0" noProof="0" dirty="0">
+                  <a:ln>
+                    <a:noFill/>
+                  </a:ln>
+                  <a:solidFill>
+                    <a:srgbClr val="000000"/>
+                  </a:solidFill>
+                  <a:effectLst/>
+                  <a:uLnTx/>
+                  <a:uFillTx/>
+                  <a:latin typeface="微软雅黑" panose="020B0503020204020204" charset="-122"/>
+                  <a:ea typeface="微软雅黑" panose="020B0503020204020204" charset="-122"/>
+                  <a:cs typeface="微软雅黑" panose="020B0503020204020204" charset="-122"/>
+                </a:rPr>
+                <a:t>存在对信用决策的影响，从而</a:t>
+              </a:r>
+              <a:r>
+                <a:rPr kumimoji="0" lang="zh-CN" altLang="en-US" sz="2000" b="0" i="0" u="none" strike="noStrike" kern="1200" cap="none" spc="0" normalizeH="0" baseline="0" noProof="0" dirty="0">
+                  <a:ln>
+                    <a:noFill/>
+                  </a:ln>
+                  <a:solidFill>
+                    <a:schemeClr val="tx1"/>
                   </a:solidFill>
                   <a:effectLst/>
                   <a:uLnTx/>
@@ -14043,7 +14203,7 @@
                     <a:noFill/>
                   </a:ln>
                   <a:solidFill>
-                    <a:schemeClr val="tx1"/>
+                    <a:srgbClr val="00B0F0"/>
                   </a:solidFill>
                   <a:effectLst/>
                   <a:uLnTx/>
@@ -14077,7 +14237,7 @@
                     <a:noFill/>
                   </a:ln>
                   <a:solidFill>
-                    <a:srgbClr val="FF0000"/>
+                    <a:srgbClr val="00B0F0"/>
                   </a:solidFill>
                   <a:effectLst/>
                   <a:uLnTx/>
@@ -14200,7 +14360,7 @@
                     <a:noFill/>
                   </a:ln>
                   <a:solidFill>
-                    <a:srgbClr val="000000"/>
+                    <a:srgbClr val="00B0F0"/>
                   </a:solidFill>
                   <a:effectLst/>
                   <a:uLnTx/>
@@ -14251,7 +14411,7 @@
                     <a:noFill/>
                   </a:ln>
                   <a:solidFill>
-                    <a:srgbClr val="FF0000"/>
+                    <a:srgbClr val="00B0F0"/>
                   </a:solidFill>
                   <a:effectLst/>
                   <a:uLnTx/>
@@ -14285,7 +14445,7 @@
                     <a:noFill/>
                   </a:ln>
                   <a:solidFill>
-                    <a:srgbClr val="FF0000"/>
+                    <a:srgbClr val="00B0F0"/>
                   </a:solidFill>
                   <a:effectLst/>
                   <a:uLnTx/>
@@ -14408,7 +14568,7 @@
                     <a:noFill/>
                   </a:ln>
                   <a:solidFill>
-                    <a:schemeClr val="tx1"/>
+                    <a:srgbClr val="00B0F0"/>
                   </a:solidFill>
                   <a:effectLst/>
                   <a:uLnTx/>
@@ -14442,7 +14602,7 @@
                     <a:noFill/>
                   </a:ln>
                   <a:solidFill>
-                    <a:srgbClr val="FF0000"/>
+                    <a:srgbClr val="00B0F0"/>
                   </a:solidFill>
                   <a:effectLst/>
                   <a:uLnTx/>
@@ -14527,7 +14687,7 @@
                     <a:noFill/>
                   </a:ln>
                   <a:solidFill>
-                    <a:srgbClr val="FF0000"/>
+                    <a:srgbClr val="00B0F0"/>
                   </a:solidFill>
                   <a:effectLst/>
                   <a:uLnTx/>
@@ -15035,7 +15195,7 @@
         </p:nvGrpSpPr>
         <p:grpSpPr>
           <a:xfrm>
-            <a:off x="2463800" y="2191385"/>
+            <a:off x="2463800" y="2073910"/>
             <a:ext cx="7264400" cy="4394200"/>
             <a:chOff x="1238250" y="1628775"/>
             <a:chExt cx="7264400" cy="4394200"/>
@@ -15184,7 +15344,7 @@
               <a:r>
                 <a:rPr lang="zh-CN" altLang="en-US" dirty="0">
                   <a:solidFill>
-                    <a:srgbClr val="FF0000"/>
+                    <a:srgbClr val="00B0F0"/>
                   </a:solidFill>
                   <a:latin typeface="微软雅黑" panose="020B0503020204020204" charset="-122"/>
                   <a:ea typeface="微软雅黑" panose="020B0503020204020204" charset="-122"/>
@@ -16601,7 +16761,7 @@
               <a:r>
                 <a:rPr lang="zh-CN" altLang="en-US" dirty="0">
                   <a:solidFill>
-                    <a:srgbClr val="FF0000"/>
+                    <a:srgbClr val="00B0F0"/>
                   </a:solidFill>
                   <a:latin typeface="微软雅黑" panose="020B0503020204020204" charset="-122"/>
                   <a:ea typeface="微软雅黑" panose="020B0503020204020204" charset="-122"/>
@@ -16616,7 +16776,27 @@
                   <a:latin typeface="微软雅黑" panose="020B0503020204020204" charset="-122"/>
                   <a:ea typeface="微软雅黑" panose="020B0503020204020204" charset="-122"/>
                 </a:rPr>
-                <a:t>的均衡，即如何使得银行在满足金融监管要求的同时达到风险资本的最优配置。</a:t>
+                <a:t>的均衡，即如何使得银行</a:t>
+              </a:r>
+              <a:r>
+                <a:rPr lang="zh-CN" altLang="en-US" dirty="0">
+                  <a:solidFill>
+                    <a:srgbClr val="00B0F0"/>
+                  </a:solidFill>
+                  <a:latin typeface="微软雅黑" panose="020B0503020204020204" charset="-122"/>
+                  <a:ea typeface="微软雅黑" panose="020B0503020204020204" charset="-122"/>
+                </a:rPr>
+                <a:t>在满足金融监管要求的同时</a:t>
+              </a:r>
+              <a:r>
+                <a:rPr lang="zh-CN" altLang="en-US" dirty="0">
+                  <a:solidFill>
+                    <a:srgbClr val="000000"/>
+                  </a:solidFill>
+                  <a:latin typeface="微软雅黑" panose="020B0503020204020204" charset="-122"/>
+                  <a:ea typeface="微软雅黑" panose="020B0503020204020204" charset="-122"/>
+                </a:rPr>
+                <a:t>达到风险资本的最优配置。</a:t>
               </a:r>
               <a:endParaRPr lang="zh-CN" altLang="en-US" dirty="0">
                 <a:solidFill>
@@ -16660,7 +16840,7 @@
             <a:r>
               <a:rPr lang="zh-CN" altLang="en-US">
                 <a:solidFill>
-                  <a:srgbClr val="FF0000"/>
+                  <a:srgbClr val="00B0F0"/>
                 </a:solidFill>
                 <a:latin typeface="微软雅黑" panose="020B0503020204020204" charset="-122"/>
                 <a:ea typeface="微软雅黑" panose="020B0503020204020204" charset="-122"/>
@@ -16677,7 +16857,7 @@
             <a:r>
               <a:rPr lang="zh-CN" altLang="en-US">
                 <a:solidFill>
-                  <a:srgbClr val="FF0000"/>
+                  <a:srgbClr val="00B0F0"/>
                 </a:solidFill>
                 <a:latin typeface="微软雅黑" panose="020B0503020204020204" charset="-122"/>
                 <a:ea typeface="微软雅黑" panose="020B0503020204020204" charset="-122"/>
@@ -16722,4005 +16902,6 @@
 </file>
 
 <file path=ppt/slides/slide18.xml><?xml version="1.0" encoding="utf-8"?>
-<p:sld xmlns:a="http://schemas.openxmlformats.org/drawingml/2006/main" xmlns:r="http://schemas.openxmlformats.org/officeDocument/2006/relationships" xmlns:p="http://schemas.openxmlformats.org/presentationml/2006/main">
-  <p:cSld>
-    <p:spTree>
-      <p:nvGrpSpPr>
-        <p:cNvPr id="1" name=""/>
-        <p:cNvGrpSpPr/>
-        <p:nvPr/>
-      </p:nvGrpSpPr>
-      <p:grpSpPr>
-        <a:xfrm>
-          <a:off x="0" y="0"/>
-          <a:ext cx="0" cy="0"/>
-          <a:chOff x="0" y="0"/>
-          <a:chExt cx="0" cy="0"/>
-        </a:xfrm>
-      </p:grpSpPr>
-      <p:grpSp>
-        <p:nvGrpSpPr>
-          <p:cNvPr id="18" name="组合 17"/>
-          <p:cNvGrpSpPr/>
-          <p:nvPr/>
-        </p:nvGrpSpPr>
-        <p:grpSpPr>
-          <a:xfrm>
-            <a:off x="-2" y="0"/>
-            <a:ext cx="12192002" cy="6858000"/>
-            <a:chOff x="-2" y="0"/>
-            <a:chExt cx="12192002" cy="6858000"/>
-          </a:xfrm>
-        </p:grpSpPr>
-        <p:pic>
-          <p:nvPicPr>
-            <p:cNvPr id="19" name="图片 18"/>
-            <p:cNvPicPr>
-              <a:picLocks noChangeAspect="true"/>
-            </p:cNvPicPr>
-            <p:nvPr/>
-          </p:nvPicPr>
-          <p:blipFill rotWithShape="true">
-            <a:blip r:embed="rId1" cstate="screen">
-              <a:extLst>
-                <a:ext uri="{BEBA8EAE-BF5A-486C-A8C5-ECC9F3942E4B}">
-                  <a14:imgProps xmlns:a14="http://schemas.microsoft.com/office/drawing/2010/main">
-                    <a14:imgLayer r:embed="rId2">
-                      <a14:imgEffect>
-                        <a14:brightnessContrast bright="9000"/>
-                      </a14:imgEffect>
-                    </a14:imgLayer>
-                  </a14:imgProps>
-                </a:ext>
-              </a:extLst>
-            </a:blip>
-            <a:srcRect/>
-            <a:stretch>
-              <a:fillRect/>
-            </a:stretch>
-          </p:blipFill>
-          <p:spPr>
-            <a:xfrm>
-              <a:off x="-1" y="0"/>
-              <a:ext cx="12192001" cy="6858000"/>
-            </a:xfrm>
-            <a:prstGeom prst="rect">
-              <a:avLst/>
-            </a:prstGeom>
-          </p:spPr>
-        </p:pic>
-        <p:pic>
-          <p:nvPicPr>
-            <p:cNvPr id="20" name="图片 19"/>
-            <p:cNvPicPr>
-              <a:picLocks noChangeAspect="true"/>
-            </p:cNvPicPr>
-            <p:nvPr/>
-          </p:nvPicPr>
-          <p:blipFill>
-            <a:blip r:embed="rId3">
-              <a:lum bright="70000" contrast="-70000"/>
-            </a:blip>
-            <a:srcRect l="4950"/>
-            <a:stretch>
-              <a:fillRect/>
-            </a:stretch>
-          </p:blipFill>
-          <p:spPr>
-            <a:xfrm>
-              <a:off x="5707965" y="2575"/>
-              <a:ext cx="6484035" cy="77036"/>
-            </a:xfrm>
-            <a:custGeom>
-              <a:avLst/>
-              <a:gdLst>
-                <a:gd name="connsiteX0" fmla="*/ 137250 w 4702465"/>
-                <a:gd name="connsiteY0" fmla="*/ 0 h 222240"/>
-                <a:gd name="connsiteX1" fmla="*/ 4702465 w 4702465"/>
-                <a:gd name="connsiteY1" fmla="*/ 0 h 222240"/>
-                <a:gd name="connsiteX2" fmla="*/ 4702465 w 4702465"/>
-                <a:gd name="connsiteY2" fmla="*/ 222240 h 222240"/>
-                <a:gd name="connsiteX3" fmla="*/ 0 w 4702465"/>
-                <a:gd name="connsiteY3" fmla="*/ 222240 h 222240"/>
-              </a:gdLst>
-              <a:ahLst/>
-              <a:cxnLst>
-                <a:cxn ang="0">
-                  <a:pos x="connsiteX0" y="connsiteY0"/>
-                </a:cxn>
-                <a:cxn ang="0">
-                  <a:pos x="connsiteX1" y="connsiteY1"/>
-                </a:cxn>
-                <a:cxn ang="0">
-                  <a:pos x="connsiteX2" y="connsiteY2"/>
-                </a:cxn>
-                <a:cxn ang="0">
-                  <a:pos x="connsiteX3" y="connsiteY3"/>
-                </a:cxn>
-              </a:cxnLst>
-              <a:rect l="l" t="t" r="r" b="b"/>
-              <a:pathLst>
-                <a:path w="4702465" h="222240">
-                  <a:moveTo>
-                    <a:pt x="137250" y="0"/>
-                  </a:moveTo>
-                  <a:lnTo>
-                    <a:pt x="4702465" y="0"/>
-                  </a:lnTo>
-                  <a:lnTo>
-                    <a:pt x="4702465" y="222240"/>
-                  </a:lnTo>
-                  <a:lnTo>
-                    <a:pt x="0" y="222240"/>
-                  </a:lnTo>
-                  <a:close/>
-                </a:path>
-              </a:pathLst>
-            </a:custGeom>
-            <a:solidFill>
-              <a:schemeClr val="bg1"/>
-            </a:solidFill>
-          </p:spPr>
-        </p:pic>
-        <p:pic>
-          <p:nvPicPr>
-            <p:cNvPr id="21" name="图片 20"/>
-            <p:cNvPicPr>
-              <a:picLocks noChangeAspect="true"/>
-            </p:cNvPicPr>
-            <p:nvPr/>
-          </p:nvPicPr>
-          <p:blipFill>
-            <a:blip r:embed="rId3">
-              <a:lum bright="70000" contrast="-70000"/>
-            </a:blip>
-            <a:srcRect l="4950" r="26116"/>
-            <a:stretch>
-              <a:fillRect/>
-            </a:stretch>
-          </p:blipFill>
-          <p:spPr>
-            <a:xfrm flipH="true" flipV="true">
-              <a:off x="-2" y="2575"/>
-              <a:ext cx="4702465" cy="77036"/>
-            </a:xfrm>
-            <a:custGeom>
-              <a:avLst/>
-              <a:gdLst>
-                <a:gd name="connsiteX0" fmla="*/ 137250 w 4702465"/>
-                <a:gd name="connsiteY0" fmla="*/ 0 h 222240"/>
-                <a:gd name="connsiteX1" fmla="*/ 4702465 w 4702465"/>
-                <a:gd name="connsiteY1" fmla="*/ 0 h 222240"/>
-                <a:gd name="connsiteX2" fmla="*/ 4702465 w 4702465"/>
-                <a:gd name="connsiteY2" fmla="*/ 222240 h 222240"/>
-                <a:gd name="connsiteX3" fmla="*/ 0 w 4702465"/>
-                <a:gd name="connsiteY3" fmla="*/ 222240 h 222240"/>
-              </a:gdLst>
-              <a:ahLst/>
-              <a:cxnLst>
-                <a:cxn ang="0">
-                  <a:pos x="connsiteX0" y="connsiteY0"/>
-                </a:cxn>
-                <a:cxn ang="0">
-                  <a:pos x="connsiteX1" y="connsiteY1"/>
-                </a:cxn>
-                <a:cxn ang="0">
-                  <a:pos x="connsiteX2" y="connsiteY2"/>
-                </a:cxn>
-                <a:cxn ang="0">
-                  <a:pos x="connsiteX3" y="connsiteY3"/>
-                </a:cxn>
-              </a:cxnLst>
-              <a:rect l="l" t="t" r="r" b="b"/>
-              <a:pathLst>
-                <a:path w="4702465" h="222240">
-                  <a:moveTo>
-                    <a:pt x="137250" y="0"/>
-                  </a:moveTo>
-                  <a:lnTo>
-                    <a:pt x="4702465" y="0"/>
-                  </a:lnTo>
-                  <a:lnTo>
-                    <a:pt x="4702465" y="222240"/>
-                  </a:lnTo>
-                  <a:lnTo>
-                    <a:pt x="0" y="222240"/>
-                  </a:lnTo>
-                  <a:close/>
-                </a:path>
-              </a:pathLst>
-            </a:custGeom>
-            <a:solidFill>
-              <a:schemeClr val="bg1"/>
-            </a:solidFill>
-          </p:spPr>
-        </p:pic>
-        <p:pic>
-          <p:nvPicPr>
-            <p:cNvPr id="22" name="图片 21"/>
-            <p:cNvPicPr>
-              <a:picLocks noChangeAspect="true"/>
-            </p:cNvPicPr>
-            <p:nvPr/>
-          </p:nvPicPr>
-          <p:blipFill>
-            <a:blip r:embed="rId3">
-              <a:lum bright="70000" contrast="-70000"/>
-            </a:blip>
-            <a:srcRect l="4950"/>
-            <a:stretch>
-              <a:fillRect/>
-            </a:stretch>
-          </p:blipFill>
-          <p:spPr>
-            <a:xfrm rot="10800000">
-              <a:off x="-2" y="6759208"/>
-              <a:ext cx="6484035" cy="95234"/>
-            </a:xfrm>
-            <a:custGeom>
-              <a:avLst/>
-              <a:gdLst>
-                <a:gd name="connsiteX0" fmla="*/ 137250 w 4702465"/>
-                <a:gd name="connsiteY0" fmla="*/ 0 h 222240"/>
-                <a:gd name="connsiteX1" fmla="*/ 4702465 w 4702465"/>
-                <a:gd name="connsiteY1" fmla="*/ 0 h 222240"/>
-                <a:gd name="connsiteX2" fmla="*/ 4702465 w 4702465"/>
-                <a:gd name="connsiteY2" fmla="*/ 222240 h 222240"/>
-                <a:gd name="connsiteX3" fmla="*/ 0 w 4702465"/>
-                <a:gd name="connsiteY3" fmla="*/ 222240 h 222240"/>
-              </a:gdLst>
-              <a:ahLst/>
-              <a:cxnLst>
-                <a:cxn ang="0">
-                  <a:pos x="connsiteX0" y="connsiteY0"/>
-                </a:cxn>
-                <a:cxn ang="0">
-                  <a:pos x="connsiteX1" y="connsiteY1"/>
-                </a:cxn>
-                <a:cxn ang="0">
-                  <a:pos x="connsiteX2" y="connsiteY2"/>
-                </a:cxn>
-                <a:cxn ang="0">
-                  <a:pos x="connsiteX3" y="connsiteY3"/>
-                </a:cxn>
-              </a:cxnLst>
-              <a:rect l="l" t="t" r="r" b="b"/>
-              <a:pathLst>
-                <a:path w="4702465" h="222240">
-                  <a:moveTo>
-                    <a:pt x="137250" y="0"/>
-                  </a:moveTo>
-                  <a:lnTo>
-                    <a:pt x="4702465" y="0"/>
-                  </a:lnTo>
-                  <a:lnTo>
-                    <a:pt x="4702465" y="222240"/>
-                  </a:lnTo>
-                  <a:lnTo>
-                    <a:pt x="0" y="222240"/>
-                  </a:lnTo>
-                  <a:close/>
-                </a:path>
-              </a:pathLst>
-            </a:custGeom>
-            <a:solidFill>
-              <a:schemeClr val="bg1"/>
-            </a:solidFill>
-          </p:spPr>
-        </p:pic>
-        <p:pic>
-          <p:nvPicPr>
-            <p:cNvPr id="25" name="图片 24"/>
-            <p:cNvPicPr>
-              <a:picLocks noChangeAspect="true"/>
-            </p:cNvPicPr>
-            <p:nvPr/>
-          </p:nvPicPr>
-          <p:blipFill>
-            <a:blip r:embed="rId3">
-              <a:lum bright="70000" contrast="-70000"/>
-            </a:blip>
-            <a:srcRect l="4950" r="26116"/>
-            <a:stretch>
-              <a:fillRect/>
-            </a:stretch>
-          </p:blipFill>
-          <p:spPr>
-            <a:xfrm rot="10800000" flipH="true" flipV="true">
-              <a:off x="7489535" y="6759208"/>
-              <a:ext cx="4702465" cy="95234"/>
-            </a:xfrm>
-            <a:custGeom>
-              <a:avLst/>
-              <a:gdLst>
-                <a:gd name="connsiteX0" fmla="*/ 137250 w 4702465"/>
-                <a:gd name="connsiteY0" fmla="*/ 0 h 222240"/>
-                <a:gd name="connsiteX1" fmla="*/ 4702465 w 4702465"/>
-                <a:gd name="connsiteY1" fmla="*/ 0 h 222240"/>
-                <a:gd name="connsiteX2" fmla="*/ 4702465 w 4702465"/>
-                <a:gd name="connsiteY2" fmla="*/ 222240 h 222240"/>
-                <a:gd name="connsiteX3" fmla="*/ 0 w 4702465"/>
-                <a:gd name="connsiteY3" fmla="*/ 222240 h 222240"/>
-              </a:gdLst>
-              <a:ahLst/>
-              <a:cxnLst>
-                <a:cxn ang="0">
-                  <a:pos x="connsiteX0" y="connsiteY0"/>
-                </a:cxn>
-                <a:cxn ang="0">
-                  <a:pos x="connsiteX1" y="connsiteY1"/>
-                </a:cxn>
-                <a:cxn ang="0">
-                  <a:pos x="connsiteX2" y="connsiteY2"/>
-                </a:cxn>
-                <a:cxn ang="0">
-                  <a:pos x="connsiteX3" y="connsiteY3"/>
-                </a:cxn>
-              </a:cxnLst>
-              <a:rect l="l" t="t" r="r" b="b"/>
-              <a:pathLst>
-                <a:path w="4702465" h="222240">
-                  <a:moveTo>
-                    <a:pt x="137250" y="0"/>
-                  </a:moveTo>
-                  <a:lnTo>
-                    <a:pt x="4702465" y="0"/>
-                  </a:lnTo>
-                  <a:lnTo>
-                    <a:pt x="4702465" y="222240"/>
-                  </a:lnTo>
-                  <a:lnTo>
-                    <a:pt x="0" y="222240"/>
-                  </a:lnTo>
-                  <a:close/>
-                </a:path>
-              </a:pathLst>
-            </a:custGeom>
-            <a:solidFill>
-              <a:schemeClr val="bg1"/>
-            </a:solidFill>
-          </p:spPr>
-        </p:pic>
-      </p:grpSp>
-      <p:pic>
-        <p:nvPicPr>
-          <p:cNvPr id="12" name="图片 11"/>
-          <p:cNvPicPr>
-            <a:picLocks noChangeAspect="true"/>
-          </p:cNvPicPr>
-          <p:nvPr/>
-        </p:nvPicPr>
-        <p:blipFill>
-          <a:blip r:embed="rId3"/>
-          <a:stretch>
-            <a:fillRect/>
-          </a:stretch>
-        </p:blipFill>
-        <p:spPr>
-          <a:xfrm rot="10800000">
-            <a:off x="0" y="79375"/>
-            <a:ext cx="12192000" cy="638175"/>
-          </a:xfrm>
-          <a:prstGeom prst="rect">
-            <a:avLst/>
-          </a:prstGeom>
-          <a:solidFill>
-            <a:schemeClr val="bg1"/>
-          </a:solidFill>
-        </p:spPr>
-      </p:pic>
-      <p:sp>
-        <p:nvSpPr>
-          <p:cNvPr id="14" name="文本框 13"/>
-          <p:cNvSpPr txBox="true"/>
-          <p:nvPr/>
-        </p:nvSpPr>
-        <p:spPr>
-          <a:xfrm>
-            <a:off x="314325" y="137160"/>
-            <a:ext cx="7472045" cy="583565"/>
-          </a:xfrm>
-          <a:prstGeom prst="rect">
-            <a:avLst/>
-          </a:prstGeom>
-          <a:noFill/>
-        </p:spPr>
-        <p:txBody>
-          <a:bodyPr wrap="square" rtlCol="0">
-            <a:spAutoFit/>
-          </a:bodyPr>
-          <a:p>
-            <a:r>
-              <a:rPr lang="zh-CN" altLang="en-US" sz="3200" dirty="0">
-                <a:solidFill>
-                  <a:schemeClr val="bg1"/>
-                </a:solidFill>
-                <a:latin typeface="微软雅黑" panose="020B0503020204020204" charset="-122"/>
-                <a:ea typeface="微软雅黑" panose="020B0503020204020204" charset="-122"/>
-                <a:sym typeface="+mn-ea"/>
-              </a:rPr>
-              <a:t>（四）银行信用管理内容</a:t>
-            </a:r>
-            <a:endParaRPr lang="zh-CN" altLang="en-US" sz="3200" dirty="0">
-              <a:solidFill>
-                <a:schemeClr val="bg1"/>
-              </a:solidFill>
-              <a:latin typeface="微软雅黑" panose="020B0503020204020204" charset="-122"/>
-              <a:ea typeface="微软雅黑" panose="020B0503020204020204" charset="-122"/>
-              <a:sym typeface="+mn-ea"/>
-            </a:endParaRPr>
-          </a:p>
-        </p:txBody>
-      </p:sp>
-      <p:grpSp>
-        <p:nvGrpSpPr>
-          <p:cNvPr id="2" name="组合 1"/>
-          <p:cNvGrpSpPr/>
-          <p:nvPr/>
-        </p:nvGrpSpPr>
-        <p:grpSpPr>
-          <a:xfrm>
-            <a:off x="2121393" y="2029248"/>
-            <a:ext cx="7948930" cy="3476868"/>
-            <a:chOff x="2413" y="3473"/>
-            <a:chExt cx="8050" cy="4103"/>
-          </a:xfrm>
-        </p:grpSpPr>
-        <p:sp>
-          <p:nvSpPr>
-            <p:cNvPr id="30728" name="Text Box 11"/>
-            <p:cNvSpPr txBox="true"/>
-            <p:nvPr/>
-          </p:nvSpPr>
-          <p:spPr>
-            <a:xfrm>
-              <a:off x="2413" y="3740"/>
-              <a:ext cx="3612" cy="368"/>
-            </a:xfrm>
-            <a:prstGeom prst="rect">
-              <a:avLst/>
-            </a:prstGeom>
-            <a:gradFill rotWithShape="true">
-              <a:gsLst>
-                <a:gs pos="0">
-                  <a:srgbClr val="FFFF00">
-                    <a:alpha val="100000"/>
-                  </a:srgbClr>
-                </a:gs>
-                <a:gs pos="64999">
-                  <a:srgbClr val="F0EBD5">
-                    <a:alpha val="100000"/>
-                  </a:srgbClr>
-                </a:gs>
-                <a:gs pos="100000">
-                  <a:srgbClr val="D1C39F">
-                    <a:alpha val="100000"/>
-                  </a:srgbClr>
-                </a:gs>
-              </a:gsLst>
-              <a:lin ang="8100000"/>
-              <a:tileRect/>
-            </a:gradFill>
-            <a:ln w="12700" cap="flat" cmpd="sng">
-              <a:solidFill>
-                <a:srgbClr val="000000"/>
-              </a:solidFill>
-              <a:prstDash val="solid"/>
-              <a:miter/>
-              <a:headEnd type="none" w="med" len="med"/>
-              <a:tailEnd type="none" w="med" len="med"/>
-            </a:ln>
-          </p:spPr>
-          <p:txBody>
-            <a:bodyPr lIns="66751" tIns="33376" rIns="66751" bIns="33376" anchor="t" anchorCtr="false">
-              <a:spAutoFit/>
-            </a:bodyPr>
-            <a:p>
-              <a:pPr algn="ctr" eaLnBrk="0" hangingPunct="0">
-                <a:lnSpc>
-                  <a:spcPct val="80000"/>
-                </a:lnSpc>
-                <a:spcBef>
-                  <a:spcPct val="20000"/>
-                </a:spcBef>
-                <a:buClr>
-                  <a:schemeClr val="hlink"/>
-                </a:buClr>
-              </a:pPr>
-              <a:r>
-                <a:rPr lang="zh-CN" altLang="en-US" sz="2000" b="1" dirty="0">
-                  <a:solidFill>
-                    <a:srgbClr val="000000"/>
-                  </a:solidFill>
-                  <a:latin typeface="微软雅黑" panose="020B0503020204020204" charset="-122"/>
-                  <a:ea typeface="微软雅黑" panose="020B0503020204020204" charset="-122"/>
-                </a:rPr>
-                <a:t>初级信用风险管理</a:t>
-              </a:r>
-              <a:endParaRPr lang="zh-CN" altLang="en-US" sz="2000" b="1" dirty="0">
-                <a:solidFill>
-                  <a:srgbClr val="000000"/>
-                </a:solidFill>
-                <a:latin typeface="微软雅黑" panose="020B0503020204020204" charset="-122"/>
-                <a:ea typeface="微软雅黑" panose="020B0503020204020204" charset="-122"/>
-              </a:endParaRPr>
-            </a:p>
-          </p:txBody>
-        </p:sp>
-        <p:sp>
-          <p:nvSpPr>
-            <p:cNvPr id="30729" name="Text Box 10"/>
-            <p:cNvSpPr txBox="true"/>
-            <p:nvPr/>
-          </p:nvSpPr>
-          <p:spPr>
-            <a:xfrm>
-              <a:off x="2413" y="5430"/>
-              <a:ext cx="3615" cy="368"/>
-            </a:xfrm>
-            <a:prstGeom prst="rect">
-              <a:avLst/>
-            </a:prstGeom>
-            <a:gradFill rotWithShape="true">
-              <a:gsLst>
-                <a:gs pos="0">
-                  <a:srgbClr val="FFFF00">
-                    <a:alpha val="100000"/>
-                  </a:srgbClr>
-                </a:gs>
-                <a:gs pos="64999">
-                  <a:srgbClr val="F0EBD5">
-                    <a:alpha val="100000"/>
-                  </a:srgbClr>
-                </a:gs>
-                <a:gs pos="100000">
-                  <a:srgbClr val="D1C39F">
-                    <a:alpha val="100000"/>
-                  </a:srgbClr>
-                </a:gs>
-              </a:gsLst>
-              <a:lin ang="8100000"/>
-              <a:tileRect/>
-            </a:gradFill>
-            <a:ln w="12700" cap="flat" cmpd="sng">
-              <a:solidFill>
-                <a:srgbClr val="000000"/>
-              </a:solidFill>
-              <a:prstDash val="solid"/>
-              <a:miter/>
-              <a:headEnd type="none" w="med" len="med"/>
-              <a:tailEnd type="none" w="med" len="med"/>
-            </a:ln>
-          </p:spPr>
-          <p:txBody>
-            <a:bodyPr lIns="66751" tIns="33376" rIns="66751" bIns="33376" anchor="t" anchorCtr="false">
-              <a:spAutoFit/>
-            </a:bodyPr>
-            <a:p>
-              <a:pPr algn="ctr" eaLnBrk="0" hangingPunct="0">
-                <a:lnSpc>
-                  <a:spcPct val="80000"/>
-                </a:lnSpc>
-                <a:spcBef>
-                  <a:spcPct val="20000"/>
-                </a:spcBef>
-                <a:buClr>
-                  <a:schemeClr val="hlink"/>
-                </a:buClr>
-              </a:pPr>
-              <a:r>
-                <a:rPr lang="zh-CN" altLang="en-US" sz="2000" b="1" dirty="0">
-                  <a:solidFill>
-                    <a:srgbClr val="000000"/>
-                  </a:solidFill>
-                  <a:latin typeface="微软雅黑" panose="020B0503020204020204" charset="-122"/>
-                  <a:ea typeface="微软雅黑" panose="020B0503020204020204" charset="-122"/>
-                </a:rPr>
-                <a:t>中级信用风险管理</a:t>
-              </a:r>
-              <a:endParaRPr lang="zh-CN" altLang="en-US" sz="2000" b="1" dirty="0">
-                <a:solidFill>
-                  <a:srgbClr val="000000"/>
-                </a:solidFill>
-                <a:latin typeface="微软雅黑" panose="020B0503020204020204" charset="-122"/>
-                <a:ea typeface="微软雅黑" panose="020B0503020204020204" charset="-122"/>
-              </a:endParaRPr>
-            </a:p>
-          </p:txBody>
-        </p:sp>
-        <p:sp>
-          <p:nvSpPr>
-            <p:cNvPr id="30730" name="Text Box 9"/>
-            <p:cNvSpPr txBox="true"/>
-            <p:nvPr/>
-          </p:nvSpPr>
-          <p:spPr>
-            <a:xfrm>
-              <a:off x="2413" y="7115"/>
-              <a:ext cx="3615" cy="368"/>
-            </a:xfrm>
-            <a:prstGeom prst="rect">
-              <a:avLst/>
-            </a:prstGeom>
-            <a:gradFill rotWithShape="true">
-              <a:gsLst>
-                <a:gs pos="0">
-                  <a:srgbClr val="FFFF00">
-                    <a:alpha val="100000"/>
-                  </a:srgbClr>
-                </a:gs>
-                <a:gs pos="64999">
-                  <a:srgbClr val="F0EBD5">
-                    <a:alpha val="100000"/>
-                  </a:srgbClr>
-                </a:gs>
-                <a:gs pos="100000">
-                  <a:srgbClr val="D1C39F">
-                    <a:alpha val="100000"/>
-                  </a:srgbClr>
-                </a:gs>
-              </a:gsLst>
-              <a:lin ang="8100000"/>
-              <a:tileRect/>
-            </a:gradFill>
-            <a:ln w="12700" cap="flat" cmpd="sng">
-              <a:solidFill>
-                <a:srgbClr val="000000"/>
-              </a:solidFill>
-              <a:prstDash val="solid"/>
-              <a:miter/>
-              <a:headEnd type="none" w="med" len="med"/>
-              <a:tailEnd type="none" w="med" len="med"/>
-            </a:ln>
-          </p:spPr>
-          <p:txBody>
-            <a:bodyPr lIns="66751" tIns="33376" rIns="66751" bIns="33376" anchor="t" anchorCtr="false">
-              <a:spAutoFit/>
-            </a:bodyPr>
-            <a:p>
-              <a:pPr algn="ctr" eaLnBrk="0" hangingPunct="0">
-                <a:lnSpc>
-                  <a:spcPct val="80000"/>
-                </a:lnSpc>
-                <a:spcBef>
-                  <a:spcPct val="20000"/>
-                </a:spcBef>
-                <a:buClr>
-                  <a:schemeClr val="hlink"/>
-                </a:buClr>
-              </a:pPr>
-              <a:r>
-                <a:rPr lang="zh-CN" altLang="en-US" sz="2000" b="1" dirty="0">
-                  <a:solidFill>
-                    <a:srgbClr val="000000"/>
-                  </a:solidFill>
-                  <a:latin typeface="微软雅黑" panose="020B0503020204020204" charset="-122"/>
-                  <a:ea typeface="微软雅黑" panose="020B0503020204020204" charset="-122"/>
-                </a:rPr>
-                <a:t>高级信用风险管理</a:t>
-              </a:r>
-              <a:endParaRPr lang="zh-CN" altLang="en-US" sz="2000" b="1" dirty="0">
-                <a:solidFill>
-                  <a:srgbClr val="000000"/>
-                </a:solidFill>
-                <a:latin typeface="微软雅黑" panose="020B0503020204020204" charset="-122"/>
-                <a:ea typeface="微软雅黑" panose="020B0503020204020204" charset="-122"/>
-              </a:endParaRPr>
-            </a:p>
-          </p:txBody>
-        </p:sp>
-        <p:sp>
-          <p:nvSpPr>
-            <p:cNvPr id="30731" name="Text Box 8"/>
-            <p:cNvSpPr txBox="true"/>
-            <p:nvPr/>
-          </p:nvSpPr>
-          <p:spPr>
-            <a:xfrm>
-              <a:off x="6860" y="3473"/>
-              <a:ext cx="3603" cy="731"/>
-            </a:xfrm>
-            <a:prstGeom prst="rect">
-              <a:avLst/>
-            </a:prstGeom>
-            <a:gradFill rotWithShape="true">
-              <a:gsLst>
-                <a:gs pos="0">
-                  <a:srgbClr val="FFFF00">
-                    <a:alpha val="100000"/>
-                  </a:srgbClr>
-                </a:gs>
-                <a:gs pos="64999">
-                  <a:srgbClr val="F0EBD5">
-                    <a:alpha val="100000"/>
-                  </a:srgbClr>
-                </a:gs>
-                <a:gs pos="100000">
-                  <a:srgbClr val="D1C39F">
-                    <a:alpha val="100000"/>
-                  </a:srgbClr>
-                </a:gs>
-              </a:gsLst>
-              <a:lin ang="8100000"/>
-              <a:tileRect/>
-            </a:gradFill>
-            <a:ln w="12700" cap="flat" cmpd="sng">
-              <a:solidFill>
-                <a:srgbClr val="000000"/>
-              </a:solidFill>
-              <a:prstDash val="solid"/>
-              <a:miter/>
-              <a:headEnd type="none" w="med" len="med"/>
-              <a:tailEnd type="none" w="med" len="med"/>
-            </a:ln>
-          </p:spPr>
-          <p:txBody>
-            <a:bodyPr lIns="66751" tIns="33376" rIns="66751" bIns="33376" anchor="t" anchorCtr="false">
-              <a:spAutoFit/>
-            </a:bodyPr>
-            <a:p>
-              <a:pPr algn="ctr" eaLnBrk="0" hangingPunct="0">
-                <a:lnSpc>
-                  <a:spcPct val="80000"/>
-                </a:lnSpc>
-                <a:spcBef>
-                  <a:spcPct val="20000"/>
-                </a:spcBef>
-                <a:buClr>
-                  <a:schemeClr val="hlink"/>
-                </a:buClr>
-              </a:pPr>
-              <a:r>
-                <a:rPr lang="zh-CN" altLang="en-US" sz="2000" b="1" dirty="0">
-                  <a:solidFill>
-                    <a:srgbClr val="000000"/>
-                  </a:solidFill>
-                  <a:latin typeface="微软雅黑" panose="020B0503020204020204" charset="-122"/>
-                  <a:ea typeface="微软雅黑" panose="020B0503020204020204" charset="-122"/>
-                </a:rPr>
-                <a:t>贷款损失分布</a:t>
-              </a:r>
-              <a:endParaRPr lang="zh-CN" altLang="en-US" sz="2000" b="1" dirty="0">
-                <a:solidFill>
-                  <a:srgbClr val="000000"/>
-                </a:solidFill>
-                <a:latin typeface="微软雅黑" panose="020B0503020204020204" charset="-122"/>
-                <a:ea typeface="微软雅黑" panose="020B0503020204020204" charset="-122"/>
-              </a:endParaRPr>
-            </a:p>
-            <a:p>
-              <a:pPr algn="ctr" eaLnBrk="0" hangingPunct="0"/>
-              <a:r>
-                <a:rPr lang="zh-CN" altLang="en-US" sz="2000" b="1" dirty="0">
-                  <a:solidFill>
-                    <a:srgbClr val="000000"/>
-                  </a:solidFill>
-                  <a:latin typeface="微软雅黑" panose="020B0503020204020204" charset="-122"/>
-                  <a:ea typeface="微软雅黑" panose="020B0503020204020204" charset="-122"/>
-                </a:rPr>
-                <a:t>贷款风险定价</a:t>
-              </a:r>
-              <a:endParaRPr lang="zh-CN" altLang="en-US" sz="2000" b="1" dirty="0">
-                <a:solidFill>
-                  <a:srgbClr val="000000"/>
-                </a:solidFill>
-                <a:latin typeface="微软雅黑" panose="020B0503020204020204" charset="-122"/>
-                <a:ea typeface="微软雅黑" panose="020B0503020204020204" charset="-122"/>
-              </a:endParaRPr>
-            </a:p>
-          </p:txBody>
-        </p:sp>
-        <p:sp>
-          <p:nvSpPr>
-            <p:cNvPr id="30732" name="Text Box 7"/>
-            <p:cNvSpPr txBox="true"/>
-            <p:nvPr/>
-          </p:nvSpPr>
-          <p:spPr>
-            <a:xfrm>
-              <a:off x="6860" y="5158"/>
-              <a:ext cx="3603" cy="731"/>
-            </a:xfrm>
-            <a:prstGeom prst="rect">
-              <a:avLst/>
-            </a:prstGeom>
-            <a:gradFill rotWithShape="true">
-              <a:gsLst>
-                <a:gs pos="0">
-                  <a:srgbClr val="FFFF00">
-                    <a:alpha val="100000"/>
-                  </a:srgbClr>
-                </a:gs>
-                <a:gs pos="64999">
-                  <a:srgbClr val="F0EBD5">
-                    <a:alpha val="100000"/>
-                  </a:srgbClr>
-                </a:gs>
-                <a:gs pos="100000">
-                  <a:srgbClr val="D1C39F">
-                    <a:alpha val="100000"/>
-                  </a:srgbClr>
-                </a:gs>
-              </a:gsLst>
-              <a:lin ang="8100000"/>
-              <a:tileRect/>
-            </a:gradFill>
-            <a:ln w="12700" cap="flat" cmpd="sng">
-              <a:solidFill>
-                <a:srgbClr val="000000"/>
-              </a:solidFill>
-              <a:prstDash val="solid"/>
-              <a:miter/>
-              <a:headEnd type="none" w="med" len="med"/>
-              <a:tailEnd type="none" w="med" len="med"/>
-            </a:ln>
-          </p:spPr>
-          <p:txBody>
-            <a:bodyPr lIns="66751" tIns="33376" rIns="66751" bIns="33376" anchor="t" anchorCtr="false">
-              <a:spAutoFit/>
-            </a:bodyPr>
-            <a:p>
-              <a:pPr algn="ctr" eaLnBrk="0" hangingPunct="0">
-                <a:lnSpc>
-                  <a:spcPct val="80000"/>
-                </a:lnSpc>
-                <a:spcBef>
-                  <a:spcPct val="20000"/>
-                </a:spcBef>
-                <a:buClr>
-                  <a:schemeClr val="hlink"/>
-                </a:buClr>
-              </a:pPr>
-              <a:r>
-                <a:rPr lang="zh-CN" altLang="en-US" sz="2000" b="1" dirty="0">
-                  <a:solidFill>
-                    <a:srgbClr val="000000"/>
-                  </a:solidFill>
-                  <a:latin typeface="微软雅黑" panose="020B0503020204020204" charset="-122"/>
-                  <a:ea typeface="微软雅黑" panose="020B0503020204020204" charset="-122"/>
-                </a:rPr>
-                <a:t>一般资本配置</a:t>
-              </a:r>
-              <a:endParaRPr lang="zh-CN" altLang="en-US" sz="2000" b="1" dirty="0">
-                <a:solidFill>
-                  <a:srgbClr val="000000"/>
-                </a:solidFill>
-                <a:latin typeface="微软雅黑" panose="020B0503020204020204" charset="-122"/>
-                <a:ea typeface="微软雅黑" panose="020B0503020204020204" charset="-122"/>
-              </a:endParaRPr>
-            </a:p>
-            <a:p>
-              <a:pPr algn="ctr" eaLnBrk="0" hangingPunct="0"/>
-              <a:r>
-                <a:rPr lang="zh-CN" altLang="en-US" sz="2000" b="1" dirty="0">
-                  <a:solidFill>
-                    <a:srgbClr val="000000"/>
-                  </a:solidFill>
-                  <a:latin typeface="微软雅黑" panose="020B0503020204020204" charset="-122"/>
-                  <a:ea typeface="微软雅黑" panose="020B0503020204020204" charset="-122"/>
-                </a:rPr>
-                <a:t>风险资本充足性</a:t>
-              </a:r>
-              <a:endParaRPr lang="zh-CN" altLang="en-US" sz="2000" b="1" dirty="0">
-                <a:solidFill>
-                  <a:srgbClr val="000000"/>
-                </a:solidFill>
-                <a:latin typeface="微软雅黑" panose="020B0503020204020204" charset="-122"/>
-                <a:ea typeface="微软雅黑" panose="020B0503020204020204" charset="-122"/>
-              </a:endParaRPr>
-            </a:p>
-          </p:txBody>
-        </p:sp>
-        <p:sp>
-          <p:nvSpPr>
-            <p:cNvPr id="30733" name="Text Box 6"/>
-            <p:cNvSpPr txBox="true"/>
-            <p:nvPr/>
-          </p:nvSpPr>
-          <p:spPr>
-            <a:xfrm>
-              <a:off x="6860" y="6845"/>
-              <a:ext cx="3603" cy="731"/>
-            </a:xfrm>
-            <a:prstGeom prst="rect">
-              <a:avLst/>
-            </a:prstGeom>
-            <a:gradFill rotWithShape="true">
-              <a:gsLst>
-                <a:gs pos="0">
-                  <a:srgbClr val="FFFF00">
-                    <a:alpha val="100000"/>
-                  </a:srgbClr>
-                </a:gs>
-                <a:gs pos="64999">
-                  <a:srgbClr val="F0EBD5">
-                    <a:alpha val="100000"/>
-                  </a:srgbClr>
-                </a:gs>
-                <a:gs pos="100000">
-                  <a:srgbClr val="D1C39F">
-                    <a:alpha val="100000"/>
-                  </a:srgbClr>
-                </a:gs>
-              </a:gsLst>
-              <a:lin ang="8100000"/>
-              <a:tileRect/>
-            </a:gradFill>
-            <a:ln w="12700" cap="flat" cmpd="sng">
-              <a:solidFill>
-                <a:srgbClr val="000000"/>
-              </a:solidFill>
-              <a:prstDash val="solid"/>
-              <a:miter/>
-              <a:headEnd type="none" w="med" len="med"/>
-              <a:tailEnd type="none" w="med" len="med"/>
-            </a:ln>
-          </p:spPr>
-          <p:txBody>
-            <a:bodyPr lIns="66751" tIns="33376" rIns="66751" bIns="33376" anchor="t" anchorCtr="false">
-              <a:spAutoFit/>
-            </a:bodyPr>
-            <a:p>
-              <a:pPr algn="ctr" eaLnBrk="0" hangingPunct="0">
-                <a:lnSpc>
-                  <a:spcPct val="80000"/>
-                </a:lnSpc>
-                <a:spcBef>
-                  <a:spcPct val="20000"/>
-                </a:spcBef>
-                <a:buClr>
-                  <a:schemeClr val="hlink"/>
-                </a:buClr>
-              </a:pPr>
-              <a:r>
-                <a:rPr lang="zh-CN" altLang="en-US" sz="2000" b="1" dirty="0">
-                  <a:solidFill>
-                    <a:srgbClr val="000000"/>
-                  </a:solidFill>
-                  <a:latin typeface="微软雅黑" panose="020B0503020204020204" charset="-122"/>
-                  <a:ea typeface="微软雅黑" panose="020B0503020204020204" charset="-122"/>
-                </a:rPr>
-                <a:t>风险资本配置</a:t>
-              </a:r>
-              <a:endParaRPr lang="zh-CN" altLang="en-US" sz="2000" b="1" dirty="0">
-                <a:solidFill>
-                  <a:srgbClr val="000000"/>
-                </a:solidFill>
-                <a:latin typeface="微软雅黑" panose="020B0503020204020204" charset="-122"/>
-                <a:ea typeface="微软雅黑" panose="020B0503020204020204" charset="-122"/>
-              </a:endParaRPr>
-            </a:p>
-            <a:p>
-              <a:pPr algn="ctr" eaLnBrk="0" hangingPunct="0"/>
-              <a:r>
-                <a:rPr lang="zh-CN" altLang="en-US" sz="2000" b="1" dirty="0">
-                  <a:solidFill>
-                    <a:srgbClr val="000000"/>
-                  </a:solidFill>
-                  <a:latin typeface="微软雅黑" panose="020B0503020204020204" charset="-122"/>
-                  <a:ea typeface="微软雅黑" panose="020B0503020204020204" charset="-122"/>
-                </a:rPr>
-                <a:t>风险调整绩效评估</a:t>
-              </a:r>
-              <a:endParaRPr lang="zh-CN" altLang="en-US" sz="2000" b="1" dirty="0">
-                <a:solidFill>
-                  <a:srgbClr val="000000"/>
-                </a:solidFill>
-                <a:latin typeface="微软雅黑" panose="020B0503020204020204" charset="-122"/>
-                <a:ea typeface="微软雅黑" panose="020B0503020204020204" charset="-122"/>
-              </a:endParaRPr>
-            </a:p>
-          </p:txBody>
-        </p:sp>
-        <p:sp>
-          <p:nvSpPr>
-            <p:cNvPr id="30734" name="Line 5"/>
-            <p:cNvSpPr/>
-            <p:nvPr/>
-          </p:nvSpPr>
-          <p:spPr>
-            <a:xfrm>
-              <a:off x="6025" y="3983"/>
-              <a:ext cx="835" cy="0"/>
-            </a:xfrm>
-            <a:prstGeom prst="line">
-              <a:avLst/>
-            </a:prstGeom>
-            <a:ln w="12700" cap="flat" cmpd="sng">
-              <a:solidFill>
-                <a:srgbClr val="000000"/>
-              </a:solidFill>
-              <a:prstDash val="solid"/>
-              <a:round/>
-              <a:headEnd type="none" w="med" len="med"/>
-              <a:tailEnd type="triangle" w="med" len="med"/>
-            </a:ln>
-          </p:spPr>
-        </p:sp>
-        <p:sp>
-          <p:nvSpPr>
-            <p:cNvPr id="30735" name="Line 4"/>
-            <p:cNvSpPr/>
-            <p:nvPr/>
-          </p:nvSpPr>
-          <p:spPr>
-            <a:xfrm>
-              <a:off x="6025" y="5670"/>
-              <a:ext cx="835" cy="0"/>
-            </a:xfrm>
-            <a:prstGeom prst="line">
-              <a:avLst/>
-            </a:prstGeom>
-            <a:ln w="12700" cap="flat" cmpd="sng">
-              <a:solidFill>
-                <a:srgbClr val="000000"/>
-              </a:solidFill>
-              <a:prstDash val="solid"/>
-              <a:round/>
-              <a:headEnd type="none" w="med" len="med"/>
-              <a:tailEnd type="triangle" w="med" len="med"/>
-            </a:ln>
-          </p:spPr>
-        </p:sp>
-        <p:sp>
-          <p:nvSpPr>
-            <p:cNvPr id="30736" name="Line 3"/>
-            <p:cNvSpPr/>
-            <p:nvPr/>
-          </p:nvSpPr>
-          <p:spPr>
-            <a:xfrm>
-              <a:off x="6025" y="7358"/>
-              <a:ext cx="835" cy="0"/>
-            </a:xfrm>
-            <a:prstGeom prst="line">
-              <a:avLst/>
-            </a:prstGeom>
-            <a:ln w="12700" cap="flat" cmpd="sng">
-              <a:solidFill>
-                <a:srgbClr val="000000"/>
-              </a:solidFill>
-              <a:prstDash val="solid"/>
-              <a:round/>
-              <a:headEnd type="none" w="med" len="med"/>
-              <a:tailEnd type="triangle" w="med" len="med"/>
-            </a:ln>
-          </p:spPr>
-        </p:sp>
-      </p:grpSp>
-    </p:spTree>
-  </p:cSld>
-  <p:clrMapOvr>
-    <a:masterClrMapping/>
-  </p:clrMapOvr>
-  <mc:AlternateContent xmlns:mc="http://schemas.openxmlformats.org/markup-compatibility/2006">
-    <mc:Choice xmlns:p14="http://schemas.microsoft.com/office/powerpoint/2010/main" Requires="p14">
-      <p:transition spd="slow" p14:dur="1250" advTm="0"/>
-    </mc:Choice>
-    <mc:Fallback>
-      <p:transition spd="slow" advTm="0"/>
-    </mc:Fallback>
-  </mc:AlternateContent>
-  <p:timing>
-    <p:tnLst>
-      <p:par>
-        <p:cTn id="1" dur="indefinite" restart="never" nodeType="tmRoot"/>
-      </p:par>
-    </p:tnLst>
-  </p:timing>
-</p:sld>
-</file>
-
-<file path=ppt/slides/slide19.xml><?xml version="1.0" encoding="utf-8"?>
-<p:sld xmlns:a="http://schemas.openxmlformats.org/drawingml/2006/main" xmlns:r="http://schemas.openxmlformats.org/officeDocument/2006/relationships" xmlns:p="http://schemas.openxmlformats.org/presentationml/2006/main">
-  <p:cSld>
-    <p:spTree>
-      <p:nvGrpSpPr>
-        <p:cNvPr id="1" name=""/>
-        <p:cNvGrpSpPr/>
-        <p:nvPr/>
-      </p:nvGrpSpPr>
-      <p:grpSpPr>
-        <a:xfrm>
-          <a:off x="0" y="0"/>
-          <a:ext cx="0" cy="0"/>
-          <a:chOff x="0" y="0"/>
-          <a:chExt cx="0" cy="0"/>
-        </a:xfrm>
-      </p:grpSpPr>
-      <p:grpSp>
-        <p:nvGrpSpPr>
-          <p:cNvPr id="18" name="组合 17"/>
-          <p:cNvGrpSpPr/>
-          <p:nvPr/>
-        </p:nvGrpSpPr>
-        <p:grpSpPr>
-          <a:xfrm>
-            <a:off x="-2" y="0"/>
-            <a:ext cx="12192002" cy="6858000"/>
-            <a:chOff x="-2" y="0"/>
-            <a:chExt cx="12192002" cy="6858000"/>
-          </a:xfrm>
-        </p:grpSpPr>
-        <p:pic>
-          <p:nvPicPr>
-            <p:cNvPr id="19" name="图片 18"/>
-            <p:cNvPicPr>
-              <a:picLocks noChangeAspect="true"/>
-            </p:cNvPicPr>
-            <p:nvPr/>
-          </p:nvPicPr>
-          <p:blipFill rotWithShape="true">
-            <a:blip r:embed="rId1" cstate="screen">
-              <a:extLst>
-                <a:ext uri="{BEBA8EAE-BF5A-486C-A8C5-ECC9F3942E4B}">
-                  <a14:imgProps xmlns:a14="http://schemas.microsoft.com/office/drawing/2010/main">
-                    <a14:imgLayer r:embed="rId2">
-                      <a14:imgEffect>
-                        <a14:brightnessContrast bright="9000"/>
-                      </a14:imgEffect>
-                    </a14:imgLayer>
-                  </a14:imgProps>
-                </a:ext>
-              </a:extLst>
-            </a:blip>
-            <a:srcRect/>
-            <a:stretch>
-              <a:fillRect/>
-            </a:stretch>
-          </p:blipFill>
-          <p:spPr>
-            <a:xfrm>
-              <a:off x="-1" y="0"/>
-              <a:ext cx="12192001" cy="6858000"/>
-            </a:xfrm>
-            <a:prstGeom prst="rect">
-              <a:avLst/>
-            </a:prstGeom>
-          </p:spPr>
-        </p:pic>
-        <p:pic>
-          <p:nvPicPr>
-            <p:cNvPr id="20" name="图片 19"/>
-            <p:cNvPicPr>
-              <a:picLocks noChangeAspect="true"/>
-            </p:cNvPicPr>
-            <p:nvPr/>
-          </p:nvPicPr>
-          <p:blipFill>
-            <a:blip r:embed="rId3">
-              <a:lum bright="70000" contrast="-70000"/>
-            </a:blip>
-            <a:srcRect l="4950"/>
-            <a:stretch>
-              <a:fillRect/>
-            </a:stretch>
-          </p:blipFill>
-          <p:spPr>
-            <a:xfrm>
-              <a:off x="5707965" y="2575"/>
-              <a:ext cx="6484035" cy="77036"/>
-            </a:xfrm>
-            <a:custGeom>
-              <a:avLst/>
-              <a:gdLst>
-                <a:gd name="connsiteX0" fmla="*/ 137250 w 4702465"/>
-                <a:gd name="connsiteY0" fmla="*/ 0 h 222240"/>
-                <a:gd name="connsiteX1" fmla="*/ 4702465 w 4702465"/>
-                <a:gd name="connsiteY1" fmla="*/ 0 h 222240"/>
-                <a:gd name="connsiteX2" fmla="*/ 4702465 w 4702465"/>
-                <a:gd name="connsiteY2" fmla="*/ 222240 h 222240"/>
-                <a:gd name="connsiteX3" fmla="*/ 0 w 4702465"/>
-                <a:gd name="connsiteY3" fmla="*/ 222240 h 222240"/>
-              </a:gdLst>
-              <a:ahLst/>
-              <a:cxnLst>
-                <a:cxn ang="0">
-                  <a:pos x="connsiteX0" y="connsiteY0"/>
-                </a:cxn>
-                <a:cxn ang="0">
-                  <a:pos x="connsiteX1" y="connsiteY1"/>
-                </a:cxn>
-                <a:cxn ang="0">
-                  <a:pos x="connsiteX2" y="connsiteY2"/>
-                </a:cxn>
-                <a:cxn ang="0">
-                  <a:pos x="connsiteX3" y="connsiteY3"/>
-                </a:cxn>
-              </a:cxnLst>
-              <a:rect l="l" t="t" r="r" b="b"/>
-              <a:pathLst>
-                <a:path w="4702465" h="222240">
-                  <a:moveTo>
-                    <a:pt x="137250" y="0"/>
-                  </a:moveTo>
-                  <a:lnTo>
-                    <a:pt x="4702465" y="0"/>
-                  </a:lnTo>
-                  <a:lnTo>
-                    <a:pt x="4702465" y="222240"/>
-                  </a:lnTo>
-                  <a:lnTo>
-                    <a:pt x="0" y="222240"/>
-                  </a:lnTo>
-                  <a:close/>
-                </a:path>
-              </a:pathLst>
-            </a:custGeom>
-            <a:solidFill>
-              <a:schemeClr val="bg1"/>
-            </a:solidFill>
-          </p:spPr>
-        </p:pic>
-        <p:pic>
-          <p:nvPicPr>
-            <p:cNvPr id="21" name="图片 20"/>
-            <p:cNvPicPr>
-              <a:picLocks noChangeAspect="true"/>
-            </p:cNvPicPr>
-            <p:nvPr/>
-          </p:nvPicPr>
-          <p:blipFill>
-            <a:blip r:embed="rId3">
-              <a:lum bright="70000" contrast="-70000"/>
-            </a:blip>
-            <a:srcRect l="4950" r="26116"/>
-            <a:stretch>
-              <a:fillRect/>
-            </a:stretch>
-          </p:blipFill>
-          <p:spPr>
-            <a:xfrm flipH="true" flipV="true">
-              <a:off x="-2" y="2575"/>
-              <a:ext cx="4702465" cy="77036"/>
-            </a:xfrm>
-            <a:custGeom>
-              <a:avLst/>
-              <a:gdLst>
-                <a:gd name="connsiteX0" fmla="*/ 137250 w 4702465"/>
-                <a:gd name="connsiteY0" fmla="*/ 0 h 222240"/>
-                <a:gd name="connsiteX1" fmla="*/ 4702465 w 4702465"/>
-                <a:gd name="connsiteY1" fmla="*/ 0 h 222240"/>
-                <a:gd name="connsiteX2" fmla="*/ 4702465 w 4702465"/>
-                <a:gd name="connsiteY2" fmla="*/ 222240 h 222240"/>
-                <a:gd name="connsiteX3" fmla="*/ 0 w 4702465"/>
-                <a:gd name="connsiteY3" fmla="*/ 222240 h 222240"/>
-              </a:gdLst>
-              <a:ahLst/>
-              <a:cxnLst>
-                <a:cxn ang="0">
-                  <a:pos x="connsiteX0" y="connsiteY0"/>
-                </a:cxn>
-                <a:cxn ang="0">
-                  <a:pos x="connsiteX1" y="connsiteY1"/>
-                </a:cxn>
-                <a:cxn ang="0">
-                  <a:pos x="connsiteX2" y="connsiteY2"/>
-                </a:cxn>
-                <a:cxn ang="0">
-                  <a:pos x="connsiteX3" y="connsiteY3"/>
-                </a:cxn>
-              </a:cxnLst>
-              <a:rect l="l" t="t" r="r" b="b"/>
-              <a:pathLst>
-                <a:path w="4702465" h="222240">
-                  <a:moveTo>
-                    <a:pt x="137250" y="0"/>
-                  </a:moveTo>
-                  <a:lnTo>
-                    <a:pt x="4702465" y="0"/>
-                  </a:lnTo>
-                  <a:lnTo>
-                    <a:pt x="4702465" y="222240"/>
-                  </a:lnTo>
-                  <a:lnTo>
-                    <a:pt x="0" y="222240"/>
-                  </a:lnTo>
-                  <a:close/>
-                </a:path>
-              </a:pathLst>
-            </a:custGeom>
-            <a:solidFill>
-              <a:schemeClr val="bg1"/>
-            </a:solidFill>
-          </p:spPr>
-        </p:pic>
-        <p:pic>
-          <p:nvPicPr>
-            <p:cNvPr id="22" name="图片 21"/>
-            <p:cNvPicPr>
-              <a:picLocks noChangeAspect="true"/>
-            </p:cNvPicPr>
-            <p:nvPr/>
-          </p:nvPicPr>
-          <p:blipFill>
-            <a:blip r:embed="rId3">
-              <a:lum bright="70000" contrast="-70000"/>
-            </a:blip>
-            <a:srcRect l="4950"/>
-            <a:stretch>
-              <a:fillRect/>
-            </a:stretch>
-          </p:blipFill>
-          <p:spPr>
-            <a:xfrm rot="10800000">
-              <a:off x="-2" y="6759208"/>
-              <a:ext cx="6484035" cy="95234"/>
-            </a:xfrm>
-            <a:custGeom>
-              <a:avLst/>
-              <a:gdLst>
-                <a:gd name="connsiteX0" fmla="*/ 137250 w 4702465"/>
-                <a:gd name="connsiteY0" fmla="*/ 0 h 222240"/>
-                <a:gd name="connsiteX1" fmla="*/ 4702465 w 4702465"/>
-                <a:gd name="connsiteY1" fmla="*/ 0 h 222240"/>
-                <a:gd name="connsiteX2" fmla="*/ 4702465 w 4702465"/>
-                <a:gd name="connsiteY2" fmla="*/ 222240 h 222240"/>
-                <a:gd name="connsiteX3" fmla="*/ 0 w 4702465"/>
-                <a:gd name="connsiteY3" fmla="*/ 222240 h 222240"/>
-              </a:gdLst>
-              <a:ahLst/>
-              <a:cxnLst>
-                <a:cxn ang="0">
-                  <a:pos x="connsiteX0" y="connsiteY0"/>
-                </a:cxn>
-                <a:cxn ang="0">
-                  <a:pos x="connsiteX1" y="connsiteY1"/>
-                </a:cxn>
-                <a:cxn ang="0">
-                  <a:pos x="connsiteX2" y="connsiteY2"/>
-                </a:cxn>
-                <a:cxn ang="0">
-                  <a:pos x="connsiteX3" y="connsiteY3"/>
-                </a:cxn>
-              </a:cxnLst>
-              <a:rect l="l" t="t" r="r" b="b"/>
-              <a:pathLst>
-                <a:path w="4702465" h="222240">
-                  <a:moveTo>
-                    <a:pt x="137250" y="0"/>
-                  </a:moveTo>
-                  <a:lnTo>
-                    <a:pt x="4702465" y="0"/>
-                  </a:lnTo>
-                  <a:lnTo>
-                    <a:pt x="4702465" y="222240"/>
-                  </a:lnTo>
-                  <a:lnTo>
-                    <a:pt x="0" y="222240"/>
-                  </a:lnTo>
-                  <a:close/>
-                </a:path>
-              </a:pathLst>
-            </a:custGeom>
-            <a:solidFill>
-              <a:schemeClr val="bg1"/>
-            </a:solidFill>
-          </p:spPr>
-        </p:pic>
-        <p:pic>
-          <p:nvPicPr>
-            <p:cNvPr id="25" name="图片 24"/>
-            <p:cNvPicPr>
-              <a:picLocks noChangeAspect="true"/>
-            </p:cNvPicPr>
-            <p:nvPr/>
-          </p:nvPicPr>
-          <p:blipFill>
-            <a:blip r:embed="rId3">
-              <a:lum bright="70000" contrast="-70000"/>
-            </a:blip>
-            <a:srcRect l="4950" r="26116"/>
-            <a:stretch>
-              <a:fillRect/>
-            </a:stretch>
-          </p:blipFill>
-          <p:spPr>
-            <a:xfrm rot="10800000" flipH="true" flipV="true">
-              <a:off x="7489535" y="6759208"/>
-              <a:ext cx="4702465" cy="95234"/>
-            </a:xfrm>
-            <a:custGeom>
-              <a:avLst/>
-              <a:gdLst>
-                <a:gd name="connsiteX0" fmla="*/ 137250 w 4702465"/>
-                <a:gd name="connsiteY0" fmla="*/ 0 h 222240"/>
-                <a:gd name="connsiteX1" fmla="*/ 4702465 w 4702465"/>
-                <a:gd name="connsiteY1" fmla="*/ 0 h 222240"/>
-                <a:gd name="connsiteX2" fmla="*/ 4702465 w 4702465"/>
-                <a:gd name="connsiteY2" fmla="*/ 222240 h 222240"/>
-                <a:gd name="connsiteX3" fmla="*/ 0 w 4702465"/>
-                <a:gd name="connsiteY3" fmla="*/ 222240 h 222240"/>
-              </a:gdLst>
-              <a:ahLst/>
-              <a:cxnLst>
-                <a:cxn ang="0">
-                  <a:pos x="connsiteX0" y="connsiteY0"/>
-                </a:cxn>
-                <a:cxn ang="0">
-                  <a:pos x="connsiteX1" y="connsiteY1"/>
-                </a:cxn>
-                <a:cxn ang="0">
-                  <a:pos x="connsiteX2" y="connsiteY2"/>
-                </a:cxn>
-                <a:cxn ang="0">
-                  <a:pos x="connsiteX3" y="connsiteY3"/>
-                </a:cxn>
-              </a:cxnLst>
-              <a:rect l="l" t="t" r="r" b="b"/>
-              <a:pathLst>
-                <a:path w="4702465" h="222240">
-                  <a:moveTo>
-                    <a:pt x="137250" y="0"/>
-                  </a:moveTo>
-                  <a:lnTo>
-                    <a:pt x="4702465" y="0"/>
-                  </a:lnTo>
-                  <a:lnTo>
-                    <a:pt x="4702465" y="222240"/>
-                  </a:lnTo>
-                  <a:lnTo>
-                    <a:pt x="0" y="222240"/>
-                  </a:lnTo>
-                  <a:close/>
-                </a:path>
-              </a:pathLst>
-            </a:custGeom>
-            <a:solidFill>
-              <a:schemeClr val="bg1"/>
-            </a:solidFill>
-          </p:spPr>
-        </p:pic>
-      </p:grpSp>
-      <p:pic>
-        <p:nvPicPr>
-          <p:cNvPr id="12" name="图片 11"/>
-          <p:cNvPicPr>
-            <a:picLocks noChangeAspect="true"/>
-          </p:cNvPicPr>
-          <p:nvPr/>
-        </p:nvPicPr>
-        <p:blipFill>
-          <a:blip r:embed="rId3"/>
-          <a:stretch>
-            <a:fillRect/>
-          </a:stretch>
-        </p:blipFill>
-        <p:spPr>
-          <a:xfrm rot="10800000">
-            <a:off x="0" y="79375"/>
-            <a:ext cx="12192000" cy="638175"/>
-          </a:xfrm>
-          <a:prstGeom prst="rect">
-            <a:avLst/>
-          </a:prstGeom>
-          <a:solidFill>
-            <a:schemeClr val="bg1"/>
-          </a:solidFill>
-        </p:spPr>
-      </p:pic>
-      <p:sp>
-        <p:nvSpPr>
-          <p:cNvPr id="14" name="文本框 13"/>
-          <p:cNvSpPr txBox="true"/>
-          <p:nvPr/>
-        </p:nvSpPr>
-        <p:spPr>
-          <a:xfrm>
-            <a:off x="314325" y="137160"/>
-            <a:ext cx="7472045" cy="583565"/>
-          </a:xfrm>
-          <a:prstGeom prst="rect">
-            <a:avLst/>
-          </a:prstGeom>
-          <a:noFill/>
-        </p:spPr>
-        <p:txBody>
-          <a:bodyPr wrap="square" rtlCol="0">
-            <a:spAutoFit/>
-          </a:bodyPr>
-          <a:p>
-            <a:r>
-              <a:rPr lang="zh-CN" altLang="en-US" sz="3200" dirty="0">
-                <a:solidFill>
-                  <a:schemeClr val="bg1"/>
-                </a:solidFill>
-                <a:latin typeface="微软雅黑" panose="020B0503020204020204" charset="-122"/>
-                <a:ea typeface="微软雅黑" panose="020B0503020204020204" charset="-122"/>
-                <a:sym typeface="+mn-ea"/>
-              </a:rPr>
-              <a:t>（四）银行信用管理内容</a:t>
-            </a:r>
-            <a:endParaRPr lang="zh-CN" altLang="en-US" sz="3200" dirty="0">
-              <a:solidFill>
-                <a:schemeClr val="bg1"/>
-              </a:solidFill>
-              <a:latin typeface="微软雅黑" panose="020B0503020204020204" charset="-122"/>
-              <a:ea typeface="微软雅黑" panose="020B0503020204020204" charset="-122"/>
-              <a:sym typeface="+mn-ea"/>
-            </a:endParaRPr>
-          </a:p>
-        </p:txBody>
-      </p:sp>
-      <p:grpSp>
-        <p:nvGrpSpPr>
-          <p:cNvPr id="2" name="组合 1"/>
-          <p:cNvGrpSpPr/>
-          <p:nvPr/>
-        </p:nvGrpSpPr>
-        <p:grpSpPr>
-          <a:xfrm>
-            <a:off x="3215005" y="2840355"/>
-            <a:ext cx="5761355" cy="3384550"/>
-            <a:chOff x="2550" y="4040"/>
-            <a:chExt cx="9073" cy="5330"/>
-          </a:xfrm>
-        </p:grpSpPr>
-        <p:sp>
-          <p:nvSpPr>
-            <p:cNvPr id="32777" name="Text Box 24"/>
-            <p:cNvSpPr txBox="true"/>
-            <p:nvPr/>
-          </p:nvSpPr>
-          <p:spPr>
-            <a:xfrm>
-              <a:off x="2550" y="4818"/>
-              <a:ext cx="1928" cy="470"/>
-            </a:xfrm>
-            <a:prstGeom prst="rect">
-              <a:avLst/>
-            </a:prstGeom>
-            <a:noFill/>
-            <a:ln w="12700" cap="flat" cmpd="sng">
-              <a:solidFill>
-                <a:srgbClr val="000000"/>
-              </a:solidFill>
-              <a:prstDash val="solid"/>
-              <a:miter/>
-              <a:headEnd type="none" w="med" len="med"/>
-              <a:tailEnd type="none" w="med" len="med"/>
-            </a:ln>
-          </p:spPr>
-          <p:txBody>
-            <a:bodyPr lIns="66751" tIns="33376" rIns="66751" bIns="33376" anchor="t" anchorCtr="false">
-              <a:spAutoFit/>
-            </a:bodyPr>
-            <a:p>
-              <a:pPr algn="ctr" eaLnBrk="0" hangingPunct="0">
-                <a:lnSpc>
-                  <a:spcPct val="80000"/>
-                </a:lnSpc>
-                <a:spcBef>
-                  <a:spcPct val="20000"/>
-                </a:spcBef>
-                <a:buClr>
-                  <a:schemeClr val="hlink"/>
-                </a:buClr>
-              </a:pPr>
-              <a:r>
-                <a:rPr lang="zh-CN" altLang="en-US" sz="1800" b="1" dirty="0">
-                  <a:solidFill>
-                    <a:srgbClr val="000000"/>
-                  </a:solidFill>
-                  <a:latin typeface="微软雅黑" panose="020B0503020204020204" charset="-122"/>
-                  <a:ea typeface="微软雅黑" panose="020B0503020204020204" charset="-122"/>
-                </a:rPr>
-                <a:t>风险暴露</a:t>
-              </a:r>
-              <a:endParaRPr lang="zh-CN" altLang="en-US" sz="1800" b="1" dirty="0">
-                <a:solidFill>
-                  <a:srgbClr val="000000"/>
-                </a:solidFill>
-                <a:latin typeface="微软雅黑" panose="020B0503020204020204" charset="-122"/>
-                <a:ea typeface="微软雅黑" panose="020B0503020204020204" charset="-122"/>
-              </a:endParaRPr>
-            </a:p>
-          </p:txBody>
-        </p:sp>
-        <p:sp>
-          <p:nvSpPr>
-            <p:cNvPr id="32778" name="Text Box 23"/>
-            <p:cNvSpPr txBox="true"/>
-            <p:nvPr/>
-          </p:nvSpPr>
-          <p:spPr>
-            <a:xfrm>
-              <a:off x="5340" y="4833"/>
-              <a:ext cx="2393" cy="455"/>
-            </a:xfrm>
-            <a:prstGeom prst="rect">
-              <a:avLst/>
-            </a:prstGeom>
-            <a:noFill/>
-            <a:ln w="12700" cap="flat" cmpd="sng">
-              <a:solidFill>
-                <a:srgbClr val="000000"/>
-              </a:solidFill>
-              <a:prstDash val="solid"/>
-              <a:miter/>
-              <a:headEnd type="none" w="med" len="med"/>
-              <a:tailEnd type="none" w="med" len="med"/>
-            </a:ln>
-          </p:spPr>
-          <p:txBody>
-            <a:bodyPr lIns="66751" tIns="33376" rIns="66751" bIns="33376" anchor="t" anchorCtr="false">
-              <a:spAutoFit/>
-            </a:bodyPr>
-            <a:p>
-              <a:pPr algn="ctr" eaLnBrk="0" hangingPunct="0">
-                <a:lnSpc>
-                  <a:spcPct val="80000"/>
-                </a:lnSpc>
-                <a:spcBef>
-                  <a:spcPct val="20000"/>
-                </a:spcBef>
-                <a:buClr>
-                  <a:schemeClr val="hlink"/>
-                </a:buClr>
-              </a:pPr>
-              <a:r>
-                <a:rPr lang="zh-CN" altLang="en-US" sz="1800" b="1" dirty="0">
-                  <a:solidFill>
-                    <a:srgbClr val="000000"/>
-                  </a:solidFill>
-                  <a:latin typeface="微软雅黑" panose="020B0503020204020204" charset="-122"/>
-                  <a:ea typeface="微软雅黑" panose="020B0503020204020204" charset="-122"/>
-                </a:rPr>
-                <a:t>总风险暴露</a:t>
-              </a:r>
-              <a:endParaRPr lang="zh-CN" altLang="en-US" sz="1800" b="1" dirty="0">
-                <a:solidFill>
-                  <a:srgbClr val="000000"/>
-                </a:solidFill>
-                <a:latin typeface="微软雅黑" panose="020B0503020204020204" charset="-122"/>
-                <a:ea typeface="微软雅黑" panose="020B0503020204020204" charset="-122"/>
-              </a:endParaRPr>
-            </a:p>
-          </p:txBody>
-        </p:sp>
-        <p:sp>
-          <p:nvSpPr>
-            <p:cNvPr id="32779" name="Text Box 22"/>
-            <p:cNvSpPr txBox="true"/>
-            <p:nvPr/>
-          </p:nvSpPr>
-          <p:spPr>
-            <a:xfrm>
-              <a:off x="5340" y="5628"/>
-              <a:ext cx="2393" cy="455"/>
-            </a:xfrm>
-            <a:prstGeom prst="rect">
-              <a:avLst/>
-            </a:prstGeom>
-            <a:noFill/>
-            <a:ln w="12700" cap="flat" cmpd="sng">
-              <a:solidFill>
-                <a:srgbClr val="000000"/>
-              </a:solidFill>
-              <a:prstDash val="solid"/>
-              <a:miter/>
-              <a:headEnd type="none" w="med" len="med"/>
-              <a:tailEnd type="none" w="med" len="med"/>
-            </a:ln>
-          </p:spPr>
-          <p:txBody>
-            <a:bodyPr lIns="66751" tIns="33376" rIns="66751" bIns="33376" anchor="t" anchorCtr="false">
-              <a:spAutoFit/>
-            </a:bodyPr>
-            <a:p>
-              <a:pPr algn="ctr" eaLnBrk="0" hangingPunct="0">
-                <a:lnSpc>
-                  <a:spcPct val="80000"/>
-                </a:lnSpc>
-                <a:spcBef>
-                  <a:spcPct val="20000"/>
-                </a:spcBef>
-                <a:buClr>
-                  <a:schemeClr val="hlink"/>
-                </a:buClr>
-              </a:pPr>
-              <a:r>
-                <a:rPr lang="zh-CN" altLang="en-US" sz="1800" b="1" dirty="0">
-                  <a:solidFill>
-                    <a:srgbClr val="000000"/>
-                  </a:solidFill>
-                  <a:latin typeface="微软雅黑" panose="020B0503020204020204" charset="-122"/>
-                  <a:ea typeface="微软雅黑" panose="020B0503020204020204" charset="-122"/>
-                </a:rPr>
-                <a:t>违约概率</a:t>
-              </a:r>
-              <a:endParaRPr lang="zh-CN" altLang="en-US" sz="1800" b="1" dirty="0">
-                <a:solidFill>
-                  <a:srgbClr val="000000"/>
-                </a:solidFill>
-                <a:latin typeface="微软雅黑" panose="020B0503020204020204" charset="-122"/>
-                <a:ea typeface="微软雅黑" panose="020B0503020204020204" charset="-122"/>
-              </a:endParaRPr>
-            </a:p>
-          </p:txBody>
-        </p:sp>
-        <p:sp>
-          <p:nvSpPr>
-            <p:cNvPr id="32780" name="Text Box 21"/>
-            <p:cNvSpPr txBox="true"/>
-            <p:nvPr/>
-          </p:nvSpPr>
-          <p:spPr>
-            <a:xfrm>
-              <a:off x="5340" y="7658"/>
-              <a:ext cx="2428" cy="805"/>
-            </a:xfrm>
-            <a:prstGeom prst="rect">
-              <a:avLst/>
-            </a:prstGeom>
-            <a:noFill/>
-            <a:ln w="12700" cap="flat" cmpd="sng">
-              <a:solidFill>
-                <a:srgbClr val="000000"/>
-              </a:solidFill>
-              <a:prstDash val="solid"/>
-              <a:miter/>
-              <a:headEnd type="none" w="med" len="med"/>
-              <a:tailEnd type="none" w="med" len="med"/>
-            </a:ln>
-          </p:spPr>
-          <p:txBody>
-            <a:bodyPr lIns="66751" tIns="33376" rIns="66751" bIns="33376" anchor="t" anchorCtr="false">
-              <a:spAutoFit/>
-            </a:bodyPr>
-            <a:p>
-              <a:pPr algn="ctr" eaLnBrk="0" hangingPunct="0">
-                <a:lnSpc>
-                  <a:spcPct val="80000"/>
-                </a:lnSpc>
-                <a:spcBef>
-                  <a:spcPct val="20000"/>
-                </a:spcBef>
-                <a:buClr>
-                  <a:schemeClr val="hlink"/>
-                </a:buClr>
-              </a:pPr>
-              <a:r>
-                <a:rPr lang="zh-CN" altLang="en-US" sz="1800" b="1" dirty="0">
-                  <a:solidFill>
-                    <a:srgbClr val="000000"/>
-                  </a:solidFill>
-                  <a:latin typeface="微软雅黑" panose="020B0503020204020204" charset="-122"/>
-                  <a:ea typeface="微软雅黑" panose="020B0503020204020204" charset="-122"/>
-                </a:rPr>
-                <a:t>信用等级转移概率</a:t>
-              </a:r>
-              <a:endParaRPr lang="zh-CN" altLang="en-US" sz="1800" b="1" dirty="0">
-                <a:solidFill>
-                  <a:srgbClr val="000000"/>
-                </a:solidFill>
-                <a:latin typeface="微软雅黑" panose="020B0503020204020204" charset="-122"/>
-                <a:ea typeface="微软雅黑" panose="020B0503020204020204" charset="-122"/>
-              </a:endParaRPr>
-            </a:p>
-          </p:txBody>
-        </p:sp>
-        <p:sp>
-          <p:nvSpPr>
-            <p:cNvPr id="32781" name="Line 20"/>
-            <p:cNvSpPr/>
-            <p:nvPr/>
-          </p:nvSpPr>
-          <p:spPr>
-            <a:xfrm>
-              <a:off x="4478" y="5060"/>
-              <a:ext cx="907" cy="0"/>
-            </a:xfrm>
-            <a:prstGeom prst="line">
-              <a:avLst/>
-            </a:prstGeom>
-            <a:ln w="12700" cap="flat" cmpd="sng">
-              <a:solidFill>
-                <a:srgbClr val="000000"/>
-              </a:solidFill>
-              <a:prstDash val="solid"/>
-              <a:round/>
-              <a:headEnd type="none" w="med" len="med"/>
-              <a:tailEnd type="triangle" w="med" len="med"/>
-            </a:ln>
-          </p:spPr>
-        </p:sp>
-        <p:sp>
-          <p:nvSpPr>
-            <p:cNvPr id="32782" name="Line 19"/>
-            <p:cNvSpPr/>
-            <p:nvPr/>
-          </p:nvSpPr>
-          <p:spPr>
-            <a:xfrm>
-              <a:off x="7768" y="8008"/>
-              <a:ext cx="792" cy="0"/>
-            </a:xfrm>
-            <a:prstGeom prst="line">
-              <a:avLst/>
-            </a:prstGeom>
-            <a:ln w="12700" cap="flat" cmpd="sng">
-              <a:solidFill>
-                <a:srgbClr val="000000"/>
-              </a:solidFill>
-              <a:prstDash val="solid"/>
-              <a:round/>
-              <a:headEnd type="none" w="med" len="med"/>
-              <a:tailEnd type="triangle" w="med" len="med"/>
-            </a:ln>
-          </p:spPr>
-        </p:sp>
-        <p:sp>
-          <p:nvSpPr>
-            <p:cNvPr id="32783" name="Line 18"/>
-            <p:cNvSpPr/>
-            <p:nvPr/>
-          </p:nvSpPr>
-          <p:spPr>
-            <a:xfrm flipV="true">
-              <a:off x="7768" y="5853"/>
-              <a:ext cx="792" cy="0"/>
-            </a:xfrm>
-            <a:prstGeom prst="line">
-              <a:avLst/>
-            </a:prstGeom>
-            <a:ln w="12700" cap="flat" cmpd="sng">
-              <a:solidFill>
-                <a:srgbClr val="000000"/>
-              </a:solidFill>
-              <a:prstDash val="solid"/>
-              <a:round/>
-              <a:headEnd type="none" w="med" len="med"/>
-              <a:tailEnd type="triangle" w="med" len="med"/>
-            </a:ln>
-          </p:spPr>
-        </p:sp>
-        <p:sp>
-          <p:nvSpPr>
-            <p:cNvPr id="32784" name="Text Box 16"/>
-            <p:cNvSpPr txBox="true"/>
-            <p:nvPr/>
-          </p:nvSpPr>
-          <p:spPr>
-            <a:xfrm>
-              <a:off x="3450" y="4040"/>
-              <a:ext cx="3298" cy="480"/>
-            </a:xfrm>
-            <a:prstGeom prst="rect">
-              <a:avLst/>
-            </a:prstGeom>
-            <a:noFill/>
-            <a:ln w="12700">
-              <a:noFill/>
-            </a:ln>
-          </p:spPr>
-          <p:txBody>
-            <a:bodyPr lIns="66751" tIns="33376" rIns="66751" bIns="33376" anchor="t" anchorCtr="false"/>
-            <a:p>
-              <a:pPr eaLnBrk="0" hangingPunct="0">
-                <a:lnSpc>
-                  <a:spcPct val="80000"/>
-                </a:lnSpc>
-                <a:spcBef>
-                  <a:spcPct val="20000"/>
-                </a:spcBef>
-                <a:buClr>
-                  <a:schemeClr val="hlink"/>
-                </a:buClr>
-              </a:pPr>
-              <a:r>
-                <a:rPr lang="zh-CN" altLang="en-US" sz="1800" b="1" dirty="0">
-                  <a:solidFill>
-                    <a:srgbClr val="000000"/>
-                  </a:solidFill>
-                  <a:latin typeface="微软雅黑" panose="020B0503020204020204" charset="-122"/>
-                  <a:ea typeface="微软雅黑" panose="020B0503020204020204" charset="-122"/>
-                </a:rPr>
-                <a:t>单项贷款层次</a:t>
-              </a:r>
-              <a:endParaRPr lang="zh-CN" altLang="en-US" sz="1800" b="1" dirty="0">
-                <a:solidFill>
-                  <a:srgbClr val="000000"/>
-                </a:solidFill>
-                <a:latin typeface="微软雅黑" panose="020B0503020204020204" charset="-122"/>
-                <a:ea typeface="微软雅黑" panose="020B0503020204020204" charset="-122"/>
-              </a:endParaRPr>
-            </a:p>
-          </p:txBody>
-        </p:sp>
-        <p:sp>
-          <p:nvSpPr>
-            <p:cNvPr id="32785" name="Text Box 15"/>
-            <p:cNvSpPr txBox="true"/>
-            <p:nvPr/>
-          </p:nvSpPr>
-          <p:spPr>
-            <a:xfrm>
-              <a:off x="8298" y="4125"/>
-              <a:ext cx="3212" cy="480"/>
-            </a:xfrm>
-            <a:prstGeom prst="rect">
-              <a:avLst/>
-            </a:prstGeom>
-            <a:noFill/>
-            <a:ln w="12700">
-              <a:noFill/>
-            </a:ln>
-          </p:spPr>
-          <p:txBody>
-            <a:bodyPr lIns="66751" tIns="33376" rIns="66751" bIns="33376" anchor="t" anchorCtr="false"/>
-            <a:p>
-              <a:pPr eaLnBrk="0" hangingPunct="0">
-                <a:lnSpc>
-                  <a:spcPct val="80000"/>
-                </a:lnSpc>
-                <a:spcBef>
-                  <a:spcPct val="20000"/>
-                </a:spcBef>
-                <a:buClr>
-                  <a:schemeClr val="hlink"/>
-                </a:buClr>
-              </a:pPr>
-              <a:r>
-                <a:rPr lang="zh-CN" altLang="en-US" sz="1800" b="1" dirty="0">
-                  <a:solidFill>
-                    <a:srgbClr val="000000"/>
-                  </a:solidFill>
-                  <a:latin typeface="微软雅黑" panose="020B0503020204020204" charset="-122"/>
-                  <a:ea typeface="微软雅黑" panose="020B0503020204020204" charset="-122"/>
-                </a:rPr>
-                <a:t>资产组合形式</a:t>
-              </a:r>
-              <a:endParaRPr lang="zh-CN" altLang="en-US" sz="1800" b="1" dirty="0">
-                <a:solidFill>
-                  <a:srgbClr val="000000"/>
-                </a:solidFill>
-                <a:latin typeface="微软雅黑" panose="020B0503020204020204" charset="-122"/>
-                <a:ea typeface="微软雅黑" panose="020B0503020204020204" charset="-122"/>
-              </a:endParaRPr>
-            </a:p>
-          </p:txBody>
-        </p:sp>
-        <p:sp>
-          <p:nvSpPr>
-            <p:cNvPr id="32786" name="Text Box 14"/>
-            <p:cNvSpPr txBox="true"/>
-            <p:nvPr/>
-          </p:nvSpPr>
-          <p:spPr>
-            <a:xfrm>
-              <a:off x="5340" y="6533"/>
-              <a:ext cx="2393" cy="455"/>
-            </a:xfrm>
-            <a:prstGeom prst="rect">
-              <a:avLst/>
-            </a:prstGeom>
-            <a:noFill/>
-            <a:ln w="12700" cap="flat" cmpd="sng">
-              <a:solidFill>
-                <a:srgbClr val="000000"/>
-              </a:solidFill>
-              <a:prstDash val="solid"/>
-              <a:miter/>
-              <a:headEnd type="none" w="med" len="med"/>
-              <a:tailEnd type="none" w="med" len="med"/>
-            </a:ln>
-          </p:spPr>
-          <p:txBody>
-            <a:bodyPr lIns="66751" tIns="33376" rIns="66751" bIns="33376" anchor="t" anchorCtr="false">
-              <a:spAutoFit/>
-            </a:bodyPr>
-            <a:p>
-              <a:pPr algn="ctr" eaLnBrk="0" hangingPunct="0">
-                <a:lnSpc>
-                  <a:spcPct val="80000"/>
-                </a:lnSpc>
-                <a:spcBef>
-                  <a:spcPct val="20000"/>
-                </a:spcBef>
-                <a:buClr>
-                  <a:schemeClr val="hlink"/>
-                </a:buClr>
-              </a:pPr>
-              <a:r>
-                <a:rPr lang="zh-CN" altLang="en-US" sz="1800" b="1" dirty="0">
-                  <a:solidFill>
-                    <a:srgbClr val="000000"/>
-                  </a:solidFill>
-                  <a:latin typeface="微软雅黑" panose="020B0503020204020204" charset="-122"/>
-                  <a:ea typeface="微软雅黑" panose="020B0503020204020204" charset="-122"/>
-                </a:rPr>
-                <a:t>回收率</a:t>
-              </a:r>
-              <a:endParaRPr lang="zh-CN" altLang="en-US" sz="1800" b="1" dirty="0">
-                <a:solidFill>
-                  <a:srgbClr val="000000"/>
-                </a:solidFill>
-                <a:latin typeface="微软雅黑" panose="020B0503020204020204" charset="-122"/>
-                <a:ea typeface="微软雅黑" panose="020B0503020204020204" charset="-122"/>
-              </a:endParaRPr>
-            </a:p>
-          </p:txBody>
-        </p:sp>
-        <p:sp>
-          <p:nvSpPr>
-            <p:cNvPr id="32787" name="Line 13"/>
-            <p:cNvSpPr/>
-            <p:nvPr/>
-          </p:nvSpPr>
-          <p:spPr>
-            <a:xfrm>
-              <a:off x="2550" y="7328"/>
-              <a:ext cx="9073" cy="0"/>
-            </a:xfrm>
-            <a:prstGeom prst="line">
-              <a:avLst/>
-            </a:prstGeom>
-            <a:ln w="12700" cap="flat" cmpd="sng">
-              <a:solidFill>
-                <a:srgbClr val="000000"/>
-              </a:solidFill>
-              <a:prstDash val="dash"/>
-              <a:round/>
-              <a:headEnd type="none" w="med" len="med"/>
-              <a:tailEnd type="none" w="med" len="med"/>
-            </a:ln>
-          </p:spPr>
-        </p:sp>
-        <p:sp>
-          <p:nvSpPr>
-            <p:cNvPr id="32788" name="Line 12"/>
-            <p:cNvSpPr/>
-            <p:nvPr/>
-          </p:nvSpPr>
-          <p:spPr>
-            <a:xfrm flipH="true">
-              <a:off x="8108" y="4833"/>
-              <a:ext cx="17" cy="3742"/>
-            </a:xfrm>
-            <a:prstGeom prst="line">
-              <a:avLst/>
-            </a:prstGeom>
-            <a:ln w="12700" cap="flat" cmpd="sng">
-              <a:solidFill>
-                <a:srgbClr val="000000"/>
-              </a:solidFill>
-              <a:prstDash val="dash"/>
-              <a:round/>
-              <a:headEnd type="none" w="med" len="med"/>
-              <a:tailEnd type="none" w="med" len="med"/>
-            </a:ln>
-          </p:spPr>
-        </p:sp>
-        <p:sp>
-          <p:nvSpPr>
-            <p:cNvPr id="32789" name="Line 11"/>
-            <p:cNvSpPr/>
-            <p:nvPr/>
-          </p:nvSpPr>
-          <p:spPr>
-            <a:xfrm>
-              <a:off x="2550" y="5443"/>
-              <a:ext cx="0" cy="3927"/>
-            </a:xfrm>
-            <a:prstGeom prst="line">
-              <a:avLst/>
-            </a:prstGeom>
-            <a:ln w="12700" cap="flat" cmpd="sng">
-              <a:solidFill>
-                <a:srgbClr val="000000"/>
-              </a:solidFill>
-              <a:prstDash val="dash"/>
-              <a:round/>
-              <a:headEnd type="triangle" w="med" len="med"/>
-              <a:tailEnd type="triangle" w="med" len="med"/>
-            </a:ln>
-          </p:spPr>
-        </p:sp>
-        <p:sp>
-          <p:nvSpPr>
-            <p:cNvPr id="32790" name="Text Box 10"/>
-            <p:cNvSpPr txBox="true"/>
-            <p:nvPr/>
-          </p:nvSpPr>
-          <p:spPr>
-            <a:xfrm>
-              <a:off x="8478" y="4833"/>
-              <a:ext cx="2692" cy="455"/>
-            </a:xfrm>
-            <a:prstGeom prst="rect">
-              <a:avLst/>
-            </a:prstGeom>
-            <a:noFill/>
-            <a:ln w="12700" cap="flat" cmpd="sng">
-              <a:solidFill>
-                <a:srgbClr val="000000"/>
-              </a:solidFill>
-              <a:prstDash val="solid"/>
-              <a:miter/>
-              <a:headEnd type="none" w="med" len="med"/>
-              <a:tailEnd type="none" w="med" len="med"/>
-            </a:ln>
-          </p:spPr>
-          <p:txBody>
-            <a:bodyPr lIns="66751" tIns="33376" rIns="66751" bIns="33376" anchor="t" anchorCtr="false">
-              <a:spAutoFit/>
-            </a:bodyPr>
-            <a:p>
-              <a:pPr algn="ctr" eaLnBrk="0" hangingPunct="0">
-                <a:lnSpc>
-                  <a:spcPct val="80000"/>
-                </a:lnSpc>
-                <a:spcBef>
-                  <a:spcPct val="20000"/>
-                </a:spcBef>
-                <a:buClr>
-                  <a:schemeClr val="hlink"/>
-                </a:buClr>
-              </a:pPr>
-              <a:r>
-                <a:rPr lang="zh-CN" altLang="en-US" sz="1800" b="1" dirty="0">
-                  <a:solidFill>
-                    <a:srgbClr val="000000"/>
-                  </a:solidFill>
-                  <a:latin typeface="微软雅黑" panose="020B0503020204020204" charset="-122"/>
-                  <a:ea typeface="微软雅黑" panose="020B0503020204020204" charset="-122"/>
-                </a:rPr>
-                <a:t>总风险暴露</a:t>
-              </a:r>
-              <a:endParaRPr lang="zh-CN" altLang="en-US" sz="1800" b="1" dirty="0">
-                <a:solidFill>
-                  <a:srgbClr val="000000"/>
-                </a:solidFill>
-                <a:latin typeface="微软雅黑" panose="020B0503020204020204" charset="-122"/>
-                <a:ea typeface="微软雅黑" panose="020B0503020204020204" charset="-122"/>
-              </a:endParaRPr>
-            </a:p>
-          </p:txBody>
-        </p:sp>
-        <p:sp>
-          <p:nvSpPr>
-            <p:cNvPr id="32791" name="Text Box 9"/>
-            <p:cNvSpPr txBox="true"/>
-            <p:nvPr/>
-          </p:nvSpPr>
-          <p:spPr>
-            <a:xfrm>
-              <a:off x="8478" y="5628"/>
-              <a:ext cx="2692" cy="455"/>
-            </a:xfrm>
-            <a:prstGeom prst="rect">
-              <a:avLst/>
-            </a:prstGeom>
-            <a:noFill/>
-            <a:ln w="12700" cap="flat" cmpd="sng">
-              <a:solidFill>
-                <a:srgbClr val="000000"/>
-              </a:solidFill>
-              <a:prstDash val="solid"/>
-              <a:miter/>
-              <a:headEnd type="none" w="med" len="med"/>
-              <a:tailEnd type="none" w="med" len="med"/>
-            </a:ln>
-          </p:spPr>
-          <p:txBody>
-            <a:bodyPr lIns="66751" tIns="33376" rIns="66751" bIns="33376" anchor="t" anchorCtr="false">
-              <a:spAutoFit/>
-            </a:bodyPr>
-            <a:p>
-              <a:pPr algn="ctr" eaLnBrk="0" hangingPunct="0">
-                <a:lnSpc>
-                  <a:spcPct val="80000"/>
-                </a:lnSpc>
-                <a:spcBef>
-                  <a:spcPct val="20000"/>
-                </a:spcBef>
-                <a:buClr>
-                  <a:schemeClr val="hlink"/>
-                </a:buClr>
-              </a:pPr>
-              <a:r>
-                <a:rPr lang="zh-CN" altLang="en-US" sz="1800" b="1" dirty="0">
-                  <a:solidFill>
-                    <a:srgbClr val="000000"/>
-                  </a:solidFill>
-                  <a:latin typeface="微软雅黑" panose="020B0503020204020204" charset="-122"/>
-                  <a:ea typeface="微软雅黑" panose="020B0503020204020204" charset="-122"/>
-                </a:rPr>
-                <a:t>联合违约概率</a:t>
-              </a:r>
-              <a:endParaRPr lang="zh-CN" altLang="en-US" sz="1800" b="1" dirty="0">
-                <a:solidFill>
-                  <a:srgbClr val="000000"/>
-                </a:solidFill>
-                <a:latin typeface="微软雅黑" panose="020B0503020204020204" charset="-122"/>
-                <a:ea typeface="微软雅黑" panose="020B0503020204020204" charset="-122"/>
-              </a:endParaRPr>
-            </a:p>
-          </p:txBody>
-        </p:sp>
-        <p:sp>
-          <p:nvSpPr>
-            <p:cNvPr id="32792" name="Text Box 8"/>
-            <p:cNvSpPr txBox="true"/>
-            <p:nvPr/>
-          </p:nvSpPr>
-          <p:spPr>
-            <a:xfrm>
-              <a:off x="8478" y="6533"/>
-              <a:ext cx="2692" cy="455"/>
-            </a:xfrm>
-            <a:prstGeom prst="rect">
-              <a:avLst/>
-            </a:prstGeom>
-            <a:noFill/>
-            <a:ln w="12700" cap="flat" cmpd="sng">
-              <a:solidFill>
-                <a:srgbClr val="000000"/>
-              </a:solidFill>
-              <a:prstDash val="solid"/>
-              <a:miter/>
-              <a:headEnd type="none" w="med" len="med"/>
-              <a:tailEnd type="none" w="med" len="med"/>
-            </a:ln>
-          </p:spPr>
-          <p:txBody>
-            <a:bodyPr lIns="66751" tIns="33376" rIns="66751" bIns="33376" anchor="t" anchorCtr="false">
-              <a:spAutoFit/>
-            </a:bodyPr>
-            <a:p>
-              <a:pPr algn="ctr" eaLnBrk="0" hangingPunct="0">
-                <a:lnSpc>
-                  <a:spcPct val="80000"/>
-                </a:lnSpc>
-                <a:spcBef>
-                  <a:spcPct val="20000"/>
-                </a:spcBef>
-                <a:buClr>
-                  <a:schemeClr val="hlink"/>
-                </a:buClr>
-              </a:pPr>
-              <a:r>
-                <a:rPr lang="zh-CN" altLang="en-US" sz="1800" b="1" dirty="0">
-                  <a:solidFill>
-                    <a:srgbClr val="000000"/>
-                  </a:solidFill>
-                  <a:latin typeface="微软雅黑" panose="020B0503020204020204" charset="-122"/>
-                  <a:ea typeface="微软雅黑" panose="020B0503020204020204" charset="-122"/>
-                </a:rPr>
-                <a:t>回收率</a:t>
-              </a:r>
-              <a:endParaRPr lang="zh-CN" altLang="en-US" sz="1800" b="1" dirty="0">
-                <a:solidFill>
-                  <a:srgbClr val="000000"/>
-                </a:solidFill>
-                <a:latin typeface="微软雅黑" panose="020B0503020204020204" charset="-122"/>
-                <a:ea typeface="微软雅黑" panose="020B0503020204020204" charset="-122"/>
-              </a:endParaRPr>
-            </a:p>
-          </p:txBody>
-        </p:sp>
-        <p:sp>
-          <p:nvSpPr>
-            <p:cNvPr id="32793" name="Text Box 7"/>
-            <p:cNvSpPr txBox="true"/>
-            <p:nvPr/>
-          </p:nvSpPr>
-          <p:spPr>
-            <a:xfrm>
-              <a:off x="8478" y="7658"/>
-              <a:ext cx="2692" cy="805"/>
-            </a:xfrm>
-            <a:prstGeom prst="rect">
-              <a:avLst/>
-            </a:prstGeom>
-            <a:noFill/>
-            <a:ln w="12700" cap="flat" cmpd="sng">
-              <a:solidFill>
-                <a:srgbClr val="000000"/>
-              </a:solidFill>
-              <a:prstDash val="solid"/>
-              <a:miter/>
-              <a:headEnd type="none" w="med" len="med"/>
-              <a:tailEnd type="none" w="med" len="med"/>
-            </a:ln>
-          </p:spPr>
-          <p:txBody>
-            <a:bodyPr lIns="66751" tIns="33376" rIns="66751" bIns="33376" anchor="t" anchorCtr="false">
-              <a:spAutoFit/>
-            </a:bodyPr>
-            <a:p>
-              <a:pPr algn="ctr" eaLnBrk="0" hangingPunct="0">
-                <a:lnSpc>
-                  <a:spcPct val="80000"/>
-                </a:lnSpc>
-                <a:spcBef>
-                  <a:spcPct val="20000"/>
-                </a:spcBef>
-                <a:buClr>
-                  <a:schemeClr val="hlink"/>
-                </a:buClr>
-              </a:pPr>
-              <a:r>
-                <a:rPr lang="zh-CN" altLang="en-US" sz="1800" b="1" dirty="0">
-                  <a:solidFill>
-                    <a:srgbClr val="000000"/>
-                  </a:solidFill>
-                  <a:latin typeface="微软雅黑" panose="020B0503020204020204" charset="-122"/>
-                  <a:ea typeface="微软雅黑" panose="020B0503020204020204" charset="-122"/>
-                </a:rPr>
-                <a:t>联合信用等级转移概率</a:t>
-              </a:r>
-              <a:endParaRPr lang="zh-CN" altLang="en-US" sz="1800" b="1" dirty="0">
-                <a:solidFill>
-                  <a:srgbClr val="000000"/>
-                </a:solidFill>
-                <a:latin typeface="微软雅黑" panose="020B0503020204020204" charset="-122"/>
-                <a:ea typeface="微软雅黑" panose="020B0503020204020204" charset="-122"/>
-              </a:endParaRPr>
-            </a:p>
-          </p:txBody>
-        </p:sp>
-        <p:sp>
-          <p:nvSpPr>
-            <p:cNvPr id="32794" name="Text Box 6"/>
-            <p:cNvSpPr txBox="true"/>
-            <p:nvPr/>
-          </p:nvSpPr>
-          <p:spPr>
-            <a:xfrm>
-              <a:off x="3025" y="5443"/>
-              <a:ext cx="660" cy="2187"/>
-            </a:xfrm>
-            <a:prstGeom prst="rect">
-              <a:avLst/>
-            </a:prstGeom>
-            <a:noFill/>
-            <a:ln w="12700">
-              <a:noFill/>
-            </a:ln>
-          </p:spPr>
-          <p:txBody>
-            <a:bodyPr vert="eaVert" lIns="66751" tIns="33376" rIns="66751" bIns="33376" anchor="t" anchorCtr="false"/>
-            <a:p>
-              <a:pPr eaLnBrk="0" hangingPunct="0">
-                <a:lnSpc>
-                  <a:spcPct val="80000"/>
-                </a:lnSpc>
-                <a:spcBef>
-                  <a:spcPct val="20000"/>
-                </a:spcBef>
-                <a:buClr>
-                  <a:schemeClr val="hlink"/>
-                </a:buClr>
-              </a:pPr>
-              <a:r>
-                <a:rPr lang="zh-CN" altLang="en-US" sz="1800" b="1" dirty="0">
-                  <a:solidFill>
-                    <a:srgbClr val="000000"/>
-                  </a:solidFill>
-                  <a:latin typeface="微软雅黑" panose="020B0503020204020204" charset="-122"/>
-                  <a:ea typeface="微软雅黑" panose="020B0503020204020204" charset="-122"/>
-                </a:rPr>
-                <a:t>违约状态</a:t>
-              </a:r>
-              <a:endParaRPr lang="zh-CN" altLang="en-US" sz="1800" b="1" dirty="0">
-                <a:solidFill>
-                  <a:srgbClr val="000000"/>
-                </a:solidFill>
-                <a:latin typeface="微软雅黑" panose="020B0503020204020204" charset="-122"/>
-                <a:ea typeface="微软雅黑" panose="020B0503020204020204" charset="-122"/>
-              </a:endParaRPr>
-            </a:p>
-          </p:txBody>
-        </p:sp>
-        <p:sp>
-          <p:nvSpPr>
-            <p:cNvPr id="32795" name="Text Box 5"/>
-            <p:cNvSpPr txBox="true"/>
-            <p:nvPr/>
-          </p:nvSpPr>
-          <p:spPr>
-            <a:xfrm>
-              <a:off x="3138" y="7528"/>
-              <a:ext cx="775" cy="1500"/>
-            </a:xfrm>
-            <a:prstGeom prst="rect">
-              <a:avLst/>
-            </a:prstGeom>
-            <a:noFill/>
-            <a:ln w="12700">
-              <a:noFill/>
-            </a:ln>
-          </p:spPr>
-          <p:txBody>
-            <a:bodyPr vert="eaVert" lIns="66751" tIns="33376" rIns="66751" bIns="33376" anchor="t" anchorCtr="false"/>
-            <a:p>
-              <a:pPr eaLnBrk="0" hangingPunct="0">
-                <a:lnSpc>
-                  <a:spcPct val="80000"/>
-                </a:lnSpc>
-                <a:spcBef>
-                  <a:spcPct val="20000"/>
-                </a:spcBef>
-                <a:buClr>
-                  <a:schemeClr val="hlink"/>
-                </a:buClr>
-              </a:pPr>
-              <a:r>
-                <a:rPr lang="zh-CN" altLang="en-US" sz="1800" b="1" dirty="0">
-                  <a:solidFill>
-                    <a:srgbClr val="000000"/>
-                  </a:solidFill>
-                  <a:latin typeface="微软雅黑" panose="020B0503020204020204" charset="-122"/>
-                  <a:ea typeface="微软雅黑" panose="020B0503020204020204" charset="-122"/>
-                </a:rPr>
-                <a:t>信用质</a:t>
-              </a:r>
-              <a:endParaRPr lang="en-US" altLang="zh-CN" sz="1800" b="1">
-                <a:solidFill>
-                  <a:srgbClr val="000000"/>
-                </a:solidFill>
-                <a:latin typeface="微软雅黑" panose="020B0503020204020204" charset="-122"/>
-                <a:ea typeface="微软雅黑" panose="020B0503020204020204" charset="-122"/>
-              </a:endParaRPr>
-            </a:p>
-            <a:p>
-              <a:pPr eaLnBrk="0" hangingPunct="0">
-                <a:lnSpc>
-                  <a:spcPct val="80000"/>
-                </a:lnSpc>
-                <a:spcBef>
-                  <a:spcPct val="20000"/>
-                </a:spcBef>
-                <a:buClr>
-                  <a:schemeClr val="hlink"/>
-                </a:buClr>
-              </a:pPr>
-              <a:r>
-                <a:rPr lang="zh-CN" altLang="en-US" sz="1800" b="1" dirty="0">
-                  <a:solidFill>
-                    <a:srgbClr val="000000"/>
-                  </a:solidFill>
-                  <a:latin typeface="微软雅黑" panose="020B0503020204020204" charset="-122"/>
-                  <a:ea typeface="微软雅黑" panose="020B0503020204020204" charset="-122"/>
-                </a:rPr>
-                <a:t>量迁移</a:t>
-              </a:r>
-              <a:endParaRPr lang="zh-CN" altLang="en-US" sz="1800" b="1" dirty="0">
-                <a:solidFill>
-                  <a:srgbClr val="000000"/>
-                </a:solidFill>
-                <a:latin typeface="微软雅黑" panose="020B0503020204020204" charset="-122"/>
-                <a:ea typeface="微软雅黑" panose="020B0503020204020204" charset="-122"/>
-              </a:endParaRPr>
-            </a:p>
-          </p:txBody>
-        </p:sp>
-        <p:sp>
-          <p:nvSpPr>
-            <p:cNvPr id="32796" name="Line 4"/>
-            <p:cNvSpPr/>
-            <p:nvPr/>
-          </p:nvSpPr>
-          <p:spPr>
-            <a:xfrm>
-              <a:off x="5045" y="8688"/>
-              <a:ext cx="6578" cy="0"/>
-            </a:xfrm>
-            <a:prstGeom prst="line">
-              <a:avLst/>
-            </a:prstGeom>
-            <a:ln w="12700" cap="flat" cmpd="sng">
-              <a:solidFill>
-                <a:srgbClr val="000000"/>
-              </a:solidFill>
-              <a:prstDash val="dash"/>
-              <a:round/>
-              <a:headEnd type="triangle" w="med" len="med"/>
-              <a:tailEnd type="triangle" w="med" len="med"/>
-            </a:ln>
-          </p:spPr>
-        </p:sp>
-        <p:sp>
-          <p:nvSpPr>
-            <p:cNvPr id="32797" name="Text Box 3"/>
-            <p:cNvSpPr txBox="true"/>
-            <p:nvPr/>
-          </p:nvSpPr>
-          <p:spPr>
-            <a:xfrm>
-              <a:off x="8675" y="8915"/>
-              <a:ext cx="2835" cy="455"/>
-            </a:xfrm>
-            <a:prstGeom prst="rect">
-              <a:avLst/>
-            </a:prstGeom>
-            <a:noFill/>
-            <a:ln w="12700">
-              <a:noFill/>
-            </a:ln>
-          </p:spPr>
-          <p:txBody>
-            <a:bodyPr lIns="66751" tIns="33376" rIns="66751" bIns="33376" anchor="t" anchorCtr="false"/>
-            <a:p>
-              <a:pPr eaLnBrk="0" hangingPunct="0">
-                <a:lnSpc>
-                  <a:spcPct val="80000"/>
-                </a:lnSpc>
-                <a:spcBef>
-                  <a:spcPct val="20000"/>
-                </a:spcBef>
-                <a:buClr>
-                  <a:schemeClr val="hlink"/>
-                </a:buClr>
-              </a:pPr>
-              <a:r>
-                <a:rPr lang="zh-CN" altLang="en-US" sz="1800" b="1" dirty="0">
-                  <a:solidFill>
-                    <a:srgbClr val="000000"/>
-                  </a:solidFill>
-                  <a:latin typeface="微软雅黑" panose="020B0503020204020204" charset="-122"/>
-                  <a:ea typeface="微软雅黑" panose="020B0503020204020204" charset="-122"/>
-                </a:rPr>
-                <a:t>资产组合形式</a:t>
-              </a:r>
-              <a:endParaRPr lang="zh-CN" altLang="en-US" sz="1800" b="1" dirty="0">
-                <a:solidFill>
-                  <a:srgbClr val="000000"/>
-                </a:solidFill>
-                <a:latin typeface="微软雅黑" panose="020B0503020204020204" charset="-122"/>
-                <a:ea typeface="微软雅黑" panose="020B0503020204020204" charset="-122"/>
-              </a:endParaRPr>
-            </a:p>
-          </p:txBody>
-        </p:sp>
-        <p:sp>
-          <p:nvSpPr>
-            <p:cNvPr id="32798" name="Text Box 2"/>
-            <p:cNvSpPr txBox="true"/>
-            <p:nvPr/>
-          </p:nvSpPr>
-          <p:spPr>
-            <a:xfrm>
-              <a:off x="5273" y="8915"/>
-              <a:ext cx="2607" cy="455"/>
-            </a:xfrm>
-            <a:prstGeom prst="rect">
-              <a:avLst/>
-            </a:prstGeom>
-            <a:noFill/>
-            <a:ln w="12700">
-              <a:noFill/>
-            </a:ln>
-          </p:spPr>
-          <p:txBody>
-            <a:bodyPr lIns="66751" tIns="33376" rIns="66751" bIns="33376" anchor="t" anchorCtr="false"/>
-            <a:p>
-              <a:pPr eaLnBrk="0" hangingPunct="0">
-                <a:lnSpc>
-                  <a:spcPct val="80000"/>
-                </a:lnSpc>
-                <a:spcBef>
-                  <a:spcPct val="20000"/>
-                </a:spcBef>
-                <a:buClr>
-                  <a:schemeClr val="hlink"/>
-                </a:buClr>
-              </a:pPr>
-              <a:r>
-                <a:rPr lang="zh-CN" altLang="en-US" sz="1800" b="1" dirty="0">
-                  <a:solidFill>
-                    <a:srgbClr val="000000"/>
-                  </a:solidFill>
-                  <a:latin typeface="微软雅黑" panose="020B0503020204020204" charset="-122"/>
-                  <a:ea typeface="微软雅黑" panose="020B0503020204020204" charset="-122"/>
-                </a:rPr>
-                <a:t>单项资产形式</a:t>
-              </a:r>
-              <a:endParaRPr lang="zh-CN" altLang="en-US" sz="1800" b="1" dirty="0">
-                <a:solidFill>
-                  <a:srgbClr val="000000"/>
-                </a:solidFill>
-                <a:latin typeface="微软雅黑" panose="020B0503020204020204" charset="-122"/>
-                <a:ea typeface="微软雅黑" panose="020B0503020204020204" charset="-122"/>
-              </a:endParaRPr>
-            </a:p>
-          </p:txBody>
-        </p:sp>
-      </p:grpSp>
-      <p:sp>
-        <p:nvSpPr>
-          <p:cNvPr id="7" name="文本框 6"/>
-          <p:cNvSpPr txBox="true"/>
-          <p:nvPr/>
-        </p:nvSpPr>
-        <p:spPr>
-          <a:xfrm>
-            <a:off x="876300" y="945515"/>
-            <a:ext cx="10587990" cy="1753235"/>
-          </a:xfrm>
-          <a:prstGeom prst="rect">
-            <a:avLst/>
-          </a:prstGeom>
-          <a:noFill/>
-        </p:spPr>
-        <p:txBody>
-          <a:bodyPr wrap="square" rtlCol="0">
-            <a:spAutoFit/>
-          </a:bodyPr>
-          <a:p>
-            <a:r>
-              <a:rPr lang="zh-CN" altLang="en-US">
-                <a:latin typeface="微软雅黑" panose="020B0503020204020204" charset="-122"/>
-                <a:ea typeface="微软雅黑" panose="020B0503020204020204" charset="-122"/>
-              </a:rPr>
-              <a:t>银行信用管理分为两个层次：</a:t>
-            </a:r>
-            <a:endParaRPr lang="zh-CN" altLang="en-US">
-              <a:latin typeface="微软雅黑" panose="020B0503020204020204" charset="-122"/>
-              <a:ea typeface="微软雅黑" panose="020B0503020204020204" charset="-122"/>
-            </a:endParaRPr>
-          </a:p>
-          <a:p>
-            <a:endParaRPr lang="zh-CN" altLang="en-US">
-              <a:latin typeface="微软雅黑" panose="020B0503020204020204" charset="-122"/>
-              <a:ea typeface="微软雅黑" panose="020B0503020204020204" charset="-122"/>
-            </a:endParaRPr>
-          </a:p>
-          <a:p>
-            <a:r>
-              <a:rPr lang="zh-CN" altLang="en-US">
-                <a:latin typeface="微软雅黑" panose="020B0503020204020204" charset="-122"/>
-                <a:ea typeface="微软雅黑" panose="020B0503020204020204" charset="-122"/>
-              </a:rPr>
-              <a:t>（</a:t>
-            </a:r>
-            <a:r>
-              <a:rPr lang="en-US" altLang="zh-CN">
-                <a:latin typeface="微软雅黑" panose="020B0503020204020204" charset="-122"/>
-                <a:ea typeface="微软雅黑" panose="020B0503020204020204" charset="-122"/>
-              </a:rPr>
-              <a:t>1</a:t>
-            </a:r>
-            <a:r>
-              <a:rPr lang="zh-CN" altLang="en-US">
-                <a:latin typeface="微软雅黑" panose="020B0503020204020204" charset="-122"/>
-                <a:ea typeface="微软雅黑" panose="020B0503020204020204" charset="-122"/>
-              </a:rPr>
-              <a:t>）确定单向贷款的损失分布，给单项贷款合理的定价和配置风险资本权重。</a:t>
-            </a:r>
-            <a:endParaRPr lang="zh-CN" altLang="en-US">
-              <a:latin typeface="微软雅黑" panose="020B0503020204020204" charset="-122"/>
-              <a:ea typeface="微软雅黑" panose="020B0503020204020204" charset="-122"/>
-            </a:endParaRPr>
-          </a:p>
-          <a:p>
-            <a:r>
-              <a:rPr lang="zh-CN" altLang="en-US">
-                <a:latin typeface="微软雅黑" panose="020B0503020204020204" charset="-122"/>
-                <a:ea typeface="微软雅黑" panose="020B0503020204020204" charset="-122"/>
-              </a:rPr>
-              <a:t>（</a:t>
-            </a:r>
-            <a:r>
-              <a:rPr lang="en-US" altLang="zh-CN">
-                <a:latin typeface="微软雅黑" panose="020B0503020204020204" charset="-122"/>
-                <a:ea typeface="微软雅黑" panose="020B0503020204020204" charset="-122"/>
-              </a:rPr>
-              <a:t>2</a:t>
-            </a:r>
-            <a:r>
-              <a:rPr lang="zh-CN" altLang="en-US">
-                <a:latin typeface="微软雅黑" panose="020B0503020204020204" charset="-122"/>
-                <a:ea typeface="微软雅黑" panose="020B0503020204020204" charset="-122"/>
-              </a:rPr>
-              <a:t>）确定资产组合的信用风险损失分布，确定资产组合的信用风险损失分布，确定最优风险资本配置。</a:t>
-            </a:r>
-            <a:endParaRPr lang="zh-CN" altLang="en-US">
-              <a:latin typeface="微软雅黑" panose="020B0503020204020204" charset="-122"/>
-              <a:ea typeface="微软雅黑" panose="020B0503020204020204" charset="-122"/>
-            </a:endParaRPr>
-          </a:p>
-          <a:p>
-            <a:endParaRPr lang="zh-CN" altLang="en-US">
-              <a:latin typeface="微软雅黑" panose="020B0503020204020204" charset="-122"/>
-              <a:ea typeface="微软雅黑" panose="020B0503020204020204" charset="-122"/>
-            </a:endParaRPr>
-          </a:p>
-          <a:p>
-            <a:r>
-              <a:rPr lang="zh-CN" altLang="en-US">
-                <a:latin typeface="微软雅黑" panose="020B0503020204020204" charset="-122"/>
-                <a:ea typeface="微软雅黑" panose="020B0503020204020204" charset="-122"/>
-              </a:rPr>
-              <a:t>纵观信用管理的整个过程，其内容和核心就是信用风险的度量</a:t>
-            </a:r>
-            <a:endParaRPr lang="zh-CN" altLang="en-US">
-              <a:latin typeface="微软雅黑" panose="020B0503020204020204" charset="-122"/>
-              <a:ea typeface="微软雅黑" panose="020B0503020204020204" charset="-122"/>
-            </a:endParaRPr>
-          </a:p>
-        </p:txBody>
-      </p:sp>
-      <p:sp>
-        <p:nvSpPr>
-          <p:cNvPr id="3" name="文本框 2"/>
-          <p:cNvSpPr txBox="true"/>
-          <p:nvPr/>
-        </p:nvSpPr>
-        <p:spPr>
-          <a:xfrm>
-            <a:off x="3747770" y="6359525"/>
-            <a:ext cx="4845050" cy="337185"/>
-          </a:xfrm>
-          <a:prstGeom prst="rect">
-            <a:avLst/>
-          </a:prstGeom>
-          <a:noFill/>
-        </p:spPr>
-        <p:txBody>
-          <a:bodyPr wrap="square" rtlCol="0">
-            <a:spAutoFit/>
-          </a:bodyPr>
-          <a:p>
-            <a:pPr algn="ctr"/>
-            <a:r>
-              <a:rPr lang="zh-CN" altLang="en-US" sz="1600" b="1">
-                <a:latin typeface="微软雅黑" panose="020B0503020204020204" charset="-122"/>
-                <a:ea typeface="微软雅黑" panose="020B0503020204020204" charset="-122"/>
-              </a:rPr>
-              <a:t>信用风险度量与管理的层次关系图</a:t>
-            </a:r>
-            <a:endParaRPr lang="zh-CN" altLang="en-US" sz="1600" b="1">
-              <a:latin typeface="微软雅黑" panose="020B0503020204020204" charset="-122"/>
-              <a:ea typeface="微软雅黑" panose="020B0503020204020204" charset="-122"/>
-            </a:endParaRPr>
-          </a:p>
-        </p:txBody>
-      </p:sp>
-    </p:spTree>
-  </p:cSld>
-  <p:clrMapOvr>
-    <a:masterClrMapping/>
-  </p:clrMapOvr>
-  <mc:AlternateContent xmlns:mc="http://schemas.openxmlformats.org/markup-compatibility/2006">
-    <mc:Choice xmlns:p14="http://schemas.microsoft.com/office/powerpoint/2010/main" Requires="p14">
-      <p:transition spd="slow" p14:dur="1250" advTm="0"/>
-    </mc:Choice>
-    <mc:Fallback>
-      <p:transition spd="slow" advTm="0"/>
-    </mc:Fallback>
-  </mc:AlternateContent>
-  <p:timing>
-    <p:tnLst>
-      <p:par>
-        <p:cTn id="1" dur="indefinite" restart="never" nodeType="tmRoot"/>
-      </p:par>
-    </p:tnLst>
-  </p:timing>
-</p:sld>
-</file>
-
-<file path=ppt/slides/slide2.xml><?xml version="1.0" encoding="utf-8"?>
-<p:sld xmlns:a="http://schemas.openxmlformats.org/drawingml/2006/main" xmlns:r="http://schemas.openxmlformats.org/officeDocument/2006/relationships" xmlns:p="http://schemas.openxmlformats.org/presentationml/2006/main">
-  <p:cSld>
-    <p:spTree>
-      <p:nvGrpSpPr>
-        <p:cNvPr id="1" name=""/>
-        <p:cNvGrpSpPr/>
-        <p:nvPr/>
-      </p:nvGrpSpPr>
-      <p:grpSpPr>
-        <a:xfrm>
-          <a:off x="0" y="0"/>
-          <a:ext cx="0" cy="0"/>
-          <a:chOff x="0" y="0"/>
-          <a:chExt cx="0" cy="0"/>
-        </a:xfrm>
-      </p:grpSpPr>
-      <p:grpSp>
-        <p:nvGrpSpPr>
-          <p:cNvPr id="31" name="组合 30"/>
-          <p:cNvGrpSpPr/>
-          <p:nvPr/>
-        </p:nvGrpSpPr>
-        <p:grpSpPr>
-          <a:xfrm>
-            <a:off x="-2" y="-6950"/>
-            <a:ext cx="12192002" cy="6864950"/>
-            <a:chOff x="-2" y="2575"/>
-            <a:chExt cx="12192002" cy="6864950"/>
-          </a:xfrm>
-        </p:grpSpPr>
-        <p:pic>
-          <p:nvPicPr>
-            <p:cNvPr id="39" name="图片 38"/>
-            <p:cNvPicPr>
-              <a:picLocks noChangeAspect="true"/>
-            </p:cNvPicPr>
-            <p:nvPr/>
-          </p:nvPicPr>
-          <p:blipFill rotWithShape="true">
-            <a:blip r:embed="rId1" cstate="screen">
-              <a:extLst>
-                <a:ext uri="{BEBA8EAE-BF5A-486C-A8C5-ECC9F3942E4B}">
-                  <a14:imgProps xmlns:a14="http://schemas.microsoft.com/office/drawing/2010/main">
-                    <a14:imgLayer r:embed="rId2">
-                      <a14:imgEffect>
-                        <a14:brightnessContrast bright="9000"/>
-                      </a14:imgEffect>
-                    </a14:imgLayer>
-                  </a14:imgProps>
-                </a:ext>
-              </a:extLst>
-            </a:blip>
-            <a:srcRect/>
-            <a:stretch>
-              <a:fillRect/>
-            </a:stretch>
-          </p:blipFill>
-          <p:spPr>
-            <a:xfrm>
-              <a:off x="-1" y="9525"/>
-              <a:ext cx="12192001" cy="6858000"/>
-            </a:xfrm>
-            <a:prstGeom prst="rect">
-              <a:avLst/>
-            </a:prstGeom>
-          </p:spPr>
-        </p:pic>
-        <p:pic>
-          <p:nvPicPr>
-            <p:cNvPr id="45" name="图片 44"/>
-            <p:cNvPicPr>
-              <a:picLocks noChangeAspect="true"/>
-            </p:cNvPicPr>
-            <p:nvPr/>
-          </p:nvPicPr>
-          <p:blipFill>
-            <a:blip r:embed="rId3">
-              <a:lum bright="70000" contrast="-70000"/>
-            </a:blip>
-            <a:srcRect l="4950"/>
-            <a:stretch>
-              <a:fillRect/>
-            </a:stretch>
-          </p:blipFill>
-          <p:spPr>
-            <a:xfrm>
-              <a:off x="5707965" y="2575"/>
-              <a:ext cx="6484035" cy="77036"/>
-            </a:xfrm>
-            <a:custGeom>
-              <a:avLst/>
-              <a:gdLst>
-                <a:gd name="connsiteX0" fmla="*/ 137250 w 4702465"/>
-                <a:gd name="connsiteY0" fmla="*/ 0 h 222240"/>
-                <a:gd name="connsiteX1" fmla="*/ 4702465 w 4702465"/>
-                <a:gd name="connsiteY1" fmla="*/ 0 h 222240"/>
-                <a:gd name="connsiteX2" fmla="*/ 4702465 w 4702465"/>
-                <a:gd name="connsiteY2" fmla="*/ 222240 h 222240"/>
-                <a:gd name="connsiteX3" fmla="*/ 0 w 4702465"/>
-                <a:gd name="connsiteY3" fmla="*/ 222240 h 222240"/>
-              </a:gdLst>
-              <a:ahLst/>
-              <a:cxnLst>
-                <a:cxn ang="0">
-                  <a:pos x="connsiteX0" y="connsiteY0"/>
-                </a:cxn>
-                <a:cxn ang="0">
-                  <a:pos x="connsiteX1" y="connsiteY1"/>
-                </a:cxn>
-                <a:cxn ang="0">
-                  <a:pos x="connsiteX2" y="connsiteY2"/>
-                </a:cxn>
-                <a:cxn ang="0">
-                  <a:pos x="connsiteX3" y="connsiteY3"/>
-                </a:cxn>
-              </a:cxnLst>
-              <a:rect l="l" t="t" r="r" b="b"/>
-              <a:pathLst>
-                <a:path w="4702465" h="222240">
-                  <a:moveTo>
-                    <a:pt x="137250" y="0"/>
-                  </a:moveTo>
-                  <a:lnTo>
-                    <a:pt x="4702465" y="0"/>
-                  </a:lnTo>
-                  <a:lnTo>
-                    <a:pt x="4702465" y="222240"/>
-                  </a:lnTo>
-                  <a:lnTo>
-                    <a:pt x="0" y="222240"/>
-                  </a:lnTo>
-                  <a:close/>
-                </a:path>
-              </a:pathLst>
-            </a:custGeom>
-            <a:solidFill>
-              <a:schemeClr val="bg1"/>
-            </a:solidFill>
-          </p:spPr>
-        </p:pic>
-        <p:pic>
-          <p:nvPicPr>
-            <p:cNvPr id="46" name="图片 45"/>
-            <p:cNvPicPr>
-              <a:picLocks noChangeAspect="true"/>
-            </p:cNvPicPr>
-            <p:nvPr/>
-          </p:nvPicPr>
-          <p:blipFill>
-            <a:blip r:embed="rId3">
-              <a:lum bright="70000" contrast="-70000"/>
-            </a:blip>
-            <a:srcRect l="4950" r="26116"/>
-            <a:stretch>
-              <a:fillRect/>
-            </a:stretch>
-          </p:blipFill>
-          <p:spPr>
-            <a:xfrm flipH="true" flipV="true">
-              <a:off x="-2" y="2575"/>
-              <a:ext cx="4702465" cy="77036"/>
-            </a:xfrm>
-            <a:custGeom>
-              <a:avLst/>
-              <a:gdLst>
-                <a:gd name="connsiteX0" fmla="*/ 137250 w 4702465"/>
-                <a:gd name="connsiteY0" fmla="*/ 0 h 222240"/>
-                <a:gd name="connsiteX1" fmla="*/ 4702465 w 4702465"/>
-                <a:gd name="connsiteY1" fmla="*/ 0 h 222240"/>
-                <a:gd name="connsiteX2" fmla="*/ 4702465 w 4702465"/>
-                <a:gd name="connsiteY2" fmla="*/ 222240 h 222240"/>
-                <a:gd name="connsiteX3" fmla="*/ 0 w 4702465"/>
-                <a:gd name="connsiteY3" fmla="*/ 222240 h 222240"/>
-              </a:gdLst>
-              <a:ahLst/>
-              <a:cxnLst>
-                <a:cxn ang="0">
-                  <a:pos x="connsiteX0" y="connsiteY0"/>
-                </a:cxn>
-                <a:cxn ang="0">
-                  <a:pos x="connsiteX1" y="connsiteY1"/>
-                </a:cxn>
-                <a:cxn ang="0">
-                  <a:pos x="connsiteX2" y="connsiteY2"/>
-                </a:cxn>
-                <a:cxn ang="0">
-                  <a:pos x="connsiteX3" y="connsiteY3"/>
-                </a:cxn>
-              </a:cxnLst>
-              <a:rect l="l" t="t" r="r" b="b"/>
-              <a:pathLst>
-                <a:path w="4702465" h="222240">
-                  <a:moveTo>
-                    <a:pt x="137250" y="0"/>
-                  </a:moveTo>
-                  <a:lnTo>
-                    <a:pt x="4702465" y="0"/>
-                  </a:lnTo>
-                  <a:lnTo>
-                    <a:pt x="4702465" y="222240"/>
-                  </a:lnTo>
-                  <a:lnTo>
-                    <a:pt x="0" y="222240"/>
-                  </a:lnTo>
-                  <a:close/>
-                </a:path>
-              </a:pathLst>
-            </a:custGeom>
-            <a:solidFill>
-              <a:schemeClr val="bg1"/>
-            </a:solidFill>
-          </p:spPr>
-        </p:pic>
-        <p:pic>
-          <p:nvPicPr>
-            <p:cNvPr id="47" name="图片 46"/>
-            <p:cNvPicPr>
-              <a:picLocks noChangeAspect="true"/>
-            </p:cNvPicPr>
-            <p:nvPr/>
-          </p:nvPicPr>
-          <p:blipFill>
-            <a:blip r:embed="rId3">
-              <a:lum bright="70000" contrast="-70000"/>
-            </a:blip>
-            <a:srcRect l="4950"/>
-            <a:stretch>
-              <a:fillRect/>
-            </a:stretch>
-          </p:blipFill>
-          <p:spPr>
-            <a:xfrm rot="10800000">
-              <a:off x="-2" y="6765558"/>
-              <a:ext cx="6484035" cy="95234"/>
-            </a:xfrm>
-            <a:custGeom>
-              <a:avLst/>
-              <a:gdLst>
-                <a:gd name="connsiteX0" fmla="*/ 137250 w 4702465"/>
-                <a:gd name="connsiteY0" fmla="*/ 0 h 222240"/>
-                <a:gd name="connsiteX1" fmla="*/ 4702465 w 4702465"/>
-                <a:gd name="connsiteY1" fmla="*/ 0 h 222240"/>
-                <a:gd name="connsiteX2" fmla="*/ 4702465 w 4702465"/>
-                <a:gd name="connsiteY2" fmla="*/ 222240 h 222240"/>
-                <a:gd name="connsiteX3" fmla="*/ 0 w 4702465"/>
-                <a:gd name="connsiteY3" fmla="*/ 222240 h 222240"/>
-              </a:gdLst>
-              <a:ahLst/>
-              <a:cxnLst>
-                <a:cxn ang="0">
-                  <a:pos x="connsiteX0" y="connsiteY0"/>
-                </a:cxn>
-                <a:cxn ang="0">
-                  <a:pos x="connsiteX1" y="connsiteY1"/>
-                </a:cxn>
-                <a:cxn ang="0">
-                  <a:pos x="connsiteX2" y="connsiteY2"/>
-                </a:cxn>
-                <a:cxn ang="0">
-                  <a:pos x="connsiteX3" y="connsiteY3"/>
-                </a:cxn>
-              </a:cxnLst>
-              <a:rect l="l" t="t" r="r" b="b"/>
-              <a:pathLst>
-                <a:path w="4702465" h="222240">
-                  <a:moveTo>
-                    <a:pt x="137250" y="0"/>
-                  </a:moveTo>
-                  <a:lnTo>
-                    <a:pt x="4702465" y="0"/>
-                  </a:lnTo>
-                  <a:lnTo>
-                    <a:pt x="4702465" y="222240"/>
-                  </a:lnTo>
-                  <a:lnTo>
-                    <a:pt x="0" y="222240"/>
-                  </a:lnTo>
-                  <a:close/>
-                </a:path>
-              </a:pathLst>
-            </a:custGeom>
-            <a:solidFill>
-              <a:schemeClr val="bg1"/>
-            </a:solidFill>
-          </p:spPr>
-        </p:pic>
-        <p:pic>
-          <p:nvPicPr>
-            <p:cNvPr id="48" name="图片 47"/>
-            <p:cNvPicPr>
-              <a:picLocks noChangeAspect="true"/>
-            </p:cNvPicPr>
-            <p:nvPr/>
-          </p:nvPicPr>
-          <p:blipFill>
-            <a:blip r:embed="rId3">
-              <a:lum bright="70000" contrast="-70000"/>
-            </a:blip>
-            <a:srcRect l="4950" r="26116"/>
-            <a:stretch>
-              <a:fillRect/>
-            </a:stretch>
-          </p:blipFill>
-          <p:spPr>
-            <a:xfrm rot="10800000" flipH="true" flipV="true">
-              <a:off x="7489535" y="6765558"/>
-              <a:ext cx="4702465" cy="95234"/>
-            </a:xfrm>
-            <a:custGeom>
-              <a:avLst/>
-              <a:gdLst>
-                <a:gd name="connsiteX0" fmla="*/ 137250 w 4702465"/>
-                <a:gd name="connsiteY0" fmla="*/ 0 h 222240"/>
-                <a:gd name="connsiteX1" fmla="*/ 4702465 w 4702465"/>
-                <a:gd name="connsiteY1" fmla="*/ 0 h 222240"/>
-                <a:gd name="connsiteX2" fmla="*/ 4702465 w 4702465"/>
-                <a:gd name="connsiteY2" fmla="*/ 222240 h 222240"/>
-                <a:gd name="connsiteX3" fmla="*/ 0 w 4702465"/>
-                <a:gd name="connsiteY3" fmla="*/ 222240 h 222240"/>
-              </a:gdLst>
-              <a:ahLst/>
-              <a:cxnLst>
-                <a:cxn ang="0">
-                  <a:pos x="connsiteX0" y="connsiteY0"/>
-                </a:cxn>
-                <a:cxn ang="0">
-                  <a:pos x="connsiteX1" y="connsiteY1"/>
-                </a:cxn>
-                <a:cxn ang="0">
-                  <a:pos x="connsiteX2" y="connsiteY2"/>
-                </a:cxn>
-                <a:cxn ang="0">
-                  <a:pos x="connsiteX3" y="connsiteY3"/>
-                </a:cxn>
-              </a:cxnLst>
-              <a:rect l="l" t="t" r="r" b="b"/>
-              <a:pathLst>
-                <a:path w="4702465" h="222240">
-                  <a:moveTo>
-                    <a:pt x="137250" y="0"/>
-                  </a:moveTo>
-                  <a:lnTo>
-                    <a:pt x="4702465" y="0"/>
-                  </a:lnTo>
-                  <a:lnTo>
-                    <a:pt x="4702465" y="222240"/>
-                  </a:lnTo>
-                  <a:lnTo>
-                    <a:pt x="0" y="222240"/>
-                  </a:lnTo>
-                  <a:close/>
-                </a:path>
-              </a:pathLst>
-            </a:custGeom>
-            <a:solidFill>
-              <a:schemeClr val="bg1"/>
-            </a:solidFill>
-          </p:spPr>
-        </p:pic>
-      </p:grpSp>
-      <p:pic>
-        <p:nvPicPr>
-          <p:cNvPr id="12" name="图片 11"/>
-          <p:cNvPicPr>
-            <a:picLocks noChangeAspect="true"/>
-          </p:cNvPicPr>
-          <p:nvPr/>
-        </p:nvPicPr>
-        <p:blipFill>
-          <a:blip r:embed="rId3"/>
-          <a:stretch>
-            <a:fillRect/>
-          </a:stretch>
-        </p:blipFill>
-        <p:spPr>
-          <a:xfrm rot="10800000">
-            <a:off x="0" y="79375"/>
-            <a:ext cx="12192000" cy="638175"/>
-          </a:xfrm>
-          <a:prstGeom prst="rect">
-            <a:avLst/>
-          </a:prstGeom>
-          <a:solidFill>
-            <a:schemeClr val="bg1"/>
-          </a:solidFill>
-        </p:spPr>
-      </p:pic>
-      <p:sp>
-        <p:nvSpPr>
-          <p:cNvPr id="14" name="文本框 13"/>
-          <p:cNvSpPr txBox="true"/>
-          <p:nvPr/>
-        </p:nvSpPr>
-        <p:spPr>
-          <a:xfrm>
-            <a:off x="314325" y="137160"/>
-            <a:ext cx="9579610" cy="583565"/>
-          </a:xfrm>
-          <a:prstGeom prst="rect">
-            <a:avLst/>
-          </a:prstGeom>
-          <a:noFill/>
-        </p:spPr>
-        <p:txBody>
-          <a:bodyPr wrap="square" rtlCol="0">
-            <a:spAutoFit/>
-          </a:bodyPr>
-          <a:p>
-            <a:r>
-              <a:rPr lang="zh-CN" sz="3200" dirty="0">
-                <a:solidFill>
-                  <a:schemeClr val="bg1"/>
-                </a:solidFill>
-                <a:latin typeface="微软雅黑" panose="020B0503020204020204" charset="-122"/>
-                <a:ea typeface="微软雅黑" panose="020B0503020204020204" charset="-122"/>
-              </a:rPr>
-              <a:t>本章简介</a:t>
-            </a:r>
-            <a:endParaRPr lang="zh-CN" sz="3200" dirty="0">
-              <a:solidFill>
-                <a:schemeClr val="bg1"/>
-              </a:solidFill>
-              <a:latin typeface="微软雅黑" panose="020B0503020204020204" charset="-122"/>
-              <a:ea typeface="微软雅黑" panose="020B0503020204020204" charset="-122"/>
-            </a:endParaRPr>
-          </a:p>
-        </p:txBody>
-      </p:sp>
-      <p:sp>
-        <p:nvSpPr>
-          <p:cNvPr id="4" name="Rectangle 2"/>
-          <p:cNvSpPr>
-            <a:spLocks noGrp="true"/>
-          </p:cNvSpPr>
-          <p:nvPr>
-            <p:ph type="title"/>
-          </p:nvPr>
-        </p:nvSpPr>
-        <p:spPr>
-          <a:xfrm>
-            <a:off x="2288540" y="3790315"/>
-            <a:ext cx="669290" cy="2041525"/>
-          </a:xfrm>
-        </p:spPr>
-        <p:txBody>
-          <a:bodyPr vert="horz" wrap="square" lIns="91440" tIns="45720" rIns="91440" bIns="45720" anchor="ctr" anchorCtr="false">
-            <a:normAutofit/>
-          </a:bodyPr>
-          <a:p>
-            <a:pPr eaLnBrk="1" hangingPunct="1"/>
-            <a:r>
-              <a:rPr lang="zh-CN" altLang="en-US" sz="2800" dirty="0">
-                <a:solidFill>
-                  <a:schemeClr val="tx1"/>
-                </a:solidFill>
-                <a:effectLst>
-                  <a:outerShdw blurRad="38100" dist="19050" dir="2700000" algn="tl" rotWithShape="0">
-                    <a:schemeClr val="dk1">
-                      <a:alpha val="40000"/>
-                    </a:schemeClr>
-                  </a:outerShdw>
-                </a:effectLst>
-                <a:latin typeface="微软雅黑" panose="020B0503020204020204" charset="-122"/>
-                <a:ea typeface="微软雅黑" panose="020B0503020204020204" charset="-122"/>
-              </a:rPr>
-              <a:t>本章大纲</a:t>
-            </a:r>
-            <a:endParaRPr lang="zh-CN" altLang="en-US" sz="2800" dirty="0">
-              <a:solidFill>
-                <a:schemeClr val="tx1"/>
-              </a:solidFill>
-              <a:effectLst>
-                <a:outerShdw blurRad="38100" dist="19050" dir="2700000" algn="tl" rotWithShape="0">
-                  <a:schemeClr val="dk1">
-                    <a:alpha val="40000"/>
-                  </a:schemeClr>
-                </a:outerShdw>
-              </a:effectLst>
-              <a:latin typeface="微软雅黑" panose="020B0503020204020204" charset="-122"/>
-              <a:ea typeface="微软雅黑" panose="020B0503020204020204" charset="-122"/>
-            </a:endParaRPr>
-          </a:p>
-        </p:txBody>
-      </p:sp>
-      <p:sp>
-        <p:nvSpPr>
-          <p:cNvPr id="9" name="Rectangle 83"/>
-          <p:cNvSpPr>
-            <a:spLocks noChangeArrowheads="true"/>
-          </p:cNvSpPr>
-          <p:nvPr/>
-        </p:nvSpPr>
-        <p:spPr bwMode="auto">
-          <a:xfrm>
-            <a:off x="4131945" y="3836035"/>
-            <a:ext cx="5510530" cy="2306955"/>
-          </a:xfrm>
-          <a:prstGeom prst="rect">
-            <a:avLst/>
-          </a:prstGeom>
-          <a:noFill/>
-          <a:ln w="9525" algn="ctr">
-            <a:noFill/>
-            <a:miter lim="800000"/>
-          </a:ln>
-          <a:effectLst/>
-        </p:spPr>
-        <p:txBody>
-          <a:bodyPr wrap="square" anchor="ctr">
-            <a:spAutoFit/>
-          </a:bodyPr>
-          <a:p>
-            <a:pPr marL="0" marR="0" lvl="0" indent="0" algn="l" defTabSz="914400" rtl="0" fontAlgn="base">
-              <a:lnSpc>
-                <a:spcPct val="150000"/>
-              </a:lnSpc>
-              <a:spcBef>
-                <a:spcPct val="0"/>
-              </a:spcBef>
-              <a:spcAft>
-                <a:spcPct val="0"/>
-              </a:spcAft>
-              <a:buClrTx/>
-              <a:buSzTx/>
-              <a:buFontTx/>
-              <a:buNone/>
-              <a:defRPr/>
-            </a:pPr>
-            <a:r>
-              <a:rPr kumimoji="0" lang="zh-CN" altLang="en-US" sz="2400" i="0" u="none" strike="noStrike" kern="1200" cap="none" spc="0" normalizeH="0" baseline="0" noProof="0" dirty="0">
-                <a:ln w="12700" cmpd="sng">
-                  <a:solidFill>
-                    <a:schemeClr val="accent4"/>
-                  </a:solidFill>
-                  <a:prstDash val="solid"/>
-                </a:ln>
-                <a:gradFill>
-                  <a:gsLst>
-                    <a:gs pos="0">
-                      <a:schemeClr val="accent4"/>
-                    </a:gs>
-                    <a:gs pos="4000">
-                      <a:schemeClr val="accent4">
-                        <a:lumMod val="60000"/>
-                        <a:lumOff val="40000"/>
-                      </a:schemeClr>
-                    </a:gs>
-                    <a:gs pos="87000">
-                      <a:schemeClr val="accent4">
-                        <a:lumMod val="20000"/>
-                        <a:lumOff val="80000"/>
-                      </a:schemeClr>
-                    </a:gs>
-                  </a:gsLst>
-                  <a:lin ang="5400000"/>
-                </a:gradFill>
-                <a:effectLst/>
-                <a:uLnTx/>
-                <a:uFillTx/>
-                <a:latin typeface="微软雅黑" panose="020B0503020204020204" charset="-122"/>
-                <a:ea typeface="微软雅黑" panose="020B0503020204020204" charset="-122"/>
-                <a:cs typeface="微软雅黑" panose="020B0503020204020204" charset="-122"/>
-              </a:rPr>
-              <a:t>第一节  银行信用及信用管理概论</a:t>
-            </a:r>
-            <a:endParaRPr kumimoji="0" lang="zh-CN" altLang="en-US" sz="2400" i="0" u="none" strike="noStrike" kern="1200" cap="none" spc="0" normalizeH="0" baseline="0" noProof="0" dirty="0">
-              <a:ln>
-                <a:noFill/>
-              </a:ln>
-              <a:solidFill>
-                <a:schemeClr val="tx1"/>
-              </a:solidFill>
-              <a:effectLst/>
-              <a:uLnTx/>
-              <a:uFillTx/>
-              <a:latin typeface="微软雅黑" panose="020B0503020204020204" charset="-122"/>
-              <a:ea typeface="微软雅黑" panose="020B0503020204020204" charset="-122"/>
-              <a:cs typeface="微软雅黑" panose="020B0503020204020204" charset="-122"/>
-            </a:endParaRPr>
-          </a:p>
-          <a:p>
-            <a:pPr marL="0" marR="0" lvl="0" indent="0" algn="l" defTabSz="914400" rtl="0" fontAlgn="base">
-              <a:lnSpc>
-                <a:spcPct val="150000"/>
-              </a:lnSpc>
-              <a:spcBef>
-                <a:spcPct val="0"/>
-              </a:spcBef>
-              <a:spcAft>
-                <a:spcPct val="0"/>
-              </a:spcAft>
-              <a:buClrTx/>
-              <a:buSzTx/>
-              <a:buFontTx/>
-              <a:buNone/>
-              <a:defRPr/>
-            </a:pPr>
-            <a:r>
-              <a:rPr kumimoji="0" lang="zh-CN" altLang="en-US" sz="2400" i="0" u="none" strike="noStrike" kern="1200" cap="none" spc="0" normalizeH="0" baseline="0" noProof="0" dirty="0">
-                <a:ln>
-                  <a:noFill/>
-                </a:ln>
-                <a:effectLst/>
-                <a:uLnTx/>
-                <a:uFillTx/>
-                <a:latin typeface="微软雅黑" panose="020B0503020204020204" charset="-122"/>
-                <a:ea typeface="微软雅黑" panose="020B0503020204020204" charset="-122"/>
-                <a:cs typeface="微软雅黑" panose="020B0503020204020204" charset="-122"/>
-              </a:rPr>
-              <a:t>第二节  银行信用产品</a:t>
-            </a:r>
-            <a:r>
-              <a:rPr kumimoji="0" lang="zh-CN" altLang="en-US" sz="2400" b="1" i="0" u="none" strike="noStrike" kern="1200" cap="none" spc="0" normalizeH="0" baseline="0" noProof="0" dirty="0">
-                <a:ln w="12700" cmpd="sng">
-                  <a:solidFill>
-                    <a:schemeClr val="accent4"/>
-                  </a:solidFill>
-                  <a:prstDash val="solid"/>
-                </a:ln>
-                <a:gradFill>
-                  <a:gsLst>
-                    <a:gs pos="0">
-                      <a:schemeClr val="accent4"/>
-                    </a:gs>
-                    <a:gs pos="4000">
-                      <a:schemeClr val="accent4">
-                        <a:lumMod val="60000"/>
-                        <a:lumOff val="40000"/>
-                      </a:schemeClr>
-                    </a:gs>
-                    <a:gs pos="87000">
-                      <a:schemeClr val="accent4">
-                        <a:lumMod val="20000"/>
-                        <a:lumOff val="80000"/>
-                      </a:schemeClr>
-                    </a:gs>
-                  </a:gsLst>
-                  <a:lin ang="5400000"/>
-                </a:gradFill>
-                <a:effectLst/>
-                <a:uLnTx/>
-                <a:uFillTx/>
-                <a:latin typeface="微软雅黑" panose="020B0503020204020204" charset="-122"/>
-                <a:ea typeface="微软雅黑" panose="020B0503020204020204" charset="-122"/>
-                <a:cs typeface="微软雅黑" panose="020B0503020204020204" charset="-122"/>
-              </a:rPr>
-              <a:t> </a:t>
-            </a:r>
-            <a:endParaRPr kumimoji="0" lang="zh-CN" altLang="en-US" sz="2400" i="0" u="none" strike="noStrike" kern="1200" cap="none" spc="0" normalizeH="0" baseline="0" noProof="0" dirty="0">
-              <a:ln>
-                <a:noFill/>
-              </a:ln>
-              <a:solidFill>
-                <a:schemeClr val="tx1"/>
-              </a:solidFill>
-              <a:effectLst/>
-              <a:uLnTx/>
-              <a:uFillTx/>
-              <a:latin typeface="微软雅黑" panose="020B0503020204020204" charset="-122"/>
-              <a:ea typeface="微软雅黑" panose="020B0503020204020204" charset="-122"/>
-              <a:cs typeface="微软雅黑" panose="020B0503020204020204" charset="-122"/>
-            </a:endParaRPr>
-          </a:p>
-          <a:p>
-            <a:pPr marL="0" marR="0" lvl="0" indent="0" algn="l" defTabSz="914400" rtl="0" fontAlgn="base">
-              <a:lnSpc>
-                <a:spcPct val="150000"/>
-              </a:lnSpc>
-              <a:spcBef>
-                <a:spcPct val="0"/>
-              </a:spcBef>
-              <a:spcAft>
-                <a:spcPct val="0"/>
-              </a:spcAft>
-              <a:buClrTx/>
-              <a:buSzTx/>
-              <a:buFontTx/>
-              <a:buNone/>
-              <a:defRPr/>
-            </a:pPr>
-            <a:r>
-              <a:rPr kumimoji="0" lang="zh-CN" altLang="en-US" sz="2400" i="0" u="none" strike="noStrike" kern="1200" cap="none" spc="0" normalizeH="0" baseline="0" noProof="0" dirty="0">
-                <a:ln>
-                  <a:noFill/>
-                </a:ln>
-                <a:effectLst/>
-                <a:uLnTx/>
-                <a:uFillTx/>
-                <a:latin typeface="微软雅黑" panose="020B0503020204020204" charset="-122"/>
-                <a:ea typeface="微软雅黑" panose="020B0503020204020204" charset="-122"/>
-                <a:cs typeface="微软雅黑" panose="020B0503020204020204" charset="-122"/>
-              </a:rPr>
-              <a:t>第三节  银行信用风险管理</a:t>
-            </a:r>
-            <a:r>
-              <a:rPr kumimoji="0" lang="zh-CN" altLang="en-US" sz="2400" i="0" u="none" strike="noStrike" kern="1200" cap="none" spc="0" normalizeH="0" baseline="0" noProof="0" dirty="0">
-                <a:ln>
-                  <a:noFill/>
-                </a:ln>
-                <a:solidFill>
-                  <a:schemeClr val="tx1"/>
-                </a:solidFill>
-                <a:effectLst/>
-                <a:uLnTx/>
-                <a:uFillTx/>
-                <a:latin typeface="微软雅黑" panose="020B0503020204020204" charset="-122"/>
-                <a:ea typeface="微软雅黑" panose="020B0503020204020204" charset="-122"/>
-                <a:cs typeface="微软雅黑" panose="020B0503020204020204" charset="-122"/>
-              </a:rPr>
-              <a:t> </a:t>
-            </a:r>
-            <a:endParaRPr kumimoji="0" lang="zh-CN" altLang="en-US" sz="2400" i="0" u="none" strike="noStrike" kern="1200" cap="none" spc="0" normalizeH="0" baseline="0" noProof="0" dirty="0">
-              <a:ln>
-                <a:noFill/>
-              </a:ln>
-              <a:solidFill>
-                <a:schemeClr val="tx1"/>
-              </a:solidFill>
-              <a:effectLst/>
-              <a:uLnTx/>
-              <a:uFillTx/>
-              <a:latin typeface="微软雅黑" panose="020B0503020204020204" charset="-122"/>
-              <a:ea typeface="微软雅黑" panose="020B0503020204020204" charset="-122"/>
-              <a:cs typeface="微软雅黑" panose="020B0503020204020204" charset="-122"/>
-            </a:endParaRPr>
-          </a:p>
-          <a:p>
-            <a:pPr marL="0" marR="0" lvl="0" indent="0" algn="l" defTabSz="914400" rtl="0" fontAlgn="base">
-              <a:lnSpc>
-                <a:spcPct val="150000"/>
-              </a:lnSpc>
-              <a:spcBef>
-                <a:spcPct val="0"/>
-              </a:spcBef>
-              <a:spcAft>
-                <a:spcPct val="0"/>
-              </a:spcAft>
-              <a:buClrTx/>
-              <a:buSzTx/>
-              <a:buFontTx/>
-              <a:buNone/>
-              <a:defRPr/>
-            </a:pPr>
-            <a:r>
-              <a:rPr kumimoji="0" lang="zh-CN" altLang="en-US" sz="2400" i="0" u="none" strike="noStrike" kern="1200" cap="none" spc="0" normalizeH="0" baseline="0" noProof="0" dirty="0">
-                <a:ln>
-                  <a:noFill/>
-                </a:ln>
-                <a:solidFill>
-                  <a:schemeClr val="tx1"/>
-                </a:solidFill>
-                <a:effectLst/>
-                <a:uLnTx/>
-                <a:uFillTx/>
-                <a:latin typeface="微软雅黑" panose="020B0503020204020204" charset="-122"/>
-                <a:ea typeface="微软雅黑" panose="020B0503020204020204" charset="-122"/>
-                <a:cs typeface="微软雅黑" panose="020B0503020204020204" charset="-122"/>
-              </a:rPr>
-              <a:t>第四节</a:t>
-            </a:r>
-            <a:r>
-              <a:rPr kumimoji="0" lang="en-US" altLang="zh-CN" sz="2400" i="0" u="none" strike="noStrike" kern="1200" cap="none" spc="0" normalizeH="0" baseline="0" noProof="0" dirty="0">
-                <a:ln>
-                  <a:noFill/>
-                </a:ln>
-                <a:solidFill>
-                  <a:schemeClr val="tx1"/>
-                </a:solidFill>
-                <a:effectLst/>
-                <a:uLnTx/>
-                <a:uFillTx/>
-                <a:latin typeface="微软雅黑" panose="020B0503020204020204" charset="-122"/>
-                <a:ea typeface="微软雅黑" panose="020B0503020204020204" charset="-122"/>
-                <a:cs typeface="微软雅黑" panose="020B0503020204020204" charset="-122"/>
-              </a:rPr>
-              <a:t>  </a:t>
-            </a:r>
-            <a:r>
-              <a:rPr kumimoji="0" lang="zh-CN" altLang="en-US" sz="2400" i="0" u="none" strike="noStrike" kern="1200" cap="none" spc="0" normalizeH="0" baseline="0" noProof="0" dirty="0">
-                <a:ln>
-                  <a:noFill/>
-                </a:ln>
-                <a:solidFill>
-                  <a:schemeClr val="tx1"/>
-                </a:solidFill>
-                <a:effectLst/>
-                <a:uLnTx/>
-                <a:uFillTx/>
-                <a:latin typeface="微软雅黑" panose="020B0503020204020204" charset="-122"/>
-                <a:ea typeface="微软雅黑" panose="020B0503020204020204" charset="-122"/>
-                <a:cs typeface="微软雅黑" panose="020B0503020204020204" charset="-122"/>
-              </a:rPr>
-              <a:t>授信管理</a:t>
-            </a:r>
-            <a:endParaRPr kumimoji="0" lang="zh-CN" altLang="en-US" sz="2400" i="0" u="none" strike="noStrike" kern="1200" cap="none" spc="0" normalizeH="0" baseline="0" noProof="0" dirty="0">
-              <a:ln>
-                <a:noFill/>
-              </a:ln>
-              <a:solidFill>
-                <a:schemeClr val="tx1"/>
-              </a:solidFill>
-              <a:effectLst/>
-              <a:uLnTx/>
-              <a:uFillTx/>
-              <a:latin typeface="微软雅黑" panose="020B0503020204020204" charset="-122"/>
-              <a:ea typeface="微软雅黑" panose="020B0503020204020204" charset="-122"/>
-              <a:cs typeface="微软雅黑" panose="020B0503020204020204" charset="-122"/>
-            </a:endParaRPr>
-          </a:p>
-        </p:txBody>
-      </p:sp>
-      <p:sp>
-        <p:nvSpPr>
-          <p:cNvPr id="10" name="Rectangle 84"/>
-          <p:cNvSpPr>
-            <a:spLocks noChangeArrowheads="true"/>
-          </p:cNvSpPr>
-          <p:nvPr/>
-        </p:nvSpPr>
-        <p:spPr bwMode="auto">
-          <a:xfrm>
-            <a:off x="2288540" y="1738154"/>
-            <a:ext cx="601663" cy="1468755"/>
-          </a:xfrm>
-          <a:prstGeom prst="rect">
-            <a:avLst/>
-          </a:prstGeom>
-          <a:noFill/>
-          <a:ln w="9525" algn="ctr">
-            <a:noFill/>
-            <a:miter lim="800000"/>
-          </a:ln>
-          <a:effectLst/>
-        </p:spPr>
-        <p:txBody>
-          <a:bodyPr anchor="ctr">
-            <a:spAutoFit/>
-          </a:bodyPr>
-          <a:p>
-            <a:pPr marL="0" marR="0" lvl="0" indent="0" algn="l" defTabSz="914400" rtl="0" eaLnBrk="1" fontAlgn="base" latinLnBrk="0" hangingPunct="1">
-              <a:lnSpc>
-                <a:spcPct val="80000"/>
-              </a:lnSpc>
-              <a:spcBef>
-                <a:spcPct val="20000"/>
-              </a:spcBef>
-              <a:spcAft>
-                <a:spcPct val="0"/>
-              </a:spcAft>
-              <a:buClr>
-                <a:schemeClr val="hlink"/>
-              </a:buClr>
-              <a:buSzTx/>
-              <a:buFont typeface="Wingdings" panose="05000000000000000000" pitchFamily="2" charset="2"/>
-              <a:buNone/>
-              <a:tabLst>
-                <a:tab pos="266700" algn="l"/>
-              </a:tabLst>
-              <a:defRPr/>
-            </a:pPr>
-            <a:r>
-              <a:rPr kumimoji="0" lang="zh-CN" altLang="en-US" sz="2800" i="0" u="none" strike="noStrike" kern="1200" cap="none" spc="0" normalizeH="0" baseline="0" noProof="0" dirty="0">
-                <a:solidFill>
-                  <a:schemeClr val="tx1"/>
-                </a:solidFill>
-                <a:effectLst>
-                  <a:outerShdw blurRad="38100" dist="19050" dir="2700000" algn="tl" rotWithShape="0">
-                    <a:schemeClr val="dk1">
-                      <a:alpha val="40000"/>
-                    </a:schemeClr>
-                  </a:outerShdw>
-                </a:effectLst>
-                <a:uLnTx/>
-                <a:uFillTx/>
-                <a:latin typeface="微软雅黑" panose="020B0503020204020204" charset="-122"/>
-                <a:ea typeface="微软雅黑" panose="020B0503020204020204" charset="-122"/>
-                <a:cs typeface="+mn-cs"/>
-              </a:rPr>
-              <a:t>学习目标</a:t>
-            </a:r>
-            <a:endParaRPr kumimoji="0" lang="zh-CN" altLang="en-US" sz="2800" i="0" u="none" strike="noStrike" kern="1200" cap="none" spc="0" normalizeH="0" baseline="0" noProof="0" dirty="0">
-              <a:solidFill>
-                <a:schemeClr val="tx1"/>
-              </a:solidFill>
-              <a:effectLst>
-                <a:outerShdw blurRad="38100" dist="19050" dir="2700000" algn="tl" rotWithShape="0">
-                  <a:schemeClr val="dk1">
-                    <a:alpha val="40000"/>
-                  </a:schemeClr>
-                </a:outerShdw>
-              </a:effectLst>
-              <a:uLnTx/>
-              <a:uFillTx/>
-              <a:latin typeface="微软雅黑" panose="020B0503020204020204" charset="-122"/>
-              <a:ea typeface="微软雅黑" panose="020B0503020204020204" charset="-122"/>
-              <a:cs typeface="+mn-cs"/>
-            </a:endParaRPr>
-          </a:p>
-        </p:txBody>
-      </p:sp>
-      <p:sp>
-        <p:nvSpPr>
-          <p:cNvPr id="11" name="AutoShape 4"/>
-          <p:cNvSpPr>
-            <a:spLocks noChangeArrowheads="true"/>
-          </p:cNvSpPr>
-          <p:nvPr/>
-        </p:nvSpPr>
-        <p:spPr bwMode="blackWhite">
-          <a:xfrm>
-            <a:off x="3429000" y="1564005"/>
-            <a:ext cx="7762240" cy="495300"/>
-          </a:xfrm>
-          <a:prstGeom prst="roundRect">
-            <a:avLst>
-              <a:gd name="adj" fmla="val 9106"/>
-            </a:avLst>
-          </a:prstGeom>
-          <a:gradFill rotWithShape="true">
-            <a:gsLst>
-              <a:gs pos="0">
-                <a:schemeClr val="accent2"/>
-              </a:gs>
-              <a:gs pos="100000">
-                <a:schemeClr val="accent2">
-                  <a:gamma/>
-                  <a:tint val="69804"/>
-                  <a:invGamma/>
-                </a:schemeClr>
-              </a:gs>
-            </a:gsLst>
-            <a:lin ang="5400000" scaled="true"/>
-          </a:gradFill>
-          <a:ln w="25400">
-            <a:solidFill>
-              <a:schemeClr val="bg1"/>
-            </a:solidFill>
-            <a:round/>
-          </a:ln>
-          <a:effectLst/>
-        </p:spPr>
-        <p:txBody>
-          <a:bodyPr wrap="none" anchor="ctr"/>
-          <a:p>
-            <a:pPr marL="0" marR="0" lvl="0" indent="0" algn="ctr" defTabSz="914400" rtl="0" eaLnBrk="0" fontAlgn="base" latinLnBrk="0" hangingPunct="0">
-              <a:lnSpc>
-                <a:spcPct val="80000"/>
-              </a:lnSpc>
-              <a:spcBef>
-                <a:spcPct val="20000"/>
-              </a:spcBef>
-              <a:spcAft>
-                <a:spcPct val="0"/>
-              </a:spcAft>
-              <a:buClr>
-                <a:schemeClr val="hlink"/>
-              </a:buClr>
-              <a:buSzTx/>
-              <a:buFont typeface="Wingdings" panose="05000000000000000000" pitchFamily="2" charset="2"/>
-              <a:buNone/>
-              <a:defRPr/>
-            </a:pPr>
-            <a:r>
-              <a:rPr kumimoji="0" lang="zh-CN" altLang="en-US" sz="2400" i="0" u="none" strike="noStrike" kern="1200" cap="none" spc="0" normalizeH="0" baseline="0" noProof="0" dirty="0">
-                <a:ln>
-                  <a:noFill/>
-                </a:ln>
-                <a:solidFill>
-                  <a:schemeClr val="tx1"/>
-                </a:solidFill>
-                <a:effectLst/>
-                <a:uLnTx/>
-                <a:uFillTx/>
-                <a:latin typeface="微软雅黑" panose="020B0503020204020204" charset="-122"/>
-                <a:ea typeface="微软雅黑" panose="020B0503020204020204" charset="-122"/>
-                <a:cs typeface="+mn-cs"/>
-              </a:rPr>
-              <a:t>了解银行信用风险的概念、分类和评估方法</a:t>
-            </a:r>
-            <a:endParaRPr kumimoji="0" lang="zh-CN" altLang="en-US" sz="2400" i="0" u="none" strike="noStrike" kern="1200" cap="none" spc="0" normalizeH="0" baseline="0" noProof="0" dirty="0">
-              <a:ln>
-                <a:noFill/>
-              </a:ln>
-              <a:solidFill>
-                <a:schemeClr val="tx1"/>
-              </a:solidFill>
-              <a:effectLst/>
-              <a:uLnTx/>
-              <a:uFillTx/>
-              <a:latin typeface="微软雅黑" panose="020B0503020204020204" charset="-122"/>
-              <a:ea typeface="微软雅黑" panose="020B0503020204020204" charset="-122"/>
-              <a:cs typeface="+mn-cs"/>
-            </a:endParaRPr>
-          </a:p>
-        </p:txBody>
-      </p:sp>
-      <p:sp>
-        <p:nvSpPr>
-          <p:cNvPr id="17" name="AutoShape 5"/>
-          <p:cNvSpPr>
-            <a:spLocks noChangeArrowheads="true"/>
-          </p:cNvSpPr>
-          <p:nvPr/>
-        </p:nvSpPr>
-        <p:spPr bwMode="blackWhite">
-          <a:xfrm>
-            <a:off x="3429000" y="2152650"/>
-            <a:ext cx="7762240" cy="655955"/>
-          </a:xfrm>
-          <a:prstGeom prst="roundRect">
-            <a:avLst>
-              <a:gd name="adj" fmla="val 9106"/>
-            </a:avLst>
-          </a:prstGeom>
-          <a:gradFill rotWithShape="true">
-            <a:gsLst>
-              <a:gs pos="0">
-                <a:srgbClr val="699D5F"/>
-              </a:gs>
-              <a:gs pos="100000">
-                <a:srgbClr val="96BB8F"/>
-              </a:gs>
-            </a:gsLst>
-            <a:lin ang="5400000" scaled="true"/>
-          </a:gradFill>
-          <a:ln w="25400">
-            <a:solidFill>
-              <a:schemeClr val="bg1"/>
-            </a:solidFill>
-            <a:round/>
-          </a:ln>
-          <a:effectLst/>
-        </p:spPr>
-        <p:txBody>
-          <a:bodyPr wrap="none" anchor="ctr"/>
-          <a:p>
-            <a:pPr marL="0" marR="0" lvl="0" indent="0" algn="ctr" defTabSz="914400" rtl="0" eaLnBrk="0" fontAlgn="base" latinLnBrk="0" hangingPunct="0">
-              <a:lnSpc>
-                <a:spcPct val="80000"/>
-              </a:lnSpc>
-              <a:spcBef>
-                <a:spcPct val="20000"/>
-              </a:spcBef>
-              <a:spcAft>
-                <a:spcPct val="0"/>
-              </a:spcAft>
-              <a:buClr>
-                <a:schemeClr val="hlink"/>
-              </a:buClr>
-              <a:buSzTx/>
-              <a:buFont typeface="Wingdings" panose="05000000000000000000" pitchFamily="2" charset="2"/>
-              <a:buNone/>
-              <a:defRPr/>
-            </a:pPr>
-            <a:r>
-              <a:rPr kumimoji="0" lang="zh-CN" altLang="en-US" sz="2400" i="0" u="none" strike="noStrike" kern="1200" cap="none" spc="0" normalizeH="0" baseline="0" noProof="0" dirty="0">
-                <a:ln>
-                  <a:noFill/>
-                </a:ln>
-                <a:solidFill>
-                  <a:schemeClr val="tx1"/>
-                </a:solidFill>
-                <a:effectLst/>
-                <a:uLnTx/>
-                <a:uFillTx/>
-                <a:latin typeface="微软雅黑" panose="020B0503020204020204" charset="-122"/>
-                <a:ea typeface="微软雅黑" panose="020B0503020204020204" charset="-122"/>
-                <a:cs typeface="+mn-cs"/>
-              </a:rPr>
-              <a:t>了解银行信用管理制度和授信管理操作流程</a:t>
-            </a:r>
-            <a:endParaRPr kumimoji="0" lang="zh-CN" altLang="en-US" sz="2400" i="0" u="none" strike="noStrike" kern="1200" cap="none" spc="0" normalizeH="0" baseline="0" noProof="0" dirty="0">
-              <a:ln>
-                <a:noFill/>
-              </a:ln>
-              <a:solidFill>
-                <a:schemeClr val="tx1"/>
-              </a:solidFill>
-              <a:effectLst/>
-              <a:uLnTx/>
-              <a:uFillTx/>
-              <a:latin typeface="微软雅黑" panose="020B0503020204020204" charset="-122"/>
-              <a:ea typeface="微软雅黑" panose="020B0503020204020204" charset="-122"/>
-              <a:cs typeface="+mn-cs"/>
-            </a:endParaRPr>
-          </a:p>
-        </p:txBody>
-      </p:sp>
-      <p:sp>
-        <p:nvSpPr>
-          <p:cNvPr id="18" name="AutoShape 6"/>
-          <p:cNvSpPr>
-            <a:spLocks noChangeArrowheads="true"/>
-          </p:cNvSpPr>
-          <p:nvPr/>
-        </p:nvSpPr>
-        <p:spPr bwMode="blackWhite">
-          <a:xfrm>
-            <a:off x="3429000" y="2901950"/>
-            <a:ext cx="7762240" cy="611505"/>
-          </a:xfrm>
-          <a:prstGeom prst="roundRect">
-            <a:avLst>
-              <a:gd name="adj" fmla="val 9106"/>
-            </a:avLst>
-          </a:prstGeom>
-          <a:gradFill rotWithShape="true">
-            <a:gsLst>
-              <a:gs pos="0">
-                <a:schemeClr val="hlink"/>
-              </a:gs>
-              <a:gs pos="100000">
-                <a:schemeClr val="hlink">
-                  <a:gamma/>
-                  <a:tint val="69804"/>
-                  <a:invGamma/>
-                </a:schemeClr>
-              </a:gs>
-            </a:gsLst>
-            <a:lin ang="5400000" scaled="true"/>
-          </a:gradFill>
-          <a:ln w="25400">
-            <a:solidFill>
-              <a:schemeClr val="bg1"/>
-            </a:solidFill>
-            <a:round/>
-          </a:ln>
-          <a:effectLst/>
-        </p:spPr>
-        <p:txBody>
-          <a:bodyPr wrap="none" anchor="ctr"/>
-          <a:p>
-            <a:pPr marL="0" marR="0" lvl="0" indent="0" algn="ctr" defTabSz="914400" rtl="0" eaLnBrk="0" fontAlgn="base" latinLnBrk="0" hangingPunct="0">
-              <a:lnSpc>
-                <a:spcPct val="80000"/>
-              </a:lnSpc>
-              <a:spcBef>
-                <a:spcPct val="20000"/>
-              </a:spcBef>
-              <a:spcAft>
-                <a:spcPct val="0"/>
-              </a:spcAft>
-              <a:buClr>
-                <a:schemeClr val="hlink"/>
-              </a:buClr>
-              <a:buSzTx/>
-              <a:buFont typeface="Wingdings" panose="05000000000000000000" pitchFamily="2" charset="2"/>
-              <a:buNone/>
-              <a:defRPr/>
-            </a:pPr>
-            <a:r>
-              <a:rPr kumimoji="0" lang="zh-CN" altLang="en-US" sz="2400" i="0" u="none" strike="noStrike" kern="1200" cap="none" spc="0" normalizeH="0" baseline="0" noProof="0" dirty="0">
-                <a:ln>
-                  <a:noFill/>
-                </a:ln>
-                <a:solidFill>
-                  <a:schemeClr val="tx1"/>
-                </a:solidFill>
-                <a:effectLst/>
-                <a:uLnTx/>
-                <a:uFillTx/>
-                <a:latin typeface="微软雅黑" panose="020B0503020204020204" charset="-122"/>
-                <a:ea typeface="微软雅黑" panose="020B0503020204020204" charset="-122"/>
-                <a:cs typeface="微软雅黑" panose="020B0503020204020204" charset="-122"/>
-              </a:rPr>
-              <a:t>掌握</a:t>
-            </a:r>
-            <a:r>
-              <a:rPr kumimoji="0" lang="zh-CN" altLang="en-US" sz="2400" b="1" i="0" u="none" strike="noStrike" kern="1200" cap="none" spc="0" normalizeH="0" baseline="0" noProof="0" dirty="0">
-                <a:ln>
-                  <a:noFill/>
-                </a:ln>
-                <a:solidFill>
-                  <a:schemeClr val="tx1"/>
-                </a:solidFill>
-                <a:effectLst/>
-                <a:uLnTx/>
-                <a:uFillTx/>
-                <a:latin typeface="微软雅黑" panose="020B0503020204020204" charset="-122"/>
-                <a:ea typeface="微软雅黑" panose="020B0503020204020204" charset="-122"/>
-                <a:cs typeface="微软雅黑" panose="020B0503020204020204" charset="-122"/>
-              </a:rPr>
-              <a:t>银行信用产品的业务流程</a:t>
-            </a:r>
-            <a:endParaRPr kumimoji="0" lang="zh-CN" altLang="en-US" sz="2400" b="1" i="0" u="none" strike="noStrike" kern="1200" cap="none" spc="0" normalizeH="0" baseline="0" noProof="0" dirty="0">
-              <a:ln>
-                <a:noFill/>
-              </a:ln>
-              <a:solidFill>
-                <a:schemeClr val="tx1"/>
-              </a:solidFill>
-              <a:effectLst/>
-              <a:uLnTx/>
-              <a:uFillTx/>
-              <a:latin typeface="微软雅黑" panose="020B0503020204020204" charset="-122"/>
-              <a:ea typeface="微软雅黑" panose="020B0503020204020204" charset="-122"/>
-              <a:cs typeface="微软雅黑" panose="020B0503020204020204" charset="-122"/>
-            </a:endParaRPr>
-          </a:p>
-        </p:txBody>
-      </p:sp>
-    </p:spTree>
-  </p:cSld>
-  <p:clrMapOvr>
-    <a:masterClrMapping/>
-  </p:clrMapOvr>
-  <mc:AlternateContent xmlns:mc="http://schemas.openxmlformats.org/markup-compatibility/2006">
-    <mc:Choice xmlns:p14="http://schemas.microsoft.com/office/powerpoint/2010/main" Requires="p14">
-      <p:transition p14:dur="0" advClick="false" advTm="0"/>
-    </mc:Choice>
-    <mc:Fallback>
-      <p:transition advClick="false" advTm="0"/>
-    </mc:Fallback>
-  </mc:AlternateContent>
-</p:sld>
-</file>
-
-<file path=ppt/slides/slide20.xml><?xml version="1.0" encoding="utf-8"?>
 <p:sld xmlns:a="http://schemas.openxmlformats.org/drawingml/2006/main" xmlns:r="http://schemas.openxmlformats.org/officeDocument/2006/relationships" xmlns:p="http://schemas.openxmlformats.org/presentationml/2006/main">
   <p:cSld>
     <p:spTree>
@@ -23807,7 +19988,7 @@
 </p:sld>
 </file>
 
-<file path=ppt/slides/slide21.xml><?xml version="1.0" encoding="utf-8"?>
+<file path=ppt/slides/slide19.xml><?xml version="1.0" encoding="utf-8"?>
 <p:sld xmlns:a="http://schemas.openxmlformats.org/drawingml/2006/main" xmlns:r="http://schemas.openxmlformats.org/officeDocument/2006/relationships" xmlns:p="http://schemas.openxmlformats.org/presentationml/2006/main">
   <p:cSld>
     <p:spTree>
@@ -25555,7 +21736,7 @@
             <a:r>
               <a:rPr lang="zh-CN" altLang="zh-CN" sz="1800" dirty="0">
                 <a:solidFill>
-                  <a:srgbClr val="FF0000"/>
+                  <a:srgbClr val="00B0F0"/>
                 </a:solidFill>
                 <a:latin typeface="微软雅黑" panose="020B0503020204020204" charset="-122"/>
                 <a:ea typeface="微软雅黑" panose="020B0503020204020204" charset="-122"/>
@@ -25595,7 +21776,7 @@
             <a:r>
               <a:rPr lang="zh-CN" altLang="zh-CN" sz="1800" dirty="0">
                 <a:solidFill>
-                  <a:srgbClr val="FF0000"/>
+                  <a:srgbClr val="00B0F0"/>
                 </a:solidFill>
                 <a:latin typeface="微软雅黑" panose="020B0503020204020204" charset="-122"/>
                 <a:ea typeface="微软雅黑" panose="020B0503020204020204" charset="-122"/>
@@ -25615,7 +21796,7 @@
             <a:r>
               <a:rPr lang="zh-CN" altLang="zh-CN" sz="1800" dirty="0">
                 <a:solidFill>
-                  <a:srgbClr val="FF0000"/>
+                  <a:srgbClr val="00B0F0"/>
                 </a:solidFill>
                 <a:latin typeface="微软雅黑" panose="020B0503020204020204" charset="-122"/>
                 <a:ea typeface="微软雅黑" panose="020B0503020204020204" charset="-122"/>
@@ -25635,7 +21816,7 @@
             <a:r>
               <a:rPr lang="zh-CN" altLang="zh-CN" sz="1800" dirty="0">
                 <a:solidFill>
-                  <a:srgbClr val="FF0000"/>
+                  <a:srgbClr val="00B0F0"/>
                 </a:solidFill>
                 <a:latin typeface="微软雅黑" panose="020B0503020204020204" charset="-122"/>
                 <a:ea typeface="微软雅黑" panose="020B0503020204020204" charset="-122"/>
@@ -25711,7 +21892,7 @@
             <a:r>
               <a:rPr lang="zh-CN" altLang="zh-CN" sz="1800" dirty="0">
                 <a:solidFill>
-                  <a:srgbClr val="FF0000"/>
+                  <a:srgbClr val="00B0F0"/>
                 </a:solidFill>
                 <a:latin typeface="微软雅黑" panose="020B0503020204020204" charset="-122"/>
                 <a:ea typeface="微软雅黑" panose="020B0503020204020204" charset="-122"/>
@@ -26169,7 +22350,1225 @@
 </p:sld>
 </file>
 
-<file path=ppt/slides/slide22.xml><?xml version="1.0" encoding="utf-8"?>
+<file path=ppt/slides/slide2.xml><?xml version="1.0" encoding="utf-8"?>
+<p:sld xmlns:a="http://schemas.openxmlformats.org/drawingml/2006/main" xmlns:r="http://schemas.openxmlformats.org/officeDocument/2006/relationships" xmlns:p="http://schemas.openxmlformats.org/presentationml/2006/main">
+  <p:cSld>
+    <p:spTree>
+      <p:nvGrpSpPr>
+        <p:cNvPr id="1" name=""/>
+        <p:cNvGrpSpPr/>
+        <p:nvPr/>
+      </p:nvGrpSpPr>
+      <p:grpSpPr>
+        <a:xfrm>
+          <a:off x="0" y="0"/>
+          <a:ext cx="0" cy="0"/>
+          <a:chOff x="0" y="0"/>
+          <a:chExt cx="0" cy="0"/>
+        </a:xfrm>
+      </p:grpSpPr>
+      <p:grpSp>
+        <p:nvGrpSpPr>
+          <p:cNvPr id="31" name="组合 30"/>
+          <p:cNvGrpSpPr/>
+          <p:nvPr/>
+        </p:nvGrpSpPr>
+        <p:grpSpPr>
+          <a:xfrm>
+            <a:off x="-2" y="-6950"/>
+            <a:ext cx="12192002" cy="6864950"/>
+            <a:chOff x="-2" y="2575"/>
+            <a:chExt cx="12192002" cy="6864950"/>
+          </a:xfrm>
+        </p:grpSpPr>
+        <p:pic>
+          <p:nvPicPr>
+            <p:cNvPr id="39" name="图片 38"/>
+            <p:cNvPicPr>
+              <a:picLocks noChangeAspect="true"/>
+            </p:cNvPicPr>
+            <p:nvPr/>
+          </p:nvPicPr>
+          <p:blipFill rotWithShape="true">
+            <a:blip r:embed="rId1" cstate="screen">
+              <a:extLst>
+                <a:ext uri="{BEBA8EAE-BF5A-486C-A8C5-ECC9F3942E4B}">
+                  <a14:imgProps xmlns:a14="http://schemas.microsoft.com/office/drawing/2010/main">
+                    <a14:imgLayer r:embed="rId2">
+                      <a14:imgEffect>
+                        <a14:brightnessContrast bright="9000"/>
+                      </a14:imgEffect>
+                    </a14:imgLayer>
+                  </a14:imgProps>
+                </a:ext>
+              </a:extLst>
+            </a:blip>
+            <a:srcRect/>
+            <a:stretch>
+              <a:fillRect/>
+            </a:stretch>
+          </p:blipFill>
+          <p:spPr>
+            <a:xfrm>
+              <a:off x="-1" y="9525"/>
+              <a:ext cx="12192001" cy="6858000"/>
+            </a:xfrm>
+            <a:prstGeom prst="rect">
+              <a:avLst/>
+            </a:prstGeom>
+          </p:spPr>
+        </p:pic>
+        <p:pic>
+          <p:nvPicPr>
+            <p:cNvPr id="45" name="图片 44"/>
+            <p:cNvPicPr>
+              <a:picLocks noChangeAspect="true"/>
+            </p:cNvPicPr>
+            <p:nvPr/>
+          </p:nvPicPr>
+          <p:blipFill>
+            <a:blip r:embed="rId3">
+              <a:lum bright="70000" contrast="-70000"/>
+            </a:blip>
+            <a:srcRect l="4950"/>
+            <a:stretch>
+              <a:fillRect/>
+            </a:stretch>
+          </p:blipFill>
+          <p:spPr>
+            <a:xfrm>
+              <a:off x="5707965" y="2575"/>
+              <a:ext cx="6484035" cy="77036"/>
+            </a:xfrm>
+            <a:custGeom>
+              <a:avLst/>
+              <a:gdLst>
+                <a:gd name="connsiteX0" fmla="*/ 137250 w 4702465"/>
+                <a:gd name="connsiteY0" fmla="*/ 0 h 222240"/>
+                <a:gd name="connsiteX1" fmla="*/ 4702465 w 4702465"/>
+                <a:gd name="connsiteY1" fmla="*/ 0 h 222240"/>
+                <a:gd name="connsiteX2" fmla="*/ 4702465 w 4702465"/>
+                <a:gd name="connsiteY2" fmla="*/ 222240 h 222240"/>
+                <a:gd name="connsiteX3" fmla="*/ 0 w 4702465"/>
+                <a:gd name="connsiteY3" fmla="*/ 222240 h 222240"/>
+              </a:gdLst>
+              <a:ahLst/>
+              <a:cxnLst>
+                <a:cxn ang="0">
+                  <a:pos x="connsiteX0" y="connsiteY0"/>
+                </a:cxn>
+                <a:cxn ang="0">
+                  <a:pos x="connsiteX1" y="connsiteY1"/>
+                </a:cxn>
+                <a:cxn ang="0">
+                  <a:pos x="connsiteX2" y="connsiteY2"/>
+                </a:cxn>
+                <a:cxn ang="0">
+                  <a:pos x="connsiteX3" y="connsiteY3"/>
+                </a:cxn>
+              </a:cxnLst>
+              <a:rect l="l" t="t" r="r" b="b"/>
+              <a:pathLst>
+                <a:path w="4702465" h="222240">
+                  <a:moveTo>
+                    <a:pt x="137250" y="0"/>
+                  </a:moveTo>
+                  <a:lnTo>
+                    <a:pt x="4702465" y="0"/>
+                  </a:lnTo>
+                  <a:lnTo>
+                    <a:pt x="4702465" y="222240"/>
+                  </a:lnTo>
+                  <a:lnTo>
+                    <a:pt x="0" y="222240"/>
+                  </a:lnTo>
+                  <a:close/>
+                </a:path>
+              </a:pathLst>
+            </a:custGeom>
+            <a:solidFill>
+              <a:schemeClr val="bg1"/>
+            </a:solidFill>
+          </p:spPr>
+        </p:pic>
+        <p:pic>
+          <p:nvPicPr>
+            <p:cNvPr id="46" name="图片 45"/>
+            <p:cNvPicPr>
+              <a:picLocks noChangeAspect="true"/>
+            </p:cNvPicPr>
+            <p:nvPr/>
+          </p:nvPicPr>
+          <p:blipFill>
+            <a:blip r:embed="rId3">
+              <a:lum bright="70000" contrast="-70000"/>
+            </a:blip>
+            <a:srcRect l="4950" r="26116"/>
+            <a:stretch>
+              <a:fillRect/>
+            </a:stretch>
+          </p:blipFill>
+          <p:spPr>
+            <a:xfrm flipH="true" flipV="true">
+              <a:off x="-2" y="2575"/>
+              <a:ext cx="4702465" cy="77036"/>
+            </a:xfrm>
+            <a:custGeom>
+              <a:avLst/>
+              <a:gdLst>
+                <a:gd name="connsiteX0" fmla="*/ 137250 w 4702465"/>
+                <a:gd name="connsiteY0" fmla="*/ 0 h 222240"/>
+                <a:gd name="connsiteX1" fmla="*/ 4702465 w 4702465"/>
+                <a:gd name="connsiteY1" fmla="*/ 0 h 222240"/>
+                <a:gd name="connsiteX2" fmla="*/ 4702465 w 4702465"/>
+                <a:gd name="connsiteY2" fmla="*/ 222240 h 222240"/>
+                <a:gd name="connsiteX3" fmla="*/ 0 w 4702465"/>
+                <a:gd name="connsiteY3" fmla="*/ 222240 h 222240"/>
+              </a:gdLst>
+              <a:ahLst/>
+              <a:cxnLst>
+                <a:cxn ang="0">
+                  <a:pos x="connsiteX0" y="connsiteY0"/>
+                </a:cxn>
+                <a:cxn ang="0">
+                  <a:pos x="connsiteX1" y="connsiteY1"/>
+                </a:cxn>
+                <a:cxn ang="0">
+                  <a:pos x="connsiteX2" y="connsiteY2"/>
+                </a:cxn>
+                <a:cxn ang="0">
+                  <a:pos x="connsiteX3" y="connsiteY3"/>
+                </a:cxn>
+              </a:cxnLst>
+              <a:rect l="l" t="t" r="r" b="b"/>
+              <a:pathLst>
+                <a:path w="4702465" h="222240">
+                  <a:moveTo>
+                    <a:pt x="137250" y="0"/>
+                  </a:moveTo>
+                  <a:lnTo>
+                    <a:pt x="4702465" y="0"/>
+                  </a:lnTo>
+                  <a:lnTo>
+                    <a:pt x="4702465" y="222240"/>
+                  </a:lnTo>
+                  <a:lnTo>
+                    <a:pt x="0" y="222240"/>
+                  </a:lnTo>
+                  <a:close/>
+                </a:path>
+              </a:pathLst>
+            </a:custGeom>
+            <a:solidFill>
+              <a:schemeClr val="bg1"/>
+            </a:solidFill>
+          </p:spPr>
+        </p:pic>
+        <p:pic>
+          <p:nvPicPr>
+            <p:cNvPr id="47" name="图片 46"/>
+            <p:cNvPicPr>
+              <a:picLocks noChangeAspect="true"/>
+            </p:cNvPicPr>
+            <p:nvPr/>
+          </p:nvPicPr>
+          <p:blipFill>
+            <a:blip r:embed="rId3">
+              <a:lum bright="70000" contrast="-70000"/>
+            </a:blip>
+            <a:srcRect l="4950"/>
+            <a:stretch>
+              <a:fillRect/>
+            </a:stretch>
+          </p:blipFill>
+          <p:spPr>
+            <a:xfrm rot="10800000">
+              <a:off x="-2" y="6765558"/>
+              <a:ext cx="6484035" cy="95234"/>
+            </a:xfrm>
+            <a:custGeom>
+              <a:avLst/>
+              <a:gdLst>
+                <a:gd name="connsiteX0" fmla="*/ 137250 w 4702465"/>
+                <a:gd name="connsiteY0" fmla="*/ 0 h 222240"/>
+                <a:gd name="connsiteX1" fmla="*/ 4702465 w 4702465"/>
+                <a:gd name="connsiteY1" fmla="*/ 0 h 222240"/>
+                <a:gd name="connsiteX2" fmla="*/ 4702465 w 4702465"/>
+                <a:gd name="connsiteY2" fmla="*/ 222240 h 222240"/>
+                <a:gd name="connsiteX3" fmla="*/ 0 w 4702465"/>
+                <a:gd name="connsiteY3" fmla="*/ 222240 h 222240"/>
+              </a:gdLst>
+              <a:ahLst/>
+              <a:cxnLst>
+                <a:cxn ang="0">
+                  <a:pos x="connsiteX0" y="connsiteY0"/>
+                </a:cxn>
+                <a:cxn ang="0">
+                  <a:pos x="connsiteX1" y="connsiteY1"/>
+                </a:cxn>
+                <a:cxn ang="0">
+                  <a:pos x="connsiteX2" y="connsiteY2"/>
+                </a:cxn>
+                <a:cxn ang="0">
+                  <a:pos x="connsiteX3" y="connsiteY3"/>
+                </a:cxn>
+              </a:cxnLst>
+              <a:rect l="l" t="t" r="r" b="b"/>
+              <a:pathLst>
+                <a:path w="4702465" h="222240">
+                  <a:moveTo>
+                    <a:pt x="137250" y="0"/>
+                  </a:moveTo>
+                  <a:lnTo>
+                    <a:pt x="4702465" y="0"/>
+                  </a:lnTo>
+                  <a:lnTo>
+                    <a:pt x="4702465" y="222240"/>
+                  </a:lnTo>
+                  <a:lnTo>
+                    <a:pt x="0" y="222240"/>
+                  </a:lnTo>
+                  <a:close/>
+                </a:path>
+              </a:pathLst>
+            </a:custGeom>
+            <a:solidFill>
+              <a:schemeClr val="bg1"/>
+            </a:solidFill>
+          </p:spPr>
+        </p:pic>
+        <p:pic>
+          <p:nvPicPr>
+            <p:cNvPr id="48" name="图片 47"/>
+            <p:cNvPicPr>
+              <a:picLocks noChangeAspect="true"/>
+            </p:cNvPicPr>
+            <p:nvPr/>
+          </p:nvPicPr>
+          <p:blipFill>
+            <a:blip r:embed="rId3">
+              <a:lum bright="70000" contrast="-70000"/>
+            </a:blip>
+            <a:srcRect l="4950" r="26116"/>
+            <a:stretch>
+              <a:fillRect/>
+            </a:stretch>
+          </p:blipFill>
+          <p:spPr>
+            <a:xfrm rot="10800000" flipH="true" flipV="true">
+              <a:off x="7489535" y="6765558"/>
+              <a:ext cx="4702465" cy="95234"/>
+            </a:xfrm>
+            <a:custGeom>
+              <a:avLst/>
+              <a:gdLst>
+                <a:gd name="connsiteX0" fmla="*/ 137250 w 4702465"/>
+                <a:gd name="connsiteY0" fmla="*/ 0 h 222240"/>
+                <a:gd name="connsiteX1" fmla="*/ 4702465 w 4702465"/>
+                <a:gd name="connsiteY1" fmla="*/ 0 h 222240"/>
+                <a:gd name="connsiteX2" fmla="*/ 4702465 w 4702465"/>
+                <a:gd name="connsiteY2" fmla="*/ 222240 h 222240"/>
+                <a:gd name="connsiteX3" fmla="*/ 0 w 4702465"/>
+                <a:gd name="connsiteY3" fmla="*/ 222240 h 222240"/>
+              </a:gdLst>
+              <a:ahLst/>
+              <a:cxnLst>
+                <a:cxn ang="0">
+                  <a:pos x="connsiteX0" y="connsiteY0"/>
+                </a:cxn>
+                <a:cxn ang="0">
+                  <a:pos x="connsiteX1" y="connsiteY1"/>
+                </a:cxn>
+                <a:cxn ang="0">
+                  <a:pos x="connsiteX2" y="connsiteY2"/>
+                </a:cxn>
+                <a:cxn ang="0">
+                  <a:pos x="connsiteX3" y="connsiteY3"/>
+                </a:cxn>
+              </a:cxnLst>
+              <a:rect l="l" t="t" r="r" b="b"/>
+              <a:pathLst>
+                <a:path w="4702465" h="222240">
+                  <a:moveTo>
+                    <a:pt x="137250" y="0"/>
+                  </a:moveTo>
+                  <a:lnTo>
+                    <a:pt x="4702465" y="0"/>
+                  </a:lnTo>
+                  <a:lnTo>
+                    <a:pt x="4702465" y="222240"/>
+                  </a:lnTo>
+                  <a:lnTo>
+                    <a:pt x="0" y="222240"/>
+                  </a:lnTo>
+                  <a:close/>
+                </a:path>
+              </a:pathLst>
+            </a:custGeom>
+            <a:solidFill>
+              <a:schemeClr val="bg1"/>
+            </a:solidFill>
+          </p:spPr>
+        </p:pic>
+      </p:grpSp>
+      <p:pic>
+        <p:nvPicPr>
+          <p:cNvPr id="12" name="图片 11"/>
+          <p:cNvPicPr>
+            <a:picLocks noChangeAspect="true"/>
+          </p:cNvPicPr>
+          <p:nvPr/>
+        </p:nvPicPr>
+        <p:blipFill>
+          <a:blip r:embed="rId3"/>
+          <a:stretch>
+            <a:fillRect/>
+          </a:stretch>
+        </p:blipFill>
+        <p:spPr>
+          <a:xfrm rot="10800000">
+            <a:off x="0" y="79375"/>
+            <a:ext cx="12192000" cy="638175"/>
+          </a:xfrm>
+          <a:prstGeom prst="rect">
+            <a:avLst/>
+          </a:prstGeom>
+          <a:solidFill>
+            <a:schemeClr val="bg1"/>
+          </a:solidFill>
+        </p:spPr>
+      </p:pic>
+      <p:sp>
+        <p:nvSpPr>
+          <p:cNvPr id="14" name="文本框 13"/>
+          <p:cNvSpPr txBox="true"/>
+          <p:nvPr/>
+        </p:nvSpPr>
+        <p:spPr>
+          <a:xfrm>
+            <a:off x="314325" y="137160"/>
+            <a:ext cx="9579610" cy="583565"/>
+          </a:xfrm>
+          <a:prstGeom prst="rect">
+            <a:avLst/>
+          </a:prstGeom>
+          <a:noFill/>
+        </p:spPr>
+        <p:txBody>
+          <a:bodyPr wrap="square" rtlCol="0">
+            <a:spAutoFit/>
+          </a:bodyPr>
+          <a:p>
+            <a:r>
+              <a:rPr lang="zh-CN" sz="3200" dirty="0">
+                <a:solidFill>
+                  <a:schemeClr val="bg1"/>
+                </a:solidFill>
+                <a:latin typeface="微软雅黑" panose="020B0503020204020204" charset="-122"/>
+                <a:ea typeface="微软雅黑" panose="020B0503020204020204" charset="-122"/>
+              </a:rPr>
+              <a:t>本章简介</a:t>
+            </a:r>
+            <a:endParaRPr lang="zh-CN" sz="3200" dirty="0">
+              <a:solidFill>
+                <a:schemeClr val="bg1"/>
+              </a:solidFill>
+              <a:latin typeface="微软雅黑" panose="020B0503020204020204" charset="-122"/>
+              <a:ea typeface="微软雅黑" panose="020B0503020204020204" charset="-122"/>
+            </a:endParaRPr>
+          </a:p>
+        </p:txBody>
+      </p:sp>
+      <p:sp>
+        <p:nvSpPr>
+          <p:cNvPr id="4" name="Rectangle 2"/>
+          <p:cNvSpPr>
+            <a:spLocks noGrp="true"/>
+          </p:cNvSpPr>
+          <p:nvPr>
+            <p:ph type="title"/>
+          </p:nvPr>
+        </p:nvSpPr>
+        <p:spPr>
+          <a:xfrm>
+            <a:off x="2288540" y="3790315"/>
+            <a:ext cx="669290" cy="2041525"/>
+          </a:xfrm>
+        </p:spPr>
+        <p:txBody>
+          <a:bodyPr vert="horz" wrap="square" lIns="91440" tIns="45720" rIns="91440" bIns="45720" anchor="ctr" anchorCtr="false">
+            <a:normAutofit/>
+          </a:bodyPr>
+          <a:p>
+            <a:pPr eaLnBrk="1" hangingPunct="1"/>
+            <a:r>
+              <a:rPr lang="zh-CN" altLang="en-US" sz="2800" dirty="0">
+                <a:solidFill>
+                  <a:schemeClr val="tx1"/>
+                </a:solidFill>
+                <a:effectLst>
+                  <a:outerShdw blurRad="38100" dist="19050" dir="2700000" algn="tl" rotWithShape="0">
+                    <a:schemeClr val="dk1">
+                      <a:alpha val="40000"/>
+                    </a:schemeClr>
+                  </a:outerShdw>
+                </a:effectLst>
+                <a:latin typeface="微软雅黑" panose="020B0503020204020204" charset="-122"/>
+                <a:ea typeface="微软雅黑" panose="020B0503020204020204" charset="-122"/>
+              </a:rPr>
+              <a:t>本章大纲</a:t>
+            </a:r>
+            <a:endParaRPr lang="zh-CN" altLang="en-US" sz="2800" dirty="0">
+              <a:solidFill>
+                <a:schemeClr val="tx1"/>
+              </a:solidFill>
+              <a:effectLst>
+                <a:outerShdw blurRad="38100" dist="19050" dir="2700000" algn="tl" rotWithShape="0">
+                  <a:schemeClr val="dk1">
+                    <a:alpha val="40000"/>
+                  </a:schemeClr>
+                </a:outerShdw>
+              </a:effectLst>
+              <a:latin typeface="微软雅黑" panose="020B0503020204020204" charset="-122"/>
+              <a:ea typeface="微软雅黑" panose="020B0503020204020204" charset="-122"/>
+            </a:endParaRPr>
+          </a:p>
+        </p:txBody>
+      </p:sp>
+      <p:sp>
+        <p:nvSpPr>
+          <p:cNvPr id="9" name="Rectangle 83"/>
+          <p:cNvSpPr>
+            <a:spLocks noChangeArrowheads="true"/>
+          </p:cNvSpPr>
+          <p:nvPr/>
+        </p:nvSpPr>
+        <p:spPr bwMode="auto">
+          <a:xfrm>
+            <a:off x="4131945" y="3836035"/>
+            <a:ext cx="5510530" cy="2306955"/>
+          </a:xfrm>
+          <a:prstGeom prst="rect">
+            <a:avLst/>
+          </a:prstGeom>
+          <a:noFill/>
+          <a:ln w="9525" algn="ctr">
+            <a:noFill/>
+            <a:miter lim="800000"/>
+          </a:ln>
+          <a:effectLst/>
+        </p:spPr>
+        <p:txBody>
+          <a:bodyPr wrap="square" anchor="ctr">
+            <a:spAutoFit/>
+          </a:bodyPr>
+          <a:p>
+            <a:pPr marL="0" marR="0" lvl="0" indent="0" algn="l" defTabSz="914400" rtl="0" fontAlgn="base">
+              <a:lnSpc>
+                <a:spcPct val="150000"/>
+              </a:lnSpc>
+              <a:spcBef>
+                <a:spcPct val="0"/>
+              </a:spcBef>
+              <a:spcAft>
+                <a:spcPct val="0"/>
+              </a:spcAft>
+              <a:buClrTx/>
+              <a:buSzTx/>
+              <a:buFontTx/>
+              <a:buNone/>
+              <a:defRPr/>
+            </a:pPr>
+            <a:r>
+              <a:rPr kumimoji="0" lang="zh-CN" altLang="en-US" sz="2400" i="0" u="none" strike="noStrike" kern="1200" cap="none" spc="0" normalizeH="0" baseline="0" noProof="0" dirty="0">
+                <a:ln w="12700" cmpd="sng">
+                  <a:solidFill>
+                    <a:schemeClr val="accent4"/>
+                  </a:solidFill>
+                  <a:prstDash val="solid"/>
+                </a:ln>
+                <a:gradFill>
+                  <a:gsLst>
+                    <a:gs pos="0">
+                      <a:schemeClr val="accent4"/>
+                    </a:gs>
+                    <a:gs pos="4000">
+                      <a:schemeClr val="accent4">
+                        <a:lumMod val="60000"/>
+                        <a:lumOff val="40000"/>
+                      </a:schemeClr>
+                    </a:gs>
+                    <a:gs pos="87000">
+                      <a:schemeClr val="accent4">
+                        <a:lumMod val="20000"/>
+                        <a:lumOff val="80000"/>
+                      </a:schemeClr>
+                    </a:gs>
+                  </a:gsLst>
+                  <a:lin ang="5400000"/>
+                </a:gradFill>
+                <a:effectLst/>
+                <a:uLnTx/>
+                <a:uFillTx/>
+                <a:latin typeface="微软雅黑" panose="020B0503020204020204" charset="-122"/>
+                <a:ea typeface="微软雅黑" panose="020B0503020204020204" charset="-122"/>
+                <a:cs typeface="微软雅黑" panose="020B0503020204020204" charset="-122"/>
+              </a:rPr>
+              <a:t>第一节  银行信用及信用管理概论</a:t>
+            </a:r>
+            <a:endParaRPr kumimoji="0" lang="zh-CN" altLang="en-US" sz="2400" i="0" u="none" strike="noStrike" kern="1200" cap="none" spc="0" normalizeH="0" baseline="0" noProof="0" dirty="0">
+              <a:ln>
+                <a:noFill/>
+              </a:ln>
+              <a:solidFill>
+                <a:schemeClr val="tx1"/>
+              </a:solidFill>
+              <a:effectLst/>
+              <a:uLnTx/>
+              <a:uFillTx/>
+              <a:latin typeface="微软雅黑" panose="020B0503020204020204" charset="-122"/>
+              <a:ea typeface="微软雅黑" panose="020B0503020204020204" charset="-122"/>
+              <a:cs typeface="微软雅黑" panose="020B0503020204020204" charset="-122"/>
+            </a:endParaRPr>
+          </a:p>
+          <a:p>
+            <a:pPr marL="0" marR="0" lvl="0" indent="0" algn="l" defTabSz="914400" rtl="0" fontAlgn="base">
+              <a:lnSpc>
+                <a:spcPct val="150000"/>
+              </a:lnSpc>
+              <a:spcBef>
+                <a:spcPct val="0"/>
+              </a:spcBef>
+              <a:spcAft>
+                <a:spcPct val="0"/>
+              </a:spcAft>
+              <a:buClrTx/>
+              <a:buSzTx/>
+              <a:buFontTx/>
+              <a:buNone/>
+              <a:defRPr/>
+            </a:pPr>
+            <a:r>
+              <a:rPr kumimoji="0" lang="zh-CN" altLang="en-US" sz="2400" i="0" u="none" strike="noStrike" kern="1200" cap="none" spc="0" normalizeH="0" baseline="0" noProof="0" dirty="0">
+                <a:ln>
+                  <a:noFill/>
+                </a:ln>
+                <a:effectLst/>
+                <a:uLnTx/>
+                <a:uFillTx/>
+                <a:latin typeface="微软雅黑" panose="020B0503020204020204" charset="-122"/>
+                <a:ea typeface="微软雅黑" panose="020B0503020204020204" charset="-122"/>
+                <a:cs typeface="微软雅黑" panose="020B0503020204020204" charset="-122"/>
+              </a:rPr>
+              <a:t>第二节  银行信用产品</a:t>
+            </a:r>
+            <a:r>
+              <a:rPr kumimoji="0" lang="zh-CN" altLang="en-US" sz="2400" b="1" i="0" u="none" strike="noStrike" kern="1200" cap="none" spc="0" normalizeH="0" baseline="0" noProof="0" dirty="0">
+                <a:ln w="12700" cmpd="sng">
+                  <a:solidFill>
+                    <a:schemeClr val="accent4"/>
+                  </a:solidFill>
+                  <a:prstDash val="solid"/>
+                </a:ln>
+                <a:gradFill>
+                  <a:gsLst>
+                    <a:gs pos="0">
+                      <a:schemeClr val="accent4"/>
+                    </a:gs>
+                    <a:gs pos="4000">
+                      <a:schemeClr val="accent4">
+                        <a:lumMod val="60000"/>
+                        <a:lumOff val="40000"/>
+                      </a:schemeClr>
+                    </a:gs>
+                    <a:gs pos="87000">
+                      <a:schemeClr val="accent4">
+                        <a:lumMod val="20000"/>
+                        <a:lumOff val="80000"/>
+                      </a:schemeClr>
+                    </a:gs>
+                  </a:gsLst>
+                  <a:lin ang="5400000"/>
+                </a:gradFill>
+                <a:effectLst/>
+                <a:uLnTx/>
+                <a:uFillTx/>
+                <a:latin typeface="微软雅黑" panose="020B0503020204020204" charset="-122"/>
+                <a:ea typeface="微软雅黑" panose="020B0503020204020204" charset="-122"/>
+                <a:cs typeface="微软雅黑" panose="020B0503020204020204" charset="-122"/>
+              </a:rPr>
+              <a:t> </a:t>
+            </a:r>
+            <a:endParaRPr kumimoji="0" lang="zh-CN" altLang="en-US" sz="2400" i="0" u="none" strike="noStrike" kern="1200" cap="none" spc="0" normalizeH="0" baseline="0" noProof="0" dirty="0">
+              <a:ln>
+                <a:noFill/>
+              </a:ln>
+              <a:solidFill>
+                <a:schemeClr val="tx1"/>
+              </a:solidFill>
+              <a:effectLst/>
+              <a:uLnTx/>
+              <a:uFillTx/>
+              <a:latin typeface="微软雅黑" panose="020B0503020204020204" charset="-122"/>
+              <a:ea typeface="微软雅黑" panose="020B0503020204020204" charset="-122"/>
+              <a:cs typeface="微软雅黑" panose="020B0503020204020204" charset="-122"/>
+            </a:endParaRPr>
+          </a:p>
+          <a:p>
+            <a:pPr marL="0" marR="0" lvl="0" indent="0" algn="l" defTabSz="914400" rtl="0" fontAlgn="base">
+              <a:lnSpc>
+                <a:spcPct val="150000"/>
+              </a:lnSpc>
+              <a:spcBef>
+                <a:spcPct val="0"/>
+              </a:spcBef>
+              <a:spcAft>
+                <a:spcPct val="0"/>
+              </a:spcAft>
+              <a:buClrTx/>
+              <a:buSzTx/>
+              <a:buFontTx/>
+              <a:buNone/>
+              <a:defRPr/>
+            </a:pPr>
+            <a:r>
+              <a:rPr kumimoji="0" lang="zh-CN" altLang="en-US" sz="2400" i="0" u="none" strike="noStrike" kern="1200" cap="none" spc="0" normalizeH="0" baseline="0" noProof="0" dirty="0">
+                <a:ln>
+                  <a:noFill/>
+                </a:ln>
+                <a:effectLst/>
+                <a:uLnTx/>
+                <a:uFillTx/>
+                <a:latin typeface="微软雅黑" panose="020B0503020204020204" charset="-122"/>
+                <a:ea typeface="微软雅黑" panose="020B0503020204020204" charset="-122"/>
+                <a:cs typeface="微软雅黑" panose="020B0503020204020204" charset="-122"/>
+              </a:rPr>
+              <a:t>第三节  银行信用风险管理</a:t>
+            </a:r>
+            <a:r>
+              <a:rPr kumimoji="0" lang="zh-CN" altLang="en-US" sz="2400" i="0" u="none" strike="noStrike" kern="1200" cap="none" spc="0" normalizeH="0" baseline="0" noProof="0" dirty="0">
+                <a:ln>
+                  <a:noFill/>
+                </a:ln>
+                <a:solidFill>
+                  <a:schemeClr val="tx1"/>
+                </a:solidFill>
+                <a:effectLst/>
+                <a:uLnTx/>
+                <a:uFillTx/>
+                <a:latin typeface="微软雅黑" panose="020B0503020204020204" charset="-122"/>
+                <a:ea typeface="微软雅黑" panose="020B0503020204020204" charset="-122"/>
+                <a:cs typeface="微软雅黑" panose="020B0503020204020204" charset="-122"/>
+              </a:rPr>
+              <a:t> </a:t>
+            </a:r>
+            <a:endParaRPr kumimoji="0" lang="zh-CN" altLang="en-US" sz="2400" i="0" u="none" strike="noStrike" kern="1200" cap="none" spc="0" normalizeH="0" baseline="0" noProof="0" dirty="0">
+              <a:ln>
+                <a:noFill/>
+              </a:ln>
+              <a:solidFill>
+                <a:schemeClr val="tx1"/>
+              </a:solidFill>
+              <a:effectLst/>
+              <a:uLnTx/>
+              <a:uFillTx/>
+              <a:latin typeface="微软雅黑" panose="020B0503020204020204" charset="-122"/>
+              <a:ea typeface="微软雅黑" panose="020B0503020204020204" charset="-122"/>
+              <a:cs typeface="微软雅黑" panose="020B0503020204020204" charset="-122"/>
+            </a:endParaRPr>
+          </a:p>
+          <a:p>
+            <a:pPr marL="0" marR="0" lvl="0" indent="0" algn="l" defTabSz="914400" rtl="0" fontAlgn="base">
+              <a:lnSpc>
+                <a:spcPct val="150000"/>
+              </a:lnSpc>
+              <a:spcBef>
+                <a:spcPct val="0"/>
+              </a:spcBef>
+              <a:spcAft>
+                <a:spcPct val="0"/>
+              </a:spcAft>
+              <a:buClrTx/>
+              <a:buSzTx/>
+              <a:buFontTx/>
+              <a:buNone/>
+              <a:defRPr/>
+            </a:pPr>
+            <a:r>
+              <a:rPr kumimoji="0" lang="zh-CN" altLang="en-US" sz="2400" i="0" u="none" strike="noStrike" kern="1200" cap="none" spc="0" normalizeH="0" baseline="0" noProof="0" dirty="0">
+                <a:ln>
+                  <a:noFill/>
+                </a:ln>
+                <a:solidFill>
+                  <a:schemeClr val="tx1"/>
+                </a:solidFill>
+                <a:effectLst/>
+                <a:uLnTx/>
+                <a:uFillTx/>
+                <a:latin typeface="微软雅黑" panose="020B0503020204020204" charset="-122"/>
+                <a:ea typeface="微软雅黑" panose="020B0503020204020204" charset="-122"/>
+                <a:cs typeface="微软雅黑" panose="020B0503020204020204" charset="-122"/>
+              </a:rPr>
+              <a:t>第四节</a:t>
+            </a:r>
+            <a:r>
+              <a:rPr kumimoji="0" lang="en-US" altLang="zh-CN" sz="2400" i="0" u="none" strike="noStrike" kern="1200" cap="none" spc="0" normalizeH="0" baseline="0" noProof="0" dirty="0">
+                <a:ln>
+                  <a:noFill/>
+                </a:ln>
+                <a:solidFill>
+                  <a:schemeClr val="tx1"/>
+                </a:solidFill>
+                <a:effectLst/>
+                <a:uLnTx/>
+                <a:uFillTx/>
+                <a:latin typeface="微软雅黑" panose="020B0503020204020204" charset="-122"/>
+                <a:ea typeface="微软雅黑" panose="020B0503020204020204" charset="-122"/>
+                <a:cs typeface="微软雅黑" panose="020B0503020204020204" charset="-122"/>
+              </a:rPr>
+              <a:t>  </a:t>
+            </a:r>
+            <a:r>
+              <a:rPr kumimoji="0" lang="zh-CN" altLang="en-US" sz="2400" i="0" u="none" strike="noStrike" kern="1200" cap="none" spc="0" normalizeH="0" baseline="0" noProof="0" dirty="0">
+                <a:ln>
+                  <a:noFill/>
+                </a:ln>
+                <a:solidFill>
+                  <a:schemeClr val="tx1"/>
+                </a:solidFill>
+                <a:effectLst/>
+                <a:uLnTx/>
+                <a:uFillTx/>
+                <a:latin typeface="微软雅黑" panose="020B0503020204020204" charset="-122"/>
+                <a:ea typeface="微软雅黑" panose="020B0503020204020204" charset="-122"/>
+                <a:cs typeface="微软雅黑" panose="020B0503020204020204" charset="-122"/>
+              </a:rPr>
+              <a:t>授信管理</a:t>
+            </a:r>
+            <a:endParaRPr kumimoji="0" lang="zh-CN" altLang="en-US" sz="2400" i="0" u="none" strike="noStrike" kern="1200" cap="none" spc="0" normalizeH="0" baseline="0" noProof="0" dirty="0">
+              <a:ln>
+                <a:noFill/>
+              </a:ln>
+              <a:solidFill>
+                <a:schemeClr val="tx1"/>
+              </a:solidFill>
+              <a:effectLst/>
+              <a:uLnTx/>
+              <a:uFillTx/>
+              <a:latin typeface="微软雅黑" panose="020B0503020204020204" charset="-122"/>
+              <a:ea typeface="微软雅黑" panose="020B0503020204020204" charset="-122"/>
+              <a:cs typeface="微软雅黑" panose="020B0503020204020204" charset="-122"/>
+            </a:endParaRPr>
+          </a:p>
+        </p:txBody>
+      </p:sp>
+      <p:sp>
+        <p:nvSpPr>
+          <p:cNvPr id="10" name="Rectangle 84"/>
+          <p:cNvSpPr>
+            <a:spLocks noChangeArrowheads="true"/>
+          </p:cNvSpPr>
+          <p:nvPr/>
+        </p:nvSpPr>
+        <p:spPr bwMode="auto">
+          <a:xfrm>
+            <a:off x="2288540" y="1738154"/>
+            <a:ext cx="601663" cy="1468755"/>
+          </a:xfrm>
+          <a:prstGeom prst="rect">
+            <a:avLst/>
+          </a:prstGeom>
+          <a:noFill/>
+          <a:ln w="9525" algn="ctr">
+            <a:noFill/>
+            <a:miter lim="800000"/>
+          </a:ln>
+          <a:effectLst/>
+        </p:spPr>
+        <p:txBody>
+          <a:bodyPr anchor="ctr">
+            <a:spAutoFit/>
+          </a:bodyPr>
+          <a:p>
+            <a:pPr marL="0" marR="0" lvl="0" indent="0" algn="l" defTabSz="914400" rtl="0" eaLnBrk="1" fontAlgn="base" latinLnBrk="0" hangingPunct="1">
+              <a:lnSpc>
+                <a:spcPct val="80000"/>
+              </a:lnSpc>
+              <a:spcBef>
+                <a:spcPct val="20000"/>
+              </a:spcBef>
+              <a:spcAft>
+                <a:spcPct val="0"/>
+              </a:spcAft>
+              <a:buClr>
+                <a:schemeClr val="hlink"/>
+              </a:buClr>
+              <a:buSzTx/>
+              <a:buFont typeface="Wingdings" panose="05000000000000000000" pitchFamily="2" charset="2"/>
+              <a:buNone/>
+              <a:tabLst>
+                <a:tab pos="266700" algn="l"/>
+              </a:tabLst>
+              <a:defRPr/>
+            </a:pPr>
+            <a:r>
+              <a:rPr kumimoji="0" lang="zh-CN" altLang="en-US" sz="2800" i="0" u="none" strike="noStrike" kern="1200" cap="none" spc="0" normalizeH="0" baseline="0" noProof="0" dirty="0">
+                <a:solidFill>
+                  <a:schemeClr val="tx1"/>
+                </a:solidFill>
+                <a:effectLst>
+                  <a:outerShdw blurRad="38100" dist="19050" dir="2700000" algn="tl" rotWithShape="0">
+                    <a:schemeClr val="dk1">
+                      <a:alpha val="40000"/>
+                    </a:schemeClr>
+                  </a:outerShdw>
+                </a:effectLst>
+                <a:uLnTx/>
+                <a:uFillTx/>
+                <a:latin typeface="微软雅黑" panose="020B0503020204020204" charset="-122"/>
+                <a:ea typeface="微软雅黑" panose="020B0503020204020204" charset="-122"/>
+                <a:cs typeface="+mn-cs"/>
+              </a:rPr>
+              <a:t>学习目标</a:t>
+            </a:r>
+            <a:endParaRPr kumimoji="0" lang="zh-CN" altLang="en-US" sz="2800" i="0" u="none" strike="noStrike" kern="1200" cap="none" spc="0" normalizeH="0" baseline="0" noProof="0" dirty="0">
+              <a:solidFill>
+                <a:schemeClr val="tx1"/>
+              </a:solidFill>
+              <a:effectLst>
+                <a:outerShdw blurRad="38100" dist="19050" dir="2700000" algn="tl" rotWithShape="0">
+                  <a:schemeClr val="dk1">
+                    <a:alpha val="40000"/>
+                  </a:schemeClr>
+                </a:outerShdw>
+              </a:effectLst>
+              <a:uLnTx/>
+              <a:uFillTx/>
+              <a:latin typeface="微软雅黑" panose="020B0503020204020204" charset="-122"/>
+              <a:ea typeface="微软雅黑" panose="020B0503020204020204" charset="-122"/>
+              <a:cs typeface="+mn-cs"/>
+            </a:endParaRPr>
+          </a:p>
+        </p:txBody>
+      </p:sp>
+      <p:sp>
+        <p:nvSpPr>
+          <p:cNvPr id="11" name="AutoShape 4"/>
+          <p:cNvSpPr>
+            <a:spLocks noChangeArrowheads="true"/>
+          </p:cNvSpPr>
+          <p:nvPr/>
+        </p:nvSpPr>
+        <p:spPr bwMode="blackWhite">
+          <a:xfrm>
+            <a:off x="3429000" y="1564005"/>
+            <a:ext cx="7762240" cy="495300"/>
+          </a:xfrm>
+          <a:prstGeom prst="roundRect">
+            <a:avLst>
+              <a:gd name="adj" fmla="val 9106"/>
+            </a:avLst>
+          </a:prstGeom>
+          <a:gradFill rotWithShape="true">
+            <a:gsLst>
+              <a:gs pos="0">
+                <a:schemeClr val="accent2"/>
+              </a:gs>
+              <a:gs pos="100000">
+                <a:schemeClr val="accent2">
+                  <a:gamma/>
+                  <a:tint val="69804"/>
+                  <a:invGamma/>
+                </a:schemeClr>
+              </a:gs>
+            </a:gsLst>
+            <a:lin ang="5400000" scaled="true"/>
+          </a:gradFill>
+          <a:ln w="25400">
+            <a:solidFill>
+              <a:schemeClr val="bg1"/>
+            </a:solidFill>
+            <a:round/>
+          </a:ln>
+          <a:effectLst/>
+        </p:spPr>
+        <p:txBody>
+          <a:bodyPr wrap="none" anchor="ctr"/>
+          <a:p>
+            <a:pPr marL="0" marR="0" lvl="0" indent="0" algn="ctr" defTabSz="914400" rtl="0" eaLnBrk="0" fontAlgn="base" latinLnBrk="0" hangingPunct="0">
+              <a:lnSpc>
+                <a:spcPct val="80000"/>
+              </a:lnSpc>
+              <a:spcBef>
+                <a:spcPct val="20000"/>
+              </a:spcBef>
+              <a:spcAft>
+                <a:spcPct val="0"/>
+              </a:spcAft>
+              <a:buClr>
+                <a:schemeClr val="hlink"/>
+              </a:buClr>
+              <a:buSzTx/>
+              <a:buFont typeface="Wingdings" panose="05000000000000000000" pitchFamily="2" charset="2"/>
+              <a:buNone/>
+              <a:defRPr/>
+            </a:pPr>
+            <a:r>
+              <a:rPr kumimoji="0" lang="zh-CN" altLang="en-US" sz="2400" i="0" u="none" strike="noStrike" kern="1200" cap="none" spc="0" normalizeH="0" baseline="0" noProof="0" dirty="0">
+                <a:ln>
+                  <a:noFill/>
+                </a:ln>
+                <a:solidFill>
+                  <a:schemeClr val="tx1"/>
+                </a:solidFill>
+                <a:effectLst/>
+                <a:uLnTx/>
+                <a:uFillTx/>
+                <a:latin typeface="微软雅黑" panose="020B0503020204020204" charset="-122"/>
+                <a:ea typeface="微软雅黑" panose="020B0503020204020204" charset="-122"/>
+                <a:cs typeface="+mn-cs"/>
+              </a:rPr>
+              <a:t>了解银行信用风险的概念、分类和评估方法</a:t>
+            </a:r>
+            <a:endParaRPr kumimoji="0" lang="zh-CN" altLang="en-US" sz="2400" i="0" u="none" strike="noStrike" kern="1200" cap="none" spc="0" normalizeH="0" baseline="0" noProof="0" dirty="0">
+              <a:ln>
+                <a:noFill/>
+              </a:ln>
+              <a:solidFill>
+                <a:schemeClr val="tx1"/>
+              </a:solidFill>
+              <a:effectLst/>
+              <a:uLnTx/>
+              <a:uFillTx/>
+              <a:latin typeface="微软雅黑" panose="020B0503020204020204" charset="-122"/>
+              <a:ea typeface="微软雅黑" panose="020B0503020204020204" charset="-122"/>
+              <a:cs typeface="+mn-cs"/>
+            </a:endParaRPr>
+          </a:p>
+        </p:txBody>
+      </p:sp>
+      <p:sp>
+        <p:nvSpPr>
+          <p:cNvPr id="17" name="AutoShape 5"/>
+          <p:cNvSpPr>
+            <a:spLocks noChangeArrowheads="true"/>
+          </p:cNvSpPr>
+          <p:nvPr/>
+        </p:nvSpPr>
+        <p:spPr bwMode="blackWhite">
+          <a:xfrm>
+            <a:off x="3429000" y="2152650"/>
+            <a:ext cx="7762240" cy="655955"/>
+          </a:xfrm>
+          <a:prstGeom prst="roundRect">
+            <a:avLst>
+              <a:gd name="adj" fmla="val 9106"/>
+            </a:avLst>
+          </a:prstGeom>
+          <a:gradFill rotWithShape="true">
+            <a:gsLst>
+              <a:gs pos="0">
+                <a:srgbClr val="699D5F"/>
+              </a:gs>
+              <a:gs pos="100000">
+                <a:srgbClr val="96BB8F"/>
+              </a:gs>
+            </a:gsLst>
+            <a:lin ang="5400000" scaled="true"/>
+          </a:gradFill>
+          <a:ln w="25400">
+            <a:solidFill>
+              <a:schemeClr val="bg1"/>
+            </a:solidFill>
+            <a:round/>
+          </a:ln>
+          <a:effectLst/>
+        </p:spPr>
+        <p:txBody>
+          <a:bodyPr wrap="none" anchor="ctr"/>
+          <a:p>
+            <a:pPr marL="0" marR="0" lvl="0" indent="0" algn="ctr" defTabSz="914400" rtl="0" eaLnBrk="0" fontAlgn="base" latinLnBrk="0" hangingPunct="0">
+              <a:lnSpc>
+                <a:spcPct val="80000"/>
+              </a:lnSpc>
+              <a:spcBef>
+                <a:spcPct val="20000"/>
+              </a:spcBef>
+              <a:spcAft>
+                <a:spcPct val="0"/>
+              </a:spcAft>
+              <a:buClr>
+                <a:schemeClr val="hlink"/>
+              </a:buClr>
+              <a:buSzTx/>
+              <a:buFont typeface="Wingdings" panose="05000000000000000000" pitchFamily="2" charset="2"/>
+              <a:buNone/>
+              <a:defRPr/>
+            </a:pPr>
+            <a:r>
+              <a:rPr kumimoji="0" lang="zh-CN" altLang="en-US" sz="2400" i="0" u="none" strike="noStrike" kern="1200" cap="none" spc="0" normalizeH="0" baseline="0" noProof="0" dirty="0">
+                <a:ln>
+                  <a:noFill/>
+                </a:ln>
+                <a:solidFill>
+                  <a:schemeClr val="tx1"/>
+                </a:solidFill>
+                <a:effectLst/>
+                <a:uLnTx/>
+                <a:uFillTx/>
+                <a:latin typeface="微软雅黑" panose="020B0503020204020204" charset="-122"/>
+                <a:ea typeface="微软雅黑" panose="020B0503020204020204" charset="-122"/>
+                <a:cs typeface="+mn-cs"/>
+              </a:rPr>
+              <a:t>了解银行信用管理制度和授信管理操作流程</a:t>
+            </a:r>
+            <a:endParaRPr kumimoji="0" lang="zh-CN" altLang="en-US" sz="2400" i="0" u="none" strike="noStrike" kern="1200" cap="none" spc="0" normalizeH="0" baseline="0" noProof="0" dirty="0">
+              <a:ln>
+                <a:noFill/>
+              </a:ln>
+              <a:solidFill>
+                <a:schemeClr val="tx1"/>
+              </a:solidFill>
+              <a:effectLst/>
+              <a:uLnTx/>
+              <a:uFillTx/>
+              <a:latin typeface="微软雅黑" panose="020B0503020204020204" charset="-122"/>
+              <a:ea typeface="微软雅黑" panose="020B0503020204020204" charset="-122"/>
+              <a:cs typeface="+mn-cs"/>
+            </a:endParaRPr>
+          </a:p>
+        </p:txBody>
+      </p:sp>
+      <p:sp>
+        <p:nvSpPr>
+          <p:cNvPr id="18" name="AutoShape 6"/>
+          <p:cNvSpPr>
+            <a:spLocks noChangeArrowheads="true"/>
+          </p:cNvSpPr>
+          <p:nvPr/>
+        </p:nvSpPr>
+        <p:spPr bwMode="blackWhite">
+          <a:xfrm>
+            <a:off x="3429000" y="2901950"/>
+            <a:ext cx="7762240" cy="611505"/>
+          </a:xfrm>
+          <a:prstGeom prst="roundRect">
+            <a:avLst>
+              <a:gd name="adj" fmla="val 9106"/>
+            </a:avLst>
+          </a:prstGeom>
+          <a:gradFill rotWithShape="true">
+            <a:gsLst>
+              <a:gs pos="0">
+                <a:schemeClr val="hlink"/>
+              </a:gs>
+              <a:gs pos="100000">
+                <a:schemeClr val="hlink">
+                  <a:gamma/>
+                  <a:tint val="69804"/>
+                  <a:invGamma/>
+                </a:schemeClr>
+              </a:gs>
+            </a:gsLst>
+            <a:lin ang="5400000" scaled="true"/>
+          </a:gradFill>
+          <a:ln w="25400">
+            <a:solidFill>
+              <a:schemeClr val="bg1"/>
+            </a:solidFill>
+            <a:round/>
+          </a:ln>
+          <a:effectLst/>
+        </p:spPr>
+        <p:txBody>
+          <a:bodyPr wrap="none" anchor="ctr"/>
+          <a:p>
+            <a:pPr marL="0" marR="0" lvl="0" indent="0" algn="ctr" defTabSz="914400" rtl="0" eaLnBrk="0" fontAlgn="base" latinLnBrk="0" hangingPunct="0">
+              <a:lnSpc>
+                <a:spcPct val="80000"/>
+              </a:lnSpc>
+              <a:spcBef>
+                <a:spcPct val="20000"/>
+              </a:spcBef>
+              <a:spcAft>
+                <a:spcPct val="0"/>
+              </a:spcAft>
+              <a:buClr>
+                <a:schemeClr val="hlink"/>
+              </a:buClr>
+              <a:buSzTx/>
+              <a:buFont typeface="Wingdings" panose="05000000000000000000" pitchFamily="2" charset="2"/>
+              <a:buNone/>
+              <a:defRPr/>
+            </a:pPr>
+            <a:r>
+              <a:rPr kumimoji="0" lang="zh-CN" altLang="en-US" sz="2400" i="0" u="none" strike="noStrike" kern="1200" cap="none" spc="0" normalizeH="0" baseline="0" noProof="0" dirty="0">
+                <a:ln>
+                  <a:noFill/>
+                </a:ln>
+                <a:solidFill>
+                  <a:schemeClr val="tx1"/>
+                </a:solidFill>
+                <a:effectLst/>
+                <a:uLnTx/>
+                <a:uFillTx/>
+                <a:latin typeface="微软雅黑" panose="020B0503020204020204" charset="-122"/>
+                <a:ea typeface="微软雅黑" panose="020B0503020204020204" charset="-122"/>
+                <a:cs typeface="微软雅黑" panose="020B0503020204020204" charset="-122"/>
+              </a:rPr>
+              <a:t>掌握</a:t>
+            </a:r>
+            <a:r>
+              <a:rPr kumimoji="0" lang="zh-CN" altLang="en-US" sz="2400" b="1" i="0" u="none" strike="noStrike" kern="1200" cap="none" spc="0" normalizeH="0" baseline="0" noProof="0" dirty="0">
+                <a:ln>
+                  <a:noFill/>
+                </a:ln>
+                <a:solidFill>
+                  <a:schemeClr val="tx1"/>
+                </a:solidFill>
+                <a:effectLst/>
+                <a:uLnTx/>
+                <a:uFillTx/>
+                <a:latin typeface="微软雅黑" panose="020B0503020204020204" charset="-122"/>
+                <a:ea typeface="微软雅黑" panose="020B0503020204020204" charset="-122"/>
+                <a:cs typeface="微软雅黑" panose="020B0503020204020204" charset="-122"/>
+              </a:rPr>
+              <a:t>银行信用产品的业务流程</a:t>
+            </a:r>
+            <a:endParaRPr kumimoji="0" lang="zh-CN" altLang="en-US" sz="2400" b="1" i="0" u="none" strike="noStrike" kern="1200" cap="none" spc="0" normalizeH="0" baseline="0" noProof="0" dirty="0">
+              <a:ln>
+                <a:noFill/>
+              </a:ln>
+              <a:solidFill>
+                <a:schemeClr val="tx1"/>
+              </a:solidFill>
+              <a:effectLst/>
+              <a:uLnTx/>
+              <a:uFillTx/>
+              <a:latin typeface="微软雅黑" panose="020B0503020204020204" charset="-122"/>
+              <a:ea typeface="微软雅黑" panose="020B0503020204020204" charset="-122"/>
+              <a:cs typeface="微软雅黑" panose="020B0503020204020204" charset="-122"/>
+            </a:endParaRPr>
+          </a:p>
+        </p:txBody>
+      </p:sp>
+    </p:spTree>
+  </p:cSld>
+  <p:clrMapOvr>
+    <a:masterClrMapping/>
+  </p:clrMapOvr>
+  <mc:AlternateContent xmlns:mc="http://schemas.openxmlformats.org/markup-compatibility/2006">
+    <mc:Choice xmlns:p14="http://schemas.microsoft.com/office/powerpoint/2010/main" Requires="p14">
+      <p:transition p14:dur="0" advClick="false" advTm="0"/>
+    </mc:Choice>
+    <mc:Fallback>
+      <p:transition advClick="false" advTm="0"/>
+    </mc:Fallback>
+  </mc:AlternateContent>
+</p:sld>
+</file>
+
+<file path=ppt/slides/slide20.xml><?xml version="1.0" encoding="utf-8"?>
 <p:sld xmlns:a="http://schemas.openxmlformats.org/drawingml/2006/main" xmlns:r="http://schemas.openxmlformats.org/officeDocument/2006/relationships" xmlns:p="http://schemas.openxmlformats.org/presentationml/2006/main">
   <p:cSld>
     <p:spTree>
@@ -27370,7 +24769,7 @@
               <a:r>
                 <a:rPr lang="zh-CN" altLang="en-US" b="1" dirty="0">
                   <a:solidFill>
-                    <a:srgbClr val="FF0000"/>
+                    <a:srgbClr val="00B0F0"/>
                   </a:solidFill>
                   <a:latin typeface="微软雅黑" panose="020B0503020204020204" charset="-122"/>
                   <a:ea typeface="微软雅黑" panose="020B0503020204020204" charset="-122"/>
@@ -27379,7 +24778,7 @@
               </a:r>
               <a:endParaRPr lang="en-US" altLang="zh-CN" b="1" dirty="0">
                 <a:solidFill>
-                  <a:srgbClr val="FF0000"/>
+                  <a:srgbClr val="00B0F0"/>
                 </a:solidFill>
                 <a:latin typeface="微软雅黑" panose="020B0503020204020204" charset="-122"/>
                 <a:ea typeface="微软雅黑" panose="020B0503020204020204" charset="-122"/>
@@ -27399,7 +24798,7 @@
               <a:r>
                 <a:rPr lang="zh-CN" altLang="en-US" b="1" dirty="0">
                   <a:solidFill>
-                    <a:srgbClr val="FF0000"/>
+                    <a:srgbClr val="00B0F0"/>
                   </a:solidFill>
                   <a:latin typeface="微软雅黑" panose="020B0503020204020204" charset="-122"/>
                   <a:ea typeface="微软雅黑" panose="020B0503020204020204" charset="-122"/>
@@ -27408,7 +24807,7 @@
               </a:r>
               <a:endParaRPr lang="zh-CN" altLang="en-US" b="1" dirty="0">
                 <a:solidFill>
-                  <a:srgbClr val="FF0000"/>
+                  <a:srgbClr val="00B0F0"/>
                 </a:solidFill>
                 <a:latin typeface="微软雅黑" panose="020B0503020204020204" charset="-122"/>
                 <a:ea typeface="微软雅黑" panose="020B0503020204020204" charset="-122"/>
@@ -27477,7 +24876,7 @@
                     <a:noFill/>
                   </a:ln>
                   <a:solidFill>
-                    <a:srgbClr val="FF0000"/>
+                    <a:srgbClr val="00B0F0"/>
                   </a:solidFill>
                   <a:effectLst/>
                   <a:uLnTx/>
@@ -27511,7 +24910,7 @@
                     <a:noFill/>
                   </a:ln>
                   <a:solidFill>
-                    <a:srgbClr val="FF0000"/>
+                    <a:srgbClr val="00B0F0"/>
                   </a:solidFill>
                   <a:effectLst/>
                   <a:uLnTx/>
@@ -27545,7 +24944,7 @@
                     <a:noFill/>
                   </a:ln>
                   <a:solidFill>
-                    <a:srgbClr val="FF0000"/>
+                    <a:srgbClr val="00B0F0"/>
                   </a:solidFill>
                   <a:effectLst/>
                   <a:uLnTx/>
@@ -27571,7 +24970,7 @@
                   <a:ea typeface="微软雅黑" panose="020B0503020204020204" charset="-122"/>
                   <a:cs typeface="+mn-cs"/>
                 </a:rPr>
-                <a:t>。风险管理是第二双眼睛，是代表管理层的独立视角，进行</a:t>
+                <a:t>。风险管理是</a:t>
               </a:r>
               <a:r>
                 <a:rPr kumimoji="0" lang="zh-CN" altLang="en-US" sz="2000" b="0" i="0" u="none" strike="noStrike" kern="1200" cap="none" spc="0" normalizeH="0" baseline="0" noProof="0" dirty="0">
@@ -27579,7 +24978,41 @@
                     <a:noFill/>
                   </a:ln>
                   <a:solidFill>
-                    <a:srgbClr val="FF0000"/>
+                    <a:srgbClr val="00B0F0"/>
+                  </a:solidFill>
+                  <a:effectLst/>
+                  <a:uLnTx/>
+                  <a:uFillTx/>
+                  <a:latin typeface="微软雅黑" panose="020B0503020204020204" charset="-122"/>
+                  <a:ea typeface="微软雅黑" panose="020B0503020204020204" charset="-122"/>
+                  <a:cs typeface="+mn-cs"/>
+                </a:rPr>
+                <a:t>第二双眼睛</a:t>
+              </a:r>
+              <a:r>
+                <a:rPr kumimoji="0" lang="zh-CN" altLang="en-US" sz="2000" b="0" i="0" u="none" strike="noStrike" kern="1200" cap="none" spc="0" normalizeH="0" baseline="0" noProof="0" dirty="0">
+                  <a:ln>
+                    <a:noFill/>
+                  </a:ln>
+                  <a:solidFill>
+                    <a:srgbClr val="000000"/>
+                  </a:solidFill>
+                  <a:effectLst/>
+                  <a:uLnTx/>
+                  <a:uFillTx/>
+                  <a:latin typeface="微软雅黑" panose="020B0503020204020204" charset="-122"/>
+                  <a:ea typeface="微软雅黑" panose="020B0503020204020204" charset="-122"/>
+                  <a:cs typeface="+mn-cs"/>
+                </a:rPr>
+                <a:t>，是代表管理层的独立视角，进行</a:t>
+              </a:r>
+              <a:r>
+                <a:rPr kumimoji="0" lang="zh-CN" altLang="en-US" sz="2000" b="0" i="0" u="none" strike="noStrike" kern="1200" cap="none" spc="0" normalizeH="0" baseline="0" noProof="0" dirty="0">
+                  <a:ln>
+                    <a:noFill/>
+                  </a:ln>
+                  <a:solidFill>
+                    <a:srgbClr val="00B0F0"/>
                   </a:solidFill>
                   <a:effectLst/>
                   <a:uLnTx/>
@@ -27613,7 +25046,7 @@
                     <a:noFill/>
                   </a:ln>
                   <a:solidFill>
-                    <a:srgbClr val="FF0000"/>
+                    <a:srgbClr val="00B0F0"/>
                   </a:solidFill>
                   <a:effectLst/>
                   <a:uLnTx/>
@@ -27690,7 +25123,41 @@
                   <a:ea typeface="微软雅黑" panose="020B0503020204020204" charset="-122"/>
                   <a:cs typeface="+mn-cs"/>
                 </a:rPr>
-                <a:t>风险管理的相对独立性还表现在报告路线的独立性上。风险管理工作一般都在风险管理系统内进行，不受分行或业务部门负责人的干预，派至各地区总部或分行的风险管理人员不受当地领导的制约。</a:t>
+                <a:t>风险管理的相对独立性还表现在</a:t>
+              </a:r>
+              <a:r>
+                <a:rPr kumimoji="0" lang="zh-CN" altLang="en-US" sz="2000" b="0" i="0" u="none" strike="noStrike" kern="1200" cap="none" spc="0" normalizeH="0" baseline="0" noProof="0" dirty="0">
+                  <a:ln>
+                    <a:noFill/>
+                  </a:ln>
+                  <a:solidFill>
+                    <a:srgbClr val="00B0F0"/>
+                  </a:solidFill>
+                  <a:effectLst/>
+                  <a:uLnTx/>
+                  <a:uFillTx/>
+                  <a:latin typeface="微软雅黑" panose="020B0503020204020204" charset="-122"/>
+                  <a:ea typeface="微软雅黑" panose="020B0503020204020204" charset="-122"/>
+                  <a:cs typeface="+mn-cs"/>
+                </a:rPr>
+                <a:t>报告路线的独立性</a:t>
+              </a:r>
+              <a:r>
+                <a:rPr kumimoji="0" lang="zh-CN" altLang="en-US" sz="2000" b="0" i="0" u="none" strike="noStrike" kern="1200" cap="none" spc="0" normalizeH="0" baseline="0" noProof="0" dirty="0">
+                  <a:ln>
+                    <a:noFill/>
+                  </a:ln>
+                  <a:solidFill>
+                    <a:srgbClr val="000000"/>
+                  </a:solidFill>
+                  <a:effectLst/>
+                  <a:uLnTx/>
+                  <a:uFillTx/>
+                  <a:latin typeface="微软雅黑" panose="020B0503020204020204" charset="-122"/>
+                  <a:ea typeface="微软雅黑" panose="020B0503020204020204" charset="-122"/>
+                  <a:cs typeface="+mn-cs"/>
+                </a:rPr>
+                <a:t>上。风险管理工作一般都在风险管理系统内进行，不受分行或业务部门负责人的干预，派至各地区总部或分行的风险管理人员不受当地领导的制约。</a:t>
               </a:r>
               <a:endParaRPr kumimoji="0" lang="en-US" altLang="zh-CN" sz="2000" b="0" i="0" u="none" strike="noStrike" kern="1200" cap="none" spc="0" normalizeH="0" baseline="0" noProof="0" dirty="0">
                 <a:ln>
@@ -27784,7 +25251,7 @@
 </p:sld>
 </file>
 
-<file path=ppt/slides/slide23.xml><?xml version="1.0" encoding="utf-8"?>
+<file path=ppt/slides/slide21.xml><?xml version="1.0" encoding="utf-8"?>
 <p:sld xmlns:a="http://schemas.openxmlformats.org/drawingml/2006/main" xmlns:r="http://schemas.openxmlformats.org/officeDocument/2006/relationships" xmlns:p="http://schemas.openxmlformats.org/presentationml/2006/main">
   <p:cSld>
     <p:spTree>
@@ -34571,7 +32038,7 @@
                     <a:noFill/>
                   </a:ln>
                   <a:solidFill>
-                    <a:srgbClr val="FF0000"/>
+                    <a:srgbClr val="C00000"/>
                   </a:solidFill>
                   <a:effectLst/>
                   <a:uLnTx/>
@@ -34656,7 +32123,7 @@
                     <a:noFill/>
                   </a:ln>
                   <a:solidFill>
-                    <a:srgbClr val="FF0000"/>
+                    <a:srgbClr val="C00000"/>
                   </a:solidFill>
                   <a:effectLst/>
                   <a:uLnTx/>
@@ -35367,7 +32834,7 @@
               <a:r>
                 <a:rPr lang="zh-CN" altLang="en-US" sz="2000" b="1" dirty="0">
                   <a:solidFill>
-                    <a:srgbClr val="FF0000"/>
+                    <a:srgbClr val="00B0F0"/>
                   </a:solidFill>
                   <a:latin typeface="微软雅黑" panose="020B0503020204020204" charset="-122"/>
                   <a:ea typeface="微软雅黑" panose="020B0503020204020204" charset="-122"/>
@@ -35387,7 +32854,7 @@
               <a:r>
                 <a:rPr lang="zh-CN" altLang="en-US" sz="2000" b="1" dirty="0">
                   <a:solidFill>
-                    <a:srgbClr val="FF0000"/>
+                    <a:srgbClr val="00B0F0"/>
                   </a:solidFill>
                   <a:latin typeface="微软雅黑" panose="020B0503020204020204" charset="-122"/>
                   <a:ea typeface="微软雅黑" panose="020B0503020204020204" charset="-122"/>
@@ -35407,7 +32874,7 @@
               <a:r>
                 <a:rPr lang="zh-CN" altLang="en-US" sz="2000" b="1" dirty="0">
                   <a:solidFill>
-                    <a:srgbClr val="FF0000"/>
+                    <a:srgbClr val="00B0F0"/>
                   </a:solidFill>
                   <a:latin typeface="微软雅黑" panose="020B0503020204020204" charset="-122"/>
                   <a:ea typeface="微软雅黑" panose="020B0503020204020204" charset="-122"/>
@@ -37019,7 +34486,7 @@
                     <a:noFill/>
                   </a:ln>
                   <a:solidFill>
-                    <a:srgbClr val="FF0000"/>
+                    <a:srgbClr val="C00000"/>
                   </a:solidFill>
                   <a:effectLst/>
                   <a:uLnTx/>
@@ -37028,41 +34495,7 @@
                   <a:ea typeface="微软雅黑" panose="020B0503020204020204" charset="-122"/>
                   <a:cs typeface="+mn-cs"/>
                 </a:rPr>
-                <a:t>仅指</a:t>
-              </a:r>
-              <a:r>
-                <a:rPr kumimoji="0" lang="zh-CN" altLang="en-US" sz="2000" b="1" i="0" u="none" strike="noStrike" kern="1200" cap="none" spc="0" normalizeH="0" baseline="0" noProof="0" dirty="0">
-                  <a:ln>
-                    <a:noFill/>
-                  </a:ln>
-                  <a:solidFill>
-                    <a:srgbClr val="000000"/>
-                  </a:solidFill>
-                  <a:effectLst/>
-                  <a:uLnTx/>
-                  <a:uFillTx/>
-                  <a:latin typeface="微软雅黑" panose="020B0503020204020204" charset="-122"/>
-                  <a:ea typeface="微软雅黑" panose="020B0503020204020204" charset="-122"/>
-                  <a:cs typeface="+mn-cs"/>
-                </a:rPr>
-                <a:t>银行的一些</a:t>
-              </a:r>
-              <a:r>
-                <a:rPr kumimoji="0" lang="zh-CN" altLang="en-US" sz="2000" b="1" i="0" u="none" strike="noStrike" kern="1200" cap="none" spc="0" normalizeH="0" baseline="0" noProof="0" dirty="0">
-                  <a:ln>
-                    <a:noFill/>
-                  </a:ln>
-                  <a:solidFill>
-                    <a:srgbClr val="FF0000"/>
-                  </a:solidFill>
-                  <a:effectLst/>
-                  <a:uLnTx/>
-                  <a:uFillTx/>
-                  <a:latin typeface="微软雅黑" panose="020B0503020204020204" charset="-122"/>
-                  <a:ea typeface="微软雅黑" panose="020B0503020204020204" charset="-122"/>
-                  <a:cs typeface="+mn-cs"/>
-                </a:rPr>
-                <a:t>资产类业务</a:t>
+                <a:t>仅指银行的一些资产类业务</a:t>
               </a:r>
               <a:r>
                 <a:rPr kumimoji="0" lang="zh-CN" altLang="en-US" sz="2000" b="1" i="0" u="none" strike="noStrike" kern="1200" cap="none" spc="0" normalizeH="0" baseline="0" noProof="0" dirty="0">
@@ -37870,7 +35303,7 @@
                     <a:noFill/>
                   </a:ln>
                   <a:solidFill>
-                    <a:srgbClr val="FF0000"/>
+                    <a:srgbClr val="00B0F0"/>
                   </a:solidFill>
                   <a:effectLst/>
                   <a:uLnTx/>
@@ -37904,7 +35337,7 @@
                     <a:noFill/>
                   </a:ln>
                   <a:solidFill>
-                    <a:srgbClr val="FF0000"/>
+                    <a:srgbClr val="00B0F0"/>
                   </a:solidFill>
                   <a:effectLst/>
                   <a:uLnTx/>
@@ -37930,7 +35363,41 @@
                   <a:ea typeface="微软雅黑" panose="020B0503020204020204" charset="-122"/>
                   <a:cs typeface="+mn-cs"/>
                 </a:rPr>
-                <a:t>社会现实资本，以提高资本效益的作用。</a:t>
+                <a:t>社会现实资本，以</a:t>
+              </a:r>
+              <a:r>
+                <a:rPr kumimoji="0" lang="zh-CN" altLang="en-US" sz="1800" b="1" i="0" u="none" strike="noStrike" kern="1200" cap="none" spc="0" normalizeH="0" baseline="0" noProof="0" dirty="0">
+                  <a:ln>
+                    <a:noFill/>
+                  </a:ln>
+                  <a:solidFill>
+                    <a:srgbClr val="00B0F0"/>
+                  </a:solidFill>
+                  <a:effectLst/>
+                  <a:uLnTx/>
+                  <a:uFillTx/>
+                  <a:latin typeface="微软雅黑" panose="020B0503020204020204" charset="-122"/>
+                  <a:ea typeface="微软雅黑" panose="020B0503020204020204" charset="-122"/>
+                  <a:cs typeface="+mn-cs"/>
+                </a:rPr>
+                <a:t>提高资本效益</a:t>
+              </a:r>
+              <a:r>
+                <a:rPr kumimoji="0" lang="zh-CN" altLang="en-US" sz="1800" b="1" i="0" u="none" strike="noStrike" kern="1200" cap="none" spc="0" normalizeH="0" baseline="0" noProof="0" dirty="0">
+                  <a:ln>
+                    <a:noFill/>
+                  </a:ln>
+                  <a:solidFill>
+                    <a:srgbClr val="000000"/>
+                  </a:solidFill>
+                  <a:effectLst/>
+                  <a:uLnTx/>
+                  <a:uFillTx/>
+                  <a:latin typeface="微软雅黑" panose="020B0503020204020204" charset="-122"/>
+                  <a:ea typeface="微软雅黑" panose="020B0503020204020204" charset="-122"/>
+                  <a:cs typeface="+mn-cs"/>
+                </a:rPr>
+                <a:t>的作用。</a:t>
               </a:r>
               <a:endParaRPr kumimoji="0" lang="zh-CN" altLang="en-US" sz="1800" b="1" i="0" u="none" strike="noStrike" kern="1200" cap="none" spc="0" normalizeH="0" baseline="0" noProof="0" dirty="0">
                 <a:ln>
@@ -38338,7 +35805,7 @@
                     <a:noFill/>
                   </a:ln>
                   <a:solidFill>
-                    <a:srgbClr val="FF0000"/>
+                    <a:srgbClr val="00B0F0"/>
                   </a:solidFill>
                   <a:effectLst/>
                   <a:uLnTx/>
@@ -38372,7 +35839,7 @@
                     <a:noFill/>
                   </a:ln>
                   <a:solidFill>
-                    <a:srgbClr val="FF0000"/>
+                    <a:srgbClr val="00B0F0"/>
                   </a:solidFill>
                   <a:effectLst/>
                   <a:uLnTx/>
@@ -38381,7 +35848,7 @@
                   <a:ea typeface="微软雅黑" panose="020B0503020204020204" charset="-122"/>
                   <a:cs typeface="+mn-cs"/>
                 </a:rPr>
-                <a:t>控制</a:t>
+                <a:t>控制社会的货币与信用的供给</a:t>
               </a:r>
               <a:r>
                 <a:rPr kumimoji="0" lang="zh-CN" altLang="en-US" sz="1800" b="1" i="0" u="none" strike="noStrike" kern="1200" cap="none" spc="0" normalizeH="0" baseline="0" noProof="0" dirty="0">
@@ -38398,7 +35865,7 @@
                   <a:ea typeface="微软雅黑" panose="020B0503020204020204" charset="-122"/>
                   <a:cs typeface="+mn-cs"/>
                 </a:rPr>
-                <a:t>社会的</a:t>
+                <a:t>，干预经济生活，调节经济增长。（</a:t>
               </a:r>
               <a:r>
                 <a:rPr kumimoji="0" lang="zh-CN" altLang="en-US" sz="1800" b="1" i="0" u="none" strike="noStrike" kern="1200" cap="none" spc="0" normalizeH="0" baseline="0" noProof="0" dirty="0">
@@ -38406,7 +35873,7 @@
                     <a:noFill/>
                   </a:ln>
                   <a:solidFill>
-                    <a:srgbClr val="FF0000"/>
+                    <a:srgbClr val="00B0F0"/>
                   </a:solidFill>
                   <a:effectLst/>
                   <a:uLnTx/>
@@ -38415,7 +35882,7 @@
                   <a:ea typeface="微软雅黑" panose="020B0503020204020204" charset="-122"/>
                   <a:cs typeface="+mn-cs"/>
                 </a:rPr>
-                <a:t>货币与信用的供给</a:t>
+                <a:t>货币政策</a:t>
               </a:r>
               <a:r>
                 <a:rPr kumimoji="0" lang="zh-CN" altLang="en-US" sz="1800" b="1" i="0" u="none" strike="noStrike" kern="1200" cap="none" spc="0" normalizeH="0" baseline="0" noProof="0" dirty="0">
@@ -38432,7 +35899,7 @@
                   <a:ea typeface="微软雅黑" panose="020B0503020204020204" charset="-122"/>
                   <a:cs typeface="+mn-cs"/>
                 </a:rPr>
-                <a:t>，干预经济生活，调节经济增长。（货币政策）</a:t>
+                <a:t>）</a:t>
               </a:r>
               <a:endParaRPr kumimoji="0" lang="zh-CN" altLang="en-US" sz="1800" b="1" i="0" u="none" strike="noStrike" kern="1200" cap="none" spc="0" normalizeH="0" baseline="0" noProof="0" dirty="0">
                 <a:ln>
@@ -39202,7 +36669,7 @@
                     <a:noFill/>
                   </a:ln>
                   <a:solidFill>
-                    <a:srgbClr val="FF0000"/>
+                    <a:srgbClr val="00B0F0"/>
                   </a:solidFill>
                   <a:effectLst/>
                   <a:uLnTx/>
@@ -39569,7 +37036,7 @@
                     <a:noFill/>
                   </a:ln>
                   <a:solidFill>
-                    <a:srgbClr val="FF0000"/>
+                    <a:srgbClr val="00B0F0"/>
                   </a:solidFill>
                   <a:effectLst/>
                   <a:uLnTx/>
@@ -39620,7 +37087,7 @@
                     <a:noFill/>
                   </a:ln>
                   <a:solidFill>
-                    <a:srgbClr val="FF0000"/>
+                    <a:srgbClr val="00B0F0"/>
                   </a:solidFill>
                   <a:effectLst/>
                   <a:uLnTx/>
@@ -39654,7 +37121,7 @@
                     <a:noFill/>
                   </a:ln>
                   <a:solidFill>
-                    <a:srgbClr val="FF0000"/>
+                    <a:srgbClr val="00B0F0"/>
                   </a:solidFill>
                   <a:effectLst/>
                   <a:uLnTx/>
@@ -39688,7 +37155,7 @@
                     <a:noFill/>
                   </a:ln>
                   <a:solidFill>
-                    <a:srgbClr val="FF0000"/>
+                    <a:srgbClr val="00B0F0"/>
                   </a:solidFill>
                   <a:effectLst/>
                   <a:uLnTx/>
@@ -39801,7 +37268,7 @@
                     <a:noFill/>
                   </a:ln>
                   <a:solidFill>
-                    <a:srgbClr val="FF0000"/>
+                    <a:srgbClr val="00B0F0"/>
                   </a:solidFill>
                   <a:effectLst/>
                   <a:uLnTx/>
@@ -39835,7 +37302,7 @@
                     <a:noFill/>
                   </a:ln>
                   <a:solidFill>
-                    <a:srgbClr val="FF0000"/>
+                    <a:srgbClr val="00B0F0"/>
                   </a:solidFill>
                   <a:effectLst/>
                   <a:uLnTx/>
@@ -40575,7 +38042,7 @@
                   <a:noFill/>
                 </a:ln>
                 <a:solidFill>
-                  <a:srgbClr val="FF0000"/>
+                  <a:srgbClr val="00B0F0"/>
                 </a:solidFill>
                 <a:effectLst/>
                 <a:uLnTx/>
@@ -40813,7 +38280,7 @@
                   <a:noFill/>
                 </a:ln>
                 <a:solidFill>
-                  <a:srgbClr val="FF0000"/>
+                  <a:srgbClr val="00B0F0"/>
                 </a:solidFill>
                 <a:effectLst/>
                 <a:uLnTx/>
@@ -40847,7 +38314,7 @@
                   <a:noFill/>
                 </a:ln>
                 <a:solidFill>
-                  <a:srgbClr val="FF0000"/>
+                  <a:srgbClr val="00B0F0"/>
                 </a:solidFill>
                 <a:effectLst/>
                 <a:uLnTx/>
@@ -41714,7 +39181,7 @@
                     <a:noFill/>
                   </a:ln>
                   <a:solidFill>
-                    <a:srgbClr val="FF0000"/>
+                    <a:srgbClr val="990000"/>
                   </a:solidFill>
                   <a:effectLst/>
                   <a:uLnTx/>
@@ -41748,7 +39215,7 @@
                     <a:noFill/>
                   </a:ln>
                   <a:solidFill>
-                    <a:srgbClr val="FF0000"/>
+                    <a:srgbClr val="990000"/>
                   </a:solidFill>
                   <a:effectLst/>
                   <a:uLnTx/>
@@ -41757,41 +39224,7 @@
                   <a:ea typeface="微软雅黑" panose="020B0503020204020204" charset="-122"/>
                   <a:cs typeface="+mn-cs"/>
                 </a:rPr>
-                <a:t>预期收益与实际收益发生偏离</a:t>
-              </a:r>
-              <a:r>
-                <a:rPr kumimoji="0" lang="zh-CN" altLang="en-US" sz="2000" b="1" i="0" u="none" strike="noStrike" kern="1200" cap="none" spc="0" normalizeH="0" baseline="0" noProof="0" dirty="0">
-                  <a:ln>
-                    <a:noFill/>
-                  </a:ln>
-                  <a:solidFill>
-                    <a:schemeClr val="tx1"/>
-                  </a:solidFill>
-                  <a:effectLst/>
-                  <a:uLnTx/>
-                  <a:uFillTx/>
-                  <a:latin typeface="微软雅黑" panose="020B0503020204020204" charset="-122"/>
-                  <a:ea typeface="微软雅黑" panose="020B0503020204020204" charset="-122"/>
-                  <a:cs typeface="+mn-cs"/>
-                </a:rPr>
-                <a:t>的</a:t>
-              </a:r>
-              <a:r>
-                <a:rPr kumimoji="0" lang="zh-CN" altLang="en-US" sz="2000" b="1" i="0" u="none" strike="noStrike" kern="1200" cap="none" spc="0" normalizeH="0" baseline="0" noProof="0" dirty="0">
-                  <a:ln>
-                    <a:noFill/>
-                  </a:ln>
-                  <a:solidFill>
-                    <a:srgbClr val="FF0000"/>
-                  </a:solidFill>
-                  <a:effectLst/>
-                  <a:uLnTx/>
-                  <a:uFillTx/>
-                  <a:latin typeface="微软雅黑" panose="020B0503020204020204" charset="-122"/>
-                  <a:ea typeface="微软雅黑" panose="020B0503020204020204" charset="-122"/>
-                  <a:cs typeface="+mn-cs"/>
-                </a:rPr>
-                <a:t>可能性</a:t>
+                <a:t>预期收益与实际收益发生偏离的可能性</a:t>
               </a:r>
               <a:r>
                 <a:rPr kumimoji="0" lang="zh-CN" altLang="en-US" sz="2000" b="1" i="0" u="none" strike="noStrike" kern="1200" cap="none" spc="0" normalizeH="0" baseline="0" noProof="0" dirty="0">
@@ -42019,7 +39452,7 @@
                     <a:noFill/>
                   </a:ln>
                   <a:solidFill>
-                    <a:srgbClr val="FF0000"/>
+                    <a:srgbClr val="990000"/>
                   </a:solidFill>
                   <a:effectLst/>
                   <a:uLnTx/>
@@ -42053,7 +39486,7 @@
                     <a:noFill/>
                   </a:ln>
                   <a:solidFill>
-                    <a:srgbClr val="FF0000"/>
+                    <a:srgbClr val="990000"/>
                   </a:solidFill>
                   <a:effectLst/>
                   <a:uLnTx/>
@@ -42087,7 +39520,7 @@
                     <a:noFill/>
                   </a:ln>
                   <a:solidFill>
-                    <a:srgbClr val="FF0000"/>
+                    <a:srgbClr val="990000"/>
                   </a:solidFill>
                   <a:effectLst/>
                   <a:uLnTx/>
@@ -44044,7 +41477,7 @@
             <a:r>
               <a:rPr lang="zh-CN" altLang="en-US">
                 <a:solidFill>
-                  <a:srgbClr val="FF0000"/>
+                  <a:srgbClr val="00B0F0"/>
                 </a:solidFill>
                 <a:latin typeface="微软雅黑" panose="020B0503020204020204" charset="-122"/>
                 <a:ea typeface="微软雅黑" panose="020B0503020204020204" charset="-122"/>
@@ -44061,7 +41494,7 @@
             <a:r>
               <a:rPr lang="zh-CN" altLang="en-US">
                 <a:solidFill>
-                  <a:srgbClr val="FF0000"/>
+                  <a:srgbClr val="00B0F0"/>
                 </a:solidFill>
                 <a:latin typeface="微软雅黑" panose="020B0503020204020204" charset="-122"/>
                 <a:ea typeface="微软雅黑" panose="020B0503020204020204" charset="-122"/>
@@ -44221,7 +41654,7 @@
             <a:r>
               <a:rPr lang="zh-CN" altLang="en-US">
                 <a:solidFill>
-                  <a:srgbClr val="FF0000"/>
+                  <a:srgbClr val="00B0F0"/>
                 </a:solidFill>
                 <a:latin typeface="微软雅黑" panose="020B0503020204020204" charset="-122"/>
                 <a:ea typeface="微软雅黑" panose="020B0503020204020204" charset="-122"/>
@@ -44238,7 +41671,7 @@
             <a:r>
               <a:rPr lang="zh-CN" altLang="en-US">
                 <a:solidFill>
-                  <a:srgbClr val="FF0000"/>
+                  <a:srgbClr val="00B0F0"/>
                 </a:solidFill>
                 <a:latin typeface="微软雅黑" panose="020B0503020204020204" charset="-122"/>
                 <a:ea typeface="微软雅黑" panose="020B0503020204020204" charset="-122"/>
@@ -44250,7 +41683,22 @@
                 <a:latin typeface="微软雅黑" panose="020B0503020204020204" charset="-122"/>
                 <a:ea typeface="微软雅黑" panose="020B0503020204020204" charset="-122"/>
               </a:rPr>
-              <a:t>，在违约敞口内没有限制，因此，有很大可能只获取相对较小的利息收入，同时遭受较大损失。</a:t>
+              <a:t>，在违约</a:t>
+            </a:r>
+            <a:r>
+              <a:rPr lang="zh-CN" altLang="en-US">
+                <a:latin typeface="微软雅黑" panose="020B0503020204020204" charset="-122"/>
+                <a:ea typeface="微软雅黑" panose="020B0503020204020204" charset="-122"/>
+                <a:hlinkClick r:id="rId4" tooltip="" action="ppaction://hlinkfile"/>
+              </a:rPr>
+              <a:t>敞口</a:t>
+            </a:r>
+            <a:r>
+              <a:rPr lang="zh-CN" altLang="en-US">
+                <a:latin typeface="微软雅黑" panose="020B0503020204020204" charset="-122"/>
+                <a:ea typeface="微软雅黑" panose="020B0503020204020204" charset="-122"/>
+              </a:rPr>
+              <a:t>内没有限制，因此，有很大可能只获取相对较小的利息收入，同时遭受较大损失。</a:t>
             </a:r>
             <a:endParaRPr lang="zh-CN" altLang="en-US">
               <a:latin typeface="微软雅黑" panose="020B0503020204020204" charset="-122"/>
@@ -44398,7 +41846,7 @@
             <a:r>
               <a:rPr lang="zh-CN" altLang="en-US">
                 <a:solidFill>
-                  <a:srgbClr val="FF0000"/>
+                  <a:srgbClr val="00B0F0"/>
                 </a:solidFill>
                 <a:latin typeface="微软雅黑" panose="020B0503020204020204" charset="-122"/>
                 <a:ea typeface="微软雅黑" panose="020B0503020204020204" charset="-122"/>
@@ -44415,7 +41863,7 @@
             <a:r>
               <a:rPr lang="zh-CN" altLang="en-US">
                 <a:solidFill>
-                  <a:srgbClr val="FF0000"/>
+                  <a:srgbClr val="00B0F0"/>
                 </a:solidFill>
                 <a:latin typeface="微软雅黑" panose="020B0503020204020204" charset="-122"/>
                 <a:ea typeface="微软雅黑" panose="020B0503020204020204" charset="-122"/>
@@ -44432,7 +41880,7 @@
             <a:r>
               <a:rPr lang="zh-CN" altLang="en-US">
                 <a:solidFill>
-                  <a:srgbClr val="FF0000"/>
+                  <a:srgbClr val="00B0F0"/>
                 </a:solidFill>
                 <a:latin typeface="微软雅黑" panose="020B0503020204020204" charset="-122"/>
                 <a:ea typeface="微软雅黑" panose="020B0503020204020204" charset="-122"/>
@@ -44449,7 +41897,7 @@
             <a:r>
               <a:rPr lang="zh-CN" altLang="en-US">
                 <a:solidFill>
-                  <a:srgbClr val="FF0000"/>
+                  <a:srgbClr val="00B0F0"/>
                 </a:solidFill>
                 <a:latin typeface="微软雅黑" panose="020B0503020204020204" charset="-122"/>
                 <a:ea typeface="微软雅黑" panose="020B0503020204020204" charset="-122"/>

--- a/files/slides/lecture_18.pptx
+++ b/files/slides/lecture_18.pptx
@@ -11093,7 +11093,7 @@
             </a:endParaRPr>
           </a:p>
           <a:p>
-            <a:pPr marL="342900" marR="0" lvl="0" indent="-342900" algn="l" defTabSz="914400" rtl="0" eaLnBrk="1" fontAlgn="base" latinLnBrk="0" hangingPunct="1">
+            <a:pPr marL="0" marR="0" lvl="0" indent="0" algn="l" defTabSz="914400" rtl="0" eaLnBrk="1" fontAlgn="base" latinLnBrk="0" hangingPunct="1">
               <a:lnSpc>
                 <a:spcPts val="3100"/>
               </a:lnSpc>
@@ -11107,44 +11107,9 @@
                 <a:srgbClr val="CC3300"/>
               </a:buClr>
               <a:buSzTx/>
-              <a:buFont typeface="Wingdings" panose="05000000000000000000" pitchFamily="2" charset="2"/>
-              <a:buChar char="Ü"/>
+              <a:buNone/>
               <a:defRPr/>
             </a:pPr>
-            <a:r>
-              <a:rPr kumimoji="1" lang="zh-CN" altLang="en-US" sz="2000" b="0" i="0" u="sng" strike="noStrike" kern="1200" cap="none" spc="0" normalizeH="0" baseline="0" noProof="0" dirty="0">
-                <a:ln>
-                  <a:noFill/>
-                </a:ln>
-                <a:solidFill>
-                  <a:srgbClr val="00B0F0"/>
-                </a:solidFill>
-                <a:effectLst/>
-                <a:uLnTx/>
-                <a:uFillTx/>
-                <a:latin typeface="微软雅黑" panose="020B0503020204020204" charset="-122"/>
-                <a:ea typeface="微软雅黑" panose="020B0503020204020204" charset="-122"/>
-                <a:cs typeface="微软雅黑" panose="020B0503020204020204" charset="-122"/>
-              </a:rPr>
-              <a:t>商业银行信用风险管理</a:t>
-            </a:r>
-            <a:r>
-              <a:rPr kumimoji="1" lang="zh-CN" altLang="en-US" sz="2000" b="0" i="0" u="sng" strike="noStrike" kern="1200" cap="none" spc="0" normalizeH="0" baseline="0" noProof="0" dirty="0">
-                <a:ln>
-                  <a:noFill/>
-                </a:ln>
-                <a:solidFill>
-                  <a:schemeClr val="tx1"/>
-                </a:solidFill>
-                <a:effectLst/>
-                <a:uLnTx/>
-                <a:uFillTx/>
-                <a:latin typeface="微软雅黑" panose="020B0503020204020204" charset="-122"/>
-                <a:ea typeface="微软雅黑" panose="020B0503020204020204" charset="-122"/>
-                <a:cs typeface="微软雅黑" panose="020B0503020204020204" charset="-122"/>
-              </a:rPr>
-              <a:t>：</a:t>
-            </a:r>
             <a:r>
               <a:rPr kumimoji="1" lang="zh-CN" altLang="en-US" sz="2000" b="0" i="0" u="none" strike="noStrike" kern="1200" cap="none" spc="0" normalizeH="0" baseline="0" noProof="0" dirty="0">
                 <a:ln>
@@ -11160,7 +11125,7 @@
                 <a:ea typeface="微软雅黑" panose="020B0503020204020204" charset="-122"/>
                 <a:cs typeface="微软雅黑" panose="020B0503020204020204" charset="-122"/>
               </a:rPr>
-              <a:t>是银行风险管理的重要组成部分，是指商业银行对所涉及的</a:t>
+              <a:t>商业银行对所涉及的</a:t>
             </a:r>
             <a:r>
               <a:rPr kumimoji="1" lang="zh-CN" altLang="en-US" sz="2000" b="0" i="0" u="none" strike="noStrike" kern="1200" cap="none" spc="0" normalizeH="0" baseline="0" noProof="0" dirty="0">
@@ -11549,6 +11514,38 @@
               </a:rPr>
               <a:t>是商业银行接受受托人资金或服务的委托，对信用契约进行管理的过程；</a:t>
             </a:r>
+            <a:endParaRPr kumimoji="1" lang="zh-CN" altLang="en-US" sz="2000" b="0" i="0" u="none" strike="noStrike" kern="1200" cap="none" spc="0" normalizeH="0" baseline="0" noProof="0" dirty="0">
+              <a:ln>
+                <a:noFill/>
+              </a:ln>
+              <a:solidFill>
+                <a:srgbClr val="000000"/>
+              </a:solidFill>
+              <a:effectLst/>
+              <a:uLnTx/>
+              <a:uFillTx/>
+              <a:latin typeface="微软雅黑" panose="020B0503020204020204" charset="-122"/>
+              <a:ea typeface="微软雅黑" panose="020B0503020204020204" charset="-122"/>
+              <a:cs typeface="微软雅黑" panose="020B0503020204020204" charset="-122"/>
+            </a:endParaRPr>
+          </a:p>
+          <a:p>
+            <a:pPr marL="0" marR="0" lvl="0" indent="0" algn="l" defTabSz="914400" rtl="0" eaLnBrk="1" fontAlgn="base" latinLnBrk="0" hangingPunct="1">
+              <a:lnSpc>
+                <a:spcPts val="3100"/>
+              </a:lnSpc>
+              <a:spcBef>
+                <a:spcPct val="0"/>
+              </a:spcBef>
+              <a:spcAft>
+                <a:spcPct val="0"/>
+              </a:spcAft>
+              <a:buClrTx/>
+              <a:buSzTx/>
+              <a:buFont typeface="Wingdings" panose="05000000000000000000" pitchFamily="2" charset="2"/>
+              <a:buNone/>
+              <a:defRPr/>
+            </a:pPr>
             <a:r>
               <a:rPr kumimoji="1" lang="zh-CN" altLang="en-US" sz="2000" b="0" i="0" u="none" strike="noStrike" kern="1200" cap="none" spc="0" normalizeH="0" baseline="0" noProof="0" dirty="0">
                 <a:ln>
@@ -12109,6 +12106,49 @@
                                   </p:childTnLst>
                                 </p:cTn>
                               </p:par>
+                              <p:par>
+                                <p:cTn id="17" presetID="6" presetClass="entr" presetSubtype="16" fill="hold" nodeType="withEffect">
+                                  <p:stCondLst>
+                                    <p:cond delay="0"/>
+                                  </p:stCondLst>
+                                  <p:childTnLst>
+                                    <p:set>
+                                      <p:cBhvr>
+                                        <p:cTn id="18" dur="1" fill="hold">
+                                          <p:stCondLst>
+                                            <p:cond delay="0"/>
+                                          </p:stCondLst>
+                                        </p:cTn>
+                                        <p:tgtEl>
+                                          <p:spTgt spid="620547">
+                                            <p:txEl>
+                                              <p:charRg st="5" end="5"/>
+                                            </p:txEl>
+                                          </p:spTgt>
+                                        </p:tgtEl>
+                                        <p:attrNameLst>
+                                          <p:attrName>style.visibility</p:attrName>
+                                        </p:attrNameLst>
+                                      </p:cBhvr>
+                                      <p:to>
+                                        <p:strVal val="visible"/>
+                                      </p:to>
+                                    </p:set>
+                                    <p:animEffect transition="in" filter="circle(in)">
+                                      <p:cBhvr>
+                                        <p:cTn id="19" dur="2000"/>
+                                        <p:tgtEl>
+                                          <p:spTgt spid="620547">
+                                            <p:txEl>
+                                              <p:charRg st="5" end="5"/>
+                                            </p:txEl>
+                                          </p:spTgt>
+                                        </p:tgtEl>
+                                      </p:cBhvr>
+                                    </p:animEffect>
+                                  </p:childTnLst>
+                                </p:cTn>
+                              </p:par>
                             </p:childTnLst>
                           </p:cTn>
                         </p:par>
@@ -12756,7 +12796,7 @@
                 <a:latin typeface="微软雅黑" panose="020B0503020204020204" charset="-122"/>
                 <a:ea typeface="微软雅黑" panose="020B0503020204020204" charset="-122"/>
               </a:rPr>
-              <a:t>，进行有效的风险控制和管理，建立识别和规避资产信用风险方法、模型技术，实现商业银行的资产盈利性和安全性。</a:t>
+              <a:t>，进行有效的风险控制和管理，建立识别和规避资产信用风险额方法和模型技术，实现商业银行的资产盈利性和安全性。</a:t>
             </a:r>
             <a:endParaRPr lang="zh-CN" altLang="en-US">
               <a:latin typeface="微软雅黑" panose="020B0503020204020204" charset="-122"/>
@@ -13153,7 +13193,7 @@
                 </a:solidFill>
                 <a:latin typeface="微软雅黑" panose="020B0503020204020204" charset="-122"/>
                 <a:ea typeface="微软雅黑" panose="020B0503020204020204" charset="-122"/>
-                <a:hlinkClick r:id="rId4" tooltip="" action="ppaction://hlinkfile"/>
+                <a:hlinkClick r:id="rId4" action="ppaction://hlinkfile"/>
               </a:rPr>
               <a:t>资本金</a:t>
             </a:r>
@@ -13331,7 +13371,7 @@
                 </a:solidFill>
                 <a:latin typeface="微软雅黑" panose="020B0503020204020204" charset="-122"/>
                 <a:ea typeface="微软雅黑" panose="020B0503020204020204" charset="-122"/>
-                <a:hlinkClick r:id="rId5" tooltip="" action="ppaction://hlinkfile"/>
+                <a:hlinkClick r:id="rId5" action="ppaction://hlinkfile"/>
               </a:rPr>
               <a:t>表外信用业务</a:t>
             </a:r>
@@ -13822,9 +13862,9 @@
         <p:grpSpPr>
           <a:xfrm>
             <a:off x="1595755" y="1327150"/>
-            <a:ext cx="9001125" cy="4348480"/>
+            <a:ext cx="9001125" cy="4346575"/>
             <a:chOff x="395" y="2275"/>
-            <a:chExt cx="14175" cy="6848"/>
+            <a:chExt cx="14175" cy="6845"/>
           </a:xfrm>
         </p:grpSpPr>
         <p:grpSp>
@@ -13943,7 +13983,7 @@
           <p:spPr>
             <a:xfrm>
               <a:off x="415" y="2355"/>
-              <a:ext cx="6535" cy="2183"/>
+              <a:ext cx="6535" cy="2244"/>
             </a:xfrm>
             <a:prstGeom prst="rect">
               <a:avLst/>
@@ -14007,7 +14047,7 @@
                 <a:t>、通过对</a:t>
               </a:r>
               <a:r>
-                <a:rPr kumimoji="0" lang="zh-CN" altLang="en-US" sz="2000" b="0" i="1" u="sng" strike="noStrike" kern="1200" cap="none" spc="0" normalizeH="0" baseline="0" noProof="0" dirty="0">
+                <a:rPr kumimoji="0" lang="zh-CN" altLang="en-US" sz="2000" b="0" strike="noStrike" kern="1200" cap="none" spc="0" normalizeH="0" baseline="0" noProof="0" dirty="0">
                   <a:ln>
                     <a:noFill/>
                   </a:ln>
@@ -14134,7 +14174,7 @@
           <p:spPr>
             <a:xfrm>
               <a:off x="6950" y="2275"/>
-              <a:ext cx="7620" cy="2708"/>
+              <a:ext cx="7620" cy="2769"/>
             </a:xfrm>
             <a:prstGeom prst="rect">
               <a:avLst/>
@@ -14198,7 +14238,7 @@
                 <a:t>、通过对</a:t>
               </a:r>
               <a:r>
-                <a:rPr kumimoji="0" lang="zh-CN" altLang="en-US" sz="2000" b="0" i="1" u="sng" strike="noStrike" kern="1200" cap="none" spc="0" normalizeH="0" baseline="0" noProof="0" dirty="0">
+                <a:rPr kumimoji="0" lang="zh-CN" altLang="en-US" sz="2000" b="0" strike="noStrike" kern="1200" cap="none" spc="0" normalizeH="0" baseline="0" noProof="0" dirty="0">
                   <a:ln>
                     <a:noFill/>
                   </a:ln>
@@ -14291,7 +14331,7 @@
           <p:spPr>
             <a:xfrm>
               <a:off x="395" y="5725"/>
-              <a:ext cx="6555" cy="3398"/>
+              <a:ext cx="6555" cy="3395"/>
             </a:xfrm>
             <a:prstGeom prst="rect">
               <a:avLst/>
@@ -14355,7 +14395,7 @@
                 <a:t>、通过对其</a:t>
               </a:r>
               <a:r>
-                <a:rPr kumimoji="0" lang="zh-CN" altLang="en-US" sz="2000" b="0" i="1" u="sng" strike="noStrike" kern="1200" cap="none" spc="0" normalizeH="0" baseline="0" noProof="0" dirty="0">
+                <a:rPr kumimoji="0" lang="zh-CN" altLang="en-US" sz="2000" b="0" strike="noStrike" kern="1200" cap="none" spc="0" normalizeH="0" baseline="0" noProof="0" dirty="0">
                   <a:ln>
                     <a:noFill/>
                   </a:ln>
@@ -14563,7 +14603,7 @@
                 <a:t>、通过对其</a:t>
               </a:r>
               <a:r>
-                <a:rPr kumimoji="0" lang="zh-CN" altLang="en-US" sz="2000" b="0" i="0" u="sng" strike="noStrike" kern="1200" cap="none" spc="0" normalizeH="0" baseline="0" noProof="0" dirty="0">
+                <a:rPr kumimoji="0" lang="zh-CN" altLang="en-US" sz="2000" b="0" i="0" strike="noStrike" kern="1200" cap="none" spc="0" normalizeH="0" baseline="0" noProof="0" dirty="0">
                   <a:ln>
                     <a:noFill/>
                   </a:ln>
@@ -21852,7 +21892,7 @@
         <p:spPr>
           <a:xfrm>
             <a:off x="6401118" y="3065780"/>
-            <a:ext cx="2286000" cy="3132138"/>
+            <a:ext cx="2286000" cy="3169285"/>
           </a:xfrm>
           <a:prstGeom prst="rect">
             <a:avLst/>
@@ -21931,7 +21971,7 @@
                 <a:ea typeface="微软雅黑" panose="020B0503020204020204" charset="-122"/>
                 <a:cs typeface="微软雅黑" panose="020B0503020204020204" charset="-122"/>
               </a:rPr>
-              <a:t>人，集中了大批从事风险管理的专业人才</a:t>
+              <a:t>人，集中了大批从事风险管理的专业人才。</a:t>
             </a:r>
             <a:endParaRPr lang="zh-CN" altLang="zh-CN" sz="1800" dirty="0">
               <a:solidFill>
@@ -35397,7 +35437,7 @@
                   <a:ea typeface="微软雅黑" panose="020B0503020204020204" charset="-122"/>
                   <a:cs typeface="+mn-cs"/>
                 </a:rPr>
-                <a:t>的作用。</a:t>
+                <a:t>。</a:t>
               </a:r>
               <a:endParaRPr kumimoji="0" lang="zh-CN" altLang="en-US" sz="1800" b="1" i="0" u="none" strike="noStrike" kern="1200" cap="none" spc="0" normalizeH="0" baseline="0" noProof="0" dirty="0">
                 <a:ln>
@@ -35717,9 +35757,43 @@
                   <a:ea typeface="微软雅黑" panose="020B0503020204020204" charset="-122"/>
                   <a:cs typeface="+mn-cs"/>
                 </a:rPr>
-                <a:t>信用就是资本，银行的本质在于创造信用，进而为社会创造新的资本。</a:t>
+                <a:t>信用就是资本，银行的本质在于创造信用，进而为社会创造新的资本。（</a:t>
               </a:r>
-              <a:endParaRPr kumimoji="0" lang="zh-CN" altLang="en-US" sz="1800" b="1" i="0" u="none" strike="noStrike" kern="1200" cap="none" spc="0" normalizeH="0" baseline="0" noProof="0" dirty="0">
+              <a:r>
+                <a:rPr kumimoji="0" lang="zh-CN" altLang="en-US" sz="1800" b="1" i="0" u="none" strike="noStrike" kern="1200" cap="none" spc="0" normalizeH="0" baseline="0" noProof="0" dirty="0">
+                  <a:ln>
+                    <a:noFill/>
+                  </a:ln>
+                  <a:solidFill>
+                    <a:srgbClr val="00B0F0"/>
+                  </a:solidFill>
+                  <a:effectLst/>
+                  <a:uLnTx/>
+                  <a:uFillTx/>
+                  <a:latin typeface="微软雅黑" panose="020B0503020204020204" charset="-122"/>
+                  <a:ea typeface="微软雅黑" panose="020B0503020204020204" charset="-122"/>
+                  <a:cs typeface="+mn-cs"/>
+                </a:rPr>
+                <a:t>信用创造论</a:t>
+              </a:r>
+              <a:r>
+                <a:rPr kumimoji="0" lang="zh-CN" altLang="en-US" sz="1800" b="1" i="0" u="none" strike="noStrike" kern="1200" cap="none" spc="0" normalizeH="0" baseline="0" noProof="0" dirty="0">
+                  <a:ln>
+                    <a:noFill/>
+                  </a:ln>
+                  <a:solidFill>
+                    <a:srgbClr val="000000"/>
+                  </a:solidFill>
+                  <a:effectLst/>
+                  <a:uLnTx/>
+                  <a:uFillTx/>
+                  <a:latin typeface="微软雅黑" panose="020B0503020204020204" charset="-122"/>
+                  <a:ea typeface="微软雅黑" panose="020B0503020204020204" charset="-122"/>
+                  <a:cs typeface="+mn-cs"/>
+                </a:rPr>
+                <a:t>）</a:t>
+              </a:r>
+              <a:endParaRPr kumimoji="0" lang="" altLang="zh-CN" sz="1800" b="1" i="0" u="none" strike="noStrike" kern="1200" cap="none" spc="0" normalizeH="0" baseline="0" noProof="0" dirty="0">
                 <a:ln>
                   <a:noFill/>
                 </a:ln>
@@ -38272,7 +38346,7 @@
                 <a:ea typeface="微软雅黑" panose="020B0503020204020204" charset="-122"/>
                 <a:cs typeface="微软雅黑" panose="020B0503020204020204" charset="-122"/>
               </a:rPr>
-              <a:t>、为应对竞争压力，银行贷款结构</a:t>
+              <a:t>、近年来，为应对竞争压力，银行贷款结构</a:t>
             </a:r>
             <a:r>
               <a:rPr kumimoji="0" lang="zh-CN" altLang="en-US" sz="2000" b="1" i="0" u="none" strike="noStrike" kern="1200" cap="none" spc="0" normalizeH="0" baseline="0" noProof="0" dirty="0">
@@ -39512,7 +39586,7 @@
                   <a:ea typeface="微软雅黑" panose="020B0503020204020204" charset="-122"/>
                   <a:cs typeface="+mn-cs"/>
                 </a:rPr>
-                <a:t>，从而导致银行金融机构在经营活动中遭受损失或获取额外收益的一种</a:t>
+                <a:t>，从而导致银行金融机构在经营活动中遭受损失或获取额外收益的</a:t>
               </a:r>
               <a:r>
                 <a:rPr kumimoji="0" lang="zh-CN" altLang="en-US" sz="2000" b="1" i="0" u="none" strike="noStrike" kern="1200" cap="none" spc="0" normalizeH="0" baseline="0" noProof="0" dirty="0">
@@ -41632,7 +41706,7 @@
         <p:spPr>
           <a:xfrm>
             <a:off x="847725" y="3571240"/>
-            <a:ext cx="10587990" cy="922020"/>
+            <a:ext cx="10587990" cy="1198880"/>
           </a:xfrm>
           <a:prstGeom prst="rect">
             <a:avLst/>
@@ -41689,9 +41763,16 @@
               <a:rPr lang="zh-CN" altLang="en-US">
                 <a:latin typeface="微软雅黑" panose="020B0503020204020204" charset="-122"/>
                 <a:ea typeface="微软雅黑" panose="020B0503020204020204" charset="-122"/>
-                <a:hlinkClick r:id="rId4" tooltip="" action="ppaction://hlinkfile"/>
+                <a:hlinkClick r:id="rId4" action="ppaction://hlinkfile"/>
               </a:rPr>
               <a:t>敞口</a:t>
+            </a:r>
+            <a:r>
+              <a:rPr lang="zh-CN" altLang="en-US">
+                <a:latin typeface="微软雅黑" panose="020B0503020204020204" charset="-122"/>
+                <a:ea typeface="微软雅黑" panose="020B0503020204020204" charset="-122"/>
+              </a:rPr>
+              <a:t>（在金融行为中存在金融危机的部位以及受金融危机影响的程度）</a:t>
             </a:r>
             <a:r>
               <a:rPr lang="zh-CN" altLang="en-US">
@@ -41717,7 +41798,7 @@
         </p:nvSpPr>
         <p:spPr bwMode="auto">
           <a:xfrm>
-            <a:off x="682625" y="4667081"/>
+            <a:off x="682625" y="4833451"/>
             <a:ext cx="6736163" cy="510907"/>
           </a:xfrm>
           <a:prstGeom prst="roundRect">

--- a/files/slides/lecture_18.pptx
+++ b/files/slides/lecture_18.pptx
@@ -35793,7 +35793,7 @@
                 </a:rPr>
                 <a:t>）</a:t>
               </a:r>
-              <a:endParaRPr kumimoji="0" lang="" altLang="zh-CN" sz="1800" b="1" i="0" u="none" strike="noStrike" kern="1200" cap="none" spc="0" normalizeH="0" baseline="0" noProof="0" dirty="0">
+              <a:endParaRPr kumimoji="0" lang="en-US" altLang="zh-CN" sz="1800" b="1" i="0" u="none" strike="noStrike" kern="1200" cap="none" spc="0" normalizeH="0" baseline="0" noProof="0" dirty="0">
                 <a:ln>
                   <a:noFill/>
                 </a:ln>
@@ -41772,14 +41772,7 @@
                 <a:latin typeface="微软雅黑" panose="020B0503020204020204" charset="-122"/>
                 <a:ea typeface="微软雅黑" panose="020B0503020204020204" charset="-122"/>
               </a:rPr>
-              <a:t>（在金融行为中存在金融危机的部位以及受金融危机影响的程度）</a:t>
-            </a:r>
-            <a:r>
-              <a:rPr lang="zh-CN" altLang="en-US">
-                <a:latin typeface="微软雅黑" panose="020B0503020204020204" charset="-122"/>
-                <a:ea typeface="微软雅黑" panose="020B0503020204020204" charset="-122"/>
-              </a:rPr>
-              <a:t>内没有限制，因此，有很大可能只获取相对较小的利息收入，同时遭受较大损失。</a:t>
+              <a:t>（在金融行为中存在金融危机的部位以及受金融危机影响的程度）内没有限制，因此，有很大可能只获取相对较小的利息收入，同时遭受较大损失。</a:t>
             </a:r>
             <a:endParaRPr lang="zh-CN" altLang="en-US">
               <a:latin typeface="微软雅黑" panose="020B0503020204020204" charset="-122"/>
